--- a/ML/David/Managing Different Image Sizes.pptx
+++ b/ML/David/Managing Different Image Sizes.pptx
@@ -22,16 +22,17 @@
     <p:sldId id="267" r:id="rId17"/>
     <p:sldId id="268" r:id="rId18"/>
     <p:sldId id="269" r:id="rId19"/>
+    <p:sldId id="270" r:id="rId20"/>
   </p:sldIdLst>
   <p:sldSz cy="5143500" cx="9144000"/>
   <p:notesSz cx="6858000" cy="9144000"/>
   <p:embeddedFontLst>
     <p:embeddedFont>
       <p:font typeface="Roboto"/>
-      <p:regular r:id="rId20"/>
-      <p:bold r:id="rId21"/>
-      <p:italic r:id="rId22"/>
-      <p:boldItalic r:id="rId23"/>
+      <p:regular r:id="rId21"/>
+      <p:bold r:id="rId22"/>
+      <p:italic r:id="rId23"/>
+      <p:boldItalic r:id="rId24"/>
     </p:embeddedFont>
   </p:embeddedFontLst>
   <p:defaultTextStyle>
@@ -812,7 +813,7 @@
   <p:cSld>
     <p:spTree>
       <p:nvGrpSpPr>
-        <p:cNvPr id="139" name="Shape 139"/>
+        <p:cNvPr id="140" name="Shape 140"/>
         <p:cNvGrpSpPr/>
         <p:nvPr/>
       </p:nvGrpSpPr>
@@ -826,7 +827,7 @@
       </p:grpSpPr>
       <p:sp>
         <p:nvSpPr>
-          <p:cNvPr id="140" name="Google Shape;140;g34bcb4c4ef2_0_27:notes"/>
+          <p:cNvPr id="141" name="Google Shape;141;g34bcb4c4ef2_0_0:notes"/>
           <p:cNvSpPr/>
           <p:nvPr>
             <p:ph idx="2" type="sldImg"/>
@@ -861,7 +862,7 @@
       </p:sp>
       <p:sp>
         <p:nvSpPr>
-          <p:cNvPr id="141" name="Google Shape;141;g34bcb4c4ef2_0_27:notes"/>
+          <p:cNvPr id="142" name="Google Shape;142;g34bcb4c4ef2_0_0:notes"/>
           <p:cNvSpPr txBox="1"/>
           <p:nvPr>
             <p:ph idx="1" type="body"/>
@@ -925,7 +926,7 @@
       </p:grpSpPr>
       <p:sp>
         <p:nvSpPr>
-          <p:cNvPr id="149" name="Google Shape;149;g34c912833a4_1_4:notes"/>
+          <p:cNvPr id="149" name="Google Shape;149;g34bcb4c4ef2_0_27:notes"/>
           <p:cNvSpPr/>
           <p:nvPr>
             <p:ph idx="2" type="sldImg"/>
@@ -960,7 +961,7 @@
       </p:sp>
       <p:sp>
         <p:nvSpPr>
-          <p:cNvPr id="150" name="Google Shape;150;g34c912833a4_1_4:notes"/>
+          <p:cNvPr id="150" name="Google Shape;150;g34bcb4c4ef2_0_27:notes"/>
           <p:cNvSpPr txBox="1"/>
           <p:nvPr>
             <p:ph idx="1" type="body"/>
@@ -991,22 +992,6 @@
               <a:buNone/>
             </a:pPr>
             <a:r>
-              <a:rPr lang="en"/>
-              <a:t>Adaptive pooling layer generally used right before fully connected layers</a:t>
-            </a:r>
-            <a:endParaRPr/>
-          </a:p>
-          <a:p>
-            <a:pPr indent="0" lvl="0" marL="0" rtl="0" algn="l">
-              <a:spcBef>
-                <a:spcPts val="0"/>
-              </a:spcBef>
-              <a:spcAft>
-                <a:spcPts val="0"/>
-              </a:spcAft>
-              <a:buNone/>
-            </a:pPr>
-            <a:r>
               <a:t/>
             </a:r>
             <a:endParaRPr/>
@@ -1026,7 +1011,7 @@
   <p:cSld>
     <p:spTree>
       <p:nvGrpSpPr>
-        <p:cNvPr id="158" name="Shape 158"/>
+        <p:cNvPr id="157" name="Shape 157"/>
         <p:cNvGrpSpPr/>
         <p:nvPr/>
       </p:nvGrpSpPr>
@@ -1040,7 +1025,7 @@
       </p:grpSpPr>
       <p:sp>
         <p:nvSpPr>
-          <p:cNvPr id="159" name="Google Shape;159;g34bcb4c4ef2_0_37:notes"/>
+          <p:cNvPr id="158" name="Google Shape;158;g34c912833a4_1_4:notes"/>
           <p:cNvSpPr/>
           <p:nvPr>
             <p:ph idx="2" type="sldImg"/>
@@ -1075,7 +1060,7 @@
       </p:sp>
       <p:sp>
         <p:nvSpPr>
-          <p:cNvPr id="160" name="Google Shape;160;g34bcb4c4ef2_0_37:notes"/>
+          <p:cNvPr id="159" name="Google Shape;159;g34c912833a4_1_4:notes"/>
           <p:cNvSpPr txBox="1"/>
           <p:nvPr>
             <p:ph idx="1" type="body"/>
@@ -1096,270 +1081,33 @@
           </a:bodyPr>
           <a:lstStyle/>
           <a:p>
-            <a:pPr indent="-342900" lvl="0" marL="457200" rtl="0" algn="l">
-              <a:lnSpc>
-                <a:spcPct val="115000"/>
-              </a:lnSpc>
-              <a:spcBef>
-                <a:spcPts val="0"/>
-              </a:spcBef>
-              <a:spcAft>
-                <a:spcPts val="0"/>
-              </a:spcAft>
-              <a:buClr>
-                <a:srgbClr val="595959"/>
-              </a:buClr>
-              <a:buSzPts val="1800"/>
-              <a:buChar char="-"/>
-            </a:pPr>
-            <a:r>
-              <a:rPr lang="en" sz="1800">
-                <a:solidFill>
-                  <a:srgbClr val="595959"/>
-                </a:solidFill>
-              </a:rPr>
-              <a:t>Loss of information</a:t>
-            </a:r>
-            <a:endParaRPr sz="1800">
-              <a:solidFill>
-                <a:srgbClr val="595959"/>
-              </a:solidFill>
-            </a:endParaRPr>
-          </a:p>
-          <a:p>
-            <a:pPr indent="-317500" lvl="1" marL="914400" rtl="0" algn="l">
-              <a:lnSpc>
-                <a:spcPct val="115000"/>
-              </a:lnSpc>
-              <a:spcBef>
-                <a:spcPts val="0"/>
-              </a:spcBef>
-              <a:spcAft>
-                <a:spcPts val="0"/>
-              </a:spcAft>
-              <a:buClr>
-                <a:srgbClr val="595959"/>
-              </a:buClr>
-              <a:buSzPts val="1400"/>
-              <a:buChar char="-"/>
-            </a:pPr>
-            <a:r>
-              <a:rPr lang="en" sz="1400">
-                <a:solidFill>
-                  <a:srgbClr val="595959"/>
-                </a:solidFill>
-              </a:rPr>
-              <a:t>For small patches -&gt; Can misclassify low-grade CMIL</a:t>
-            </a:r>
-            <a:endParaRPr sz="1400">
-              <a:solidFill>
-                <a:srgbClr val="595959"/>
-              </a:solidFill>
-            </a:endParaRPr>
-          </a:p>
-          <a:p>
-            <a:pPr indent="-317500" lvl="2" marL="1371600" rtl="0" algn="l">
-              <a:lnSpc>
-                <a:spcPct val="115000"/>
-              </a:lnSpc>
-              <a:spcBef>
-                <a:spcPts val="0"/>
-              </a:spcBef>
-              <a:spcAft>
-                <a:spcPts val="0"/>
-              </a:spcAft>
-              <a:buClr>
-                <a:srgbClr val="595959"/>
-              </a:buClr>
-              <a:buSzPts val="1400"/>
-              <a:buChar char="-"/>
-            </a:pPr>
-            <a:r>
-              <a:rPr lang="en" sz="1400">
-                <a:solidFill>
-                  <a:srgbClr val="595959"/>
-                </a:solidFill>
-              </a:rPr>
-              <a:t>Can conceal “cell boundaries”  -&gt; Hard to see cell “</a:t>
-            </a:r>
-            <a:r>
-              <a:rPr lang="en" sz="1200">
-                <a:solidFill>
-                  <a:schemeClr val="dk1"/>
-                </a:solidFill>
-                <a:latin typeface="Roboto"/>
-                <a:ea typeface="Roboto"/>
-                <a:cs typeface="Roboto"/>
-                <a:sym typeface="Roboto"/>
-              </a:rPr>
-              <a:t>cell shape, size, and arrangement” and number of cells</a:t>
-            </a:r>
-            <a:endParaRPr sz="1200">
-              <a:solidFill>
-                <a:schemeClr val="dk1"/>
-              </a:solidFill>
-              <a:latin typeface="Roboto"/>
-              <a:ea typeface="Roboto"/>
-              <a:cs typeface="Roboto"/>
-              <a:sym typeface="Roboto"/>
-            </a:endParaRPr>
-          </a:p>
-          <a:p>
-            <a:pPr indent="-304800" lvl="2" marL="1371600" rtl="0" algn="l">
-              <a:lnSpc>
-                <a:spcPct val="115000"/>
-              </a:lnSpc>
-              <a:spcBef>
-                <a:spcPts val="0"/>
-              </a:spcBef>
-              <a:spcAft>
-                <a:spcPts val="0"/>
-              </a:spcAft>
-              <a:buClr>
-                <a:schemeClr val="dk1"/>
-              </a:buClr>
-              <a:buSzPts val="1200"/>
-              <a:buFont typeface="Roboto"/>
-              <a:buChar char="-"/>
-            </a:pPr>
-            <a:r>
-              <a:rPr lang="en" sz="1200">
-                <a:solidFill>
-                  <a:schemeClr val="dk1"/>
-                </a:solidFill>
-                <a:latin typeface="Roboto"/>
-                <a:ea typeface="Roboto"/>
-                <a:cs typeface="Roboto"/>
-                <a:sym typeface="Roboto"/>
-              </a:rPr>
-              <a:t>Nuclear detail lost -&gt; “Inability to distinguish subtle nuclear atypia, which is critical for differentiating benign from low-grade CMIL.”</a:t>
-            </a:r>
-            <a:endParaRPr sz="1200">
-              <a:solidFill>
-                <a:schemeClr val="dk1"/>
-              </a:solidFill>
-              <a:latin typeface="Roboto"/>
-              <a:ea typeface="Roboto"/>
-              <a:cs typeface="Roboto"/>
-              <a:sym typeface="Roboto"/>
-            </a:endParaRPr>
-          </a:p>
-          <a:p>
-            <a:pPr indent="-304800" lvl="1" marL="914400" rtl="0" algn="l">
-              <a:lnSpc>
-                <a:spcPct val="115000"/>
-              </a:lnSpc>
-              <a:spcBef>
-                <a:spcPts val="0"/>
-              </a:spcBef>
-              <a:spcAft>
-                <a:spcPts val="0"/>
-              </a:spcAft>
-              <a:buClr>
-                <a:schemeClr val="dk1"/>
-              </a:buClr>
-              <a:buSzPts val="1200"/>
-              <a:buFont typeface="Roboto"/>
-              <a:buChar char="-"/>
-            </a:pPr>
-            <a:r>
-              <a:rPr lang="en" sz="1200">
-                <a:solidFill>
-                  <a:schemeClr val="dk1"/>
-                </a:solidFill>
-                <a:latin typeface="Roboto"/>
-                <a:ea typeface="Roboto"/>
-                <a:cs typeface="Roboto"/>
-                <a:sym typeface="Roboto"/>
-              </a:rPr>
-              <a:t>For big patches 	</a:t>
-            </a:r>
-            <a:endParaRPr sz="1200">
-              <a:solidFill>
-                <a:schemeClr val="dk1"/>
-              </a:solidFill>
-              <a:latin typeface="Roboto"/>
-              <a:ea typeface="Roboto"/>
-              <a:cs typeface="Roboto"/>
-              <a:sym typeface="Roboto"/>
-            </a:endParaRPr>
-          </a:p>
-          <a:p>
-            <a:pPr indent="-342900" lvl="0" marL="457200" rtl="0" algn="l">
-              <a:lnSpc>
-                <a:spcPct val="115000"/>
-              </a:lnSpc>
-              <a:spcBef>
-                <a:spcPts val="0"/>
-              </a:spcBef>
-              <a:spcAft>
-                <a:spcPts val="0"/>
-              </a:spcAft>
-              <a:buClr>
-                <a:srgbClr val="595959"/>
-              </a:buClr>
-              <a:buSzPts val="1800"/>
-              <a:buChar char="-"/>
-            </a:pPr>
-            <a:r>
-              <a:rPr lang="en" sz="1800">
-                <a:solidFill>
-                  <a:srgbClr val="595959"/>
-                </a:solidFill>
-              </a:rPr>
-              <a:t>small patches (“</a:t>
-            </a:r>
-            <a:r>
-              <a:rPr lang="en" sz="1200">
-                <a:solidFill>
-                  <a:schemeClr val="dk1"/>
-                </a:solidFill>
-                <a:latin typeface="Roboto"/>
-                <a:ea typeface="Roboto"/>
-                <a:cs typeface="Roboto"/>
-                <a:sym typeface="Roboto"/>
-              </a:rPr>
-              <a:t>Obscures nuclear atypia in 38% of low-grade CMIL cases”) </a:t>
-            </a:r>
-            <a:endParaRPr sz="1200">
-              <a:solidFill>
-                <a:schemeClr val="dk1"/>
-              </a:solidFill>
-              <a:latin typeface="Roboto"/>
-              <a:ea typeface="Roboto"/>
-              <a:cs typeface="Roboto"/>
-              <a:sym typeface="Roboto"/>
-            </a:endParaRPr>
-          </a:p>
-          <a:p>
-            <a:pPr indent="-304800" lvl="0" marL="457200" rtl="0" algn="l">
-              <a:lnSpc>
-                <a:spcPct val="115000"/>
-              </a:lnSpc>
-              <a:spcBef>
-                <a:spcPts val="0"/>
-              </a:spcBef>
-              <a:spcAft>
-                <a:spcPts val="0"/>
-              </a:spcAft>
-              <a:buClr>
-                <a:schemeClr val="dk1"/>
-              </a:buClr>
-              <a:buSzPts val="1200"/>
-              <a:buFont typeface="Roboto"/>
-              <a:buChar char="-"/>
-            </a:pPr>
-            <a:r>
-              <a:rPr lang="en" sz="1200">
-                <a:solidFill>
-                  <a:schemeClr val="dk1"/>
-                </a:solidFill>
-                <a:latin typeface="Roboto"/>
-                <a:ea typeface="Roboto"/>
-                <a:cs typeface="Roboto"/>
-                <a:sym typeface="Roboto"/>
-              </a:rPr>
-              <a:t>Cannot learn “scale-specific features” defined in WHO-EYE05 criteria</a:t>
+            <a:pPr indent="0" lvl="0" marL="0" rtl="0" algn="l">
+              <a:spcBef>
+                <a:spcPts val="0"/>
+              </a:spcBef>
+              <a:spcAft>
+                <a:spcPts val="0"/>
+              </a:spcAft>
+              <a:buNone/>
+            </a:pPr>
+            <a:r>
+              <a:rPr lang="en"/>
+              <a:t>Adaptive pooling layer generally used right before fully connected layers</a:t>
+            </a:r>
+            <a:endParaRPr/>
+          </a:p>
+          <a:p>
+            <a:pPr indent="0" lvl="0" marL="0" rtl="0" algn="l">
+              <a:spcBef>
+                <a:spcPts val="0"/>
+              </a:spcBef>
+              <a:spcAft>
+                <a:spcPts val="0"/>
+              </a:spcAft>
+              <a:buNone/>
+            </a:pPr>
+            <a:r>
+              <a:t/>
             </a:r>
             <a:endParaRPr/>
           </a:p>
@@ -1378,7 +1126,7 @@
   <p:cSld>
     <p:spTree>
       <p:nvGrpSpPr>
-        <p:cNvPr id="165" name="Shape 165"/>
+        <p:cNvPr id="167" name="Shape 167"/>
         <p:cNvGrpSpPr/>
         <p:nvPr/>
       </p:nvGrpSpPr>
@@ -1392,7 +1140,7 @@
       </p:grpSpPr>
       <p:sp>
         <p:nvSpPr>
-          <p:cNvPr id="166" name="Google Shape;166;g34c912833a4_1_15:notes"/>
+          <p:cNvPr id="168" name="Google Shape;168;g34bcb4c4ef2_0_37:notes"/>
           <p:cNvSpPr/>
           <p:nvPr>
             <p:ph idx="2" type="sldImg"/>
@@ -1427,7 +1175,7 @@
       </p:sp>
       <p:sp>
         <p:nvSpPr>
-          <p:cNvPr id="167" name="Google Shape;167;g34c912833a4_1_15:notes"/>
+          <p:cNvPr id="169" name="Google Shape;169;g34bcb4c4ef2_0_37:notes"/>
           <p:cNvSpPr txBox="1"/>
           <p:nvPr>
             <p:ph idx="1" type="body"/>
@@ -1448,17 +1196,270 @@
           </a:bodyPr>
           <a:lstStyle/>
           <a:p>
-            <a:pPr indent="0" lvl="0" marL="0" rtl="0" algn="l">
-              <a:spcBef>
-                <a:spcPts val="0"/>
-              </a:spcBef>
-              <a:spcAft>
-                <a:spcPts val="0"/>
-              </a:spcAft>
-              <a:buNone/>
-            </a:pPr>
-            <a:r>
-              <a:t/>
+            <a:pPr indent="-342900" lvl="0" marL="457200" rtl="0" algn="l">
+              <a:lnSpc>
+                <a:spcPct val="115000"/>
+              </a:lnSpc>
+              <a:spcBef>
+                <a:spcPts val="0"/>
+              </a:spcBef>
+              <a:spcAft>
+                <a:spcPts val="0"/>
+              </a:spcAft>
+              <a:buClr>
+                <a:srgbClr val="595959"/>
+              </a:buClr>
+              <a:buSzPts val="1800"/>
+              <a:buChar char="-"/>
+            </a:pPr>
+            <a:r>
+              <a:rPr lang="en" sz="1800">
+                <a:solidFill>
+                  <a:srgbClr val="595959"/>
+                </a:solidFill>
+              </a:rPr>
+              <a:t>Loss of information</a:t>
+            </a:r>
+            <a:endParaRPr sz="1800">
+              <a:solidFill>
+                <a:srgbClr val="595959"/>
+              </a:solidFill>
+            </a:endParaRPr>
+          </a:p>
+          <a:p>
+            <a:pPr indent="-317500" lvl="1" marL="914400" rtl="0" algn="l">
+              <a:lnSpc>
+                <a:spcPct val="115000"/>
+              </a:lnSpc>
+              <a:spcBef>
+                <a:spcPts val="0"/>
+              </a:spcBef>
+              <a:spcAft>
+                <a:spcPts val="0"/>
+              </a:spcAft>
+              <a:buClr>
+                <a:srgbClr val="595959"/>
+              </a:buClr>
+              <a:buSzPts val="1400"/>
+              <a:buChar char="-"/>
+            </a:pPr>
+            <a:r>
+              <a:rPr lang="en" sz="1400">
+                <a:solidFill>
+                  <a:srgbClr val="595959"/>
+                </a:solidFill>
+              </a:rPr>
+              <a:t>For small patches -&gt; Can misclassify low-grade CMIL</a:t>
+            </a:r>
+            <a:endParaRPr sz="1400">
+              <a:solidFill>
+                <a:srgbClr val="595959"/>
+              </a:solidFill>
+            </a:endParaRPr>
+          </a:p>
+          <a:p>
+            <a:pPr indent="-317500" lvl="2" marL="1371600" rtl="0" algn="l">
+              <a:lnSpc>
+                <a:spcPct val="115000"/>
+              </a:lnSpc>
+              <a:spcBef>
+                <a:spcPts val="0"/>
+              </a:spcBef>
+              <a:spcAft>
+                <a:spcPts val="0"/>
+              </a:spcAft>
+              <a:buClr>
+                <a:srgbClr val="595959"/>
+              </a:buClr>
+              <a:buSzPts val="1400"/>
+              <a:buChar char="-"/>
+            </a:pPr>
+            <a:r>
+              <a:rPr lang="en" sz="1400">
+                <a:solidFill>
+                  <a:srgbClr val="595959"/>
+                </a:solidFill>
+              </a:rPr>
+              <a:t>Can conceal “cell boundaries”  -&gt; Hard to see cell “</a:t>
+            </a:r>
+            <a:r>
+              <a:rPr lang="en" sz="1200">
+                <a:solidFill>
+                  <a:schemeClr val="dk1"/>
+                </a:solidFill>
+                <a:latin typeface="Roboto"/>
+                <a:ea typeface="Roboto"/>
+                <a:cs typeface="Roboto"/>
+                <a:sym typeface="Roboto"/>
+              </a:rPr>
+              <a:t>cell shape, size, and arrangement” and number of cells</a:t>
+            </a:r>
+            <a:endParaRPr sz="1200">
+              <a:solidFill>
+                <a:schemeClr val="dk1"/>
+              </a:solidFill>
+              <a:latin typeface="Roboto"/>
+              <a:ea typeface="Roboto"/>
+              <a:cs typeface="Roboto"/>
+              <a:sym typeface="Roboto"/>
+            </a:endParaRPr>
+          </a:p>
+          <a:p>
+            <a:pPr indent="-304800" lvl="2" marL="1371600" rtl="0" algn="l">
+              <a:lnSpc>
+                <a:spcPct val="115000"/>
+              </a:lnSpc>
+              <a:spcBef>
+                <a:spcPts val="0"/>
+              </a:spcBef>
+              <a:spcAft>
+                <a:spcPts val="0"/>
+              </a:spcAft>
+              <a:buClr>
+                <a:schemeClr val="dk1"/>
+              </a:buClr>
+              <a:buSzPts val="1200"/>
+              <a:buFont typeface="Roboto"/>
+              <a:buChar char="-"/>
+            </a:pPr>
+            <a:r>
+              <a:rPr lang="en" sz="1200">
+                <a:solidFill>
+                  <a:schemeClr val="dk1"/>
+                </a:solidFill>
+                <a:latin typeface="Roboto"/>
+                <a:ea typeface="Roboto"/>
+                <a:cs typeface="Roboto"/>
+                <a:sym typeface="Roboto"/>
+              </a:rPr>
+              <a:t>Nuclear detail lost -&gt; “Inability to distinguish subtle nuclear atypia, which is critical for differentiating benign from low-grade CMIL.”</a:t>
+            </a:r>
+            <a:endParaRPr sz="1200">
+              <a:solidFill>
+                <a:schemeClr val="dk1"/>
+              </a:solidFill>
+              <a:latin typeface="Roboto"/>
+              <a:ea typeface="Roboto"/>
+              <a:cs typeface="Roboto"/>
+              <a:sym typeface="Roboto"/>
+            </a:endParaRPr>
+          </a:p>
+          <a:p>
+            <a:pPr indent="-304800" lvl="1" marL="914400" rtl="0" algn="l">
+              <a:lnSpc>
+                <a:spcPct val="115000"/>
+              </a:lnSpc>
+              <a:spcBef>
+                <a:spcPts val="0"/>
+              </a:spcBef>
+              <a:spcAft>
+                <a:spcPts val="0"/>
+              </a:spcAft>
+              <a:buClr>
+                <a:schemeClr val="dk1"/>
+              </a:buClr>
+              <a:buSzPts val="1200"/>
+              <a:buFont typeface="Roboto"/>
+              <a:buChar char="-"/>
+            </a:pPr>
+            <a:r>
+              <a:rPr lang="en" sz="1200">
+                <a:solidFill>
+                  <a:schemeClr val="dk1"/>
+                </a:solidFill>
+                <a:latin typeface="Roboto"/>
+                <a:ea typeface="Roboto"/>
+                <a:cs typeface="Roboto"/>
+                <a:sym typeface="Roboto"/>
+              </a:rPr>
+              <a:t>For big patches 	</a:t>
+            </a:r>
+            <a:endParaRPr sz="1200">
+              <a:solidFill>
+                <a:schemeClr val="dk1"/>
+              </a:solidFill>
+              <a:latin typeface="Roboto"/>
+              <a:ea typeface="Roboto"/>
+              <a:cs typeface="Roboto"/>
+              <a:sym typeface="Roboto"/>
+            </a:endParaRPr>
+          </a:p>
+          <a:p>
+            <a:pPr indent="-342900" lvl="0" marL="457200" rtl="0" algn="l">
+              <a:lnSpc>
+                <a:spcPct val="115000"/>
+              </a:lnSpc>
+              <a:spcBef>
+                <a:spcPts val="0"/>
+              </a:spcBef>
+              <a:spcAft>
+                <a:spcPts val="0"/>
+              </a:spcAft>
+              <a:buClr>
+                <a:srgbClr val="595959"/>
+              </a:buClr>
+              <a:buSzPts val="1800"/>
+              <a:buChar char="-"/>
+            </a:pPr>
+            <a:r>
+              <a:rPr lang="en" sz="1800">
+                <a:solidFill>
+                  <a:srgbClr val="595959"/>
+                </a:solidFill>
+              </a:rPr>
+              <a:t>small patches (“</a:t>
+            </a:r>
+            <a:r>
+              <a:rPr lang="en" sz="1200">
+                <a:solidFill>
+                  <a:schemeClr val="dk1"/>
+                </a:solidFill>
+                <a:latin typeface="Roboto"/>
+                <a:ea typeface="Roboto"/>
+                <a:cs typeface="Roboto"/>
+                <a:sym typeface="Roboto"/>
+              </a:rPr>
+              <a:t>Obscures nuclear atypia in 38% of low-grade CMIL cases”) </a:t>
+            </a:r>
+            <a:endParaRPr sz="1200">
+              <a:solidFill>
+                <a:schemeClr val="dk1"/>
+              </a:solidFill>
+              <a:latin typeface="Roboto"/>
+              <a:ea typeface="Roboto"/>
+              <a:cs typeface="Roboto"/>
+              <a:sym typeface="Roboto"/>
+            </a:endParaRPr>
+          </a:p>
+          <a:p>
+            <a:pPr indent="-304800" lvl="0" marL="457200" rtl="0" algn="l">
+              <a:lnSpc>
+                <a:spcPct val="115000"/>
+              </a:lnSpc>
+              <a:spcBef>
+                <a:spcPts val="0"/>
+              </a:spcBef>
+              <a:spcAft>
+                <a:spcPts val="0"/>
+              </a:spcAft>
+              <a:buClr>
+                <a:schemeClr val="dk1"/>
+              </a:buClr>
+              <a:buSzPts val="1200"/>
+              <a:buFont typeface="Roboto"/>
+              <a:buChar char="-"/>
+            </a:pPr>
+            <a:r>
+              <a:rPr lang="en" sz="1200">
+                <a:solidFill>
+                  <a:schemeClr val="dk1"/>
+                </a:solidFill>
+                <a:latin typeface="Roboto"/>
+                <a:ea typeface="Roboto"/>
+                <a:cs typeface="Roboto"/>
+                <a:sym typeface="Roboto"/>
+              </a:rPr>
+              <a:t>Cannot learn “scale-specific features” defined in WHO-EYE05 criteria</a:t>
             </a:r>
             <a:endParaRPr/>
           </a:p>
@@ -1477,7 +1478,7 @@
   <p:cSld>
     <p:spTree>
       <p:nvGrpSpPr>
-        <p:cNvPr id="172" name="Shape 172"/>
+        <p:cNvPr id="174" name="Shape 174"/>
         <p:cNvGrpSpPr/>
         <p:nvPr/>
       </p:nvGrpSpPr>
@@ -1491,7 +1492,7 @@
       </p:grpSpPr>
       <p:sp>
         <p:nvSpPr>
-          <p:cNvPr id="173" name="Google Shape;173;g34f131ffa16_0_9:notes"/>
+          <p:cNvPr id="175" name="Google Shape;175;g34c912833a4_1_15:notes"/>
           <p:cNvSpPr/>
           <p:nvPr>
             <p:ph idx="2" type="sldImg"/>
@@ -1526,7 +1527,106 @@
       </p:sp>
       <p:sp>
         <p:nvSpPr>
-          <p:cNvPr id="174" name="Google Shape;174;g34f131ffa16_0_9:notes"/>
+          <p:cNvPr id="176" name="Google Shape;176;g34c912833a4_1_15:notes"/>
+          <p:cNvSpPr txBox="1"/>
+          <p:nvPr>
+            <p:ph idx="1" type="body"/>
+          </p:nvPr>
+        </p:nvSpPr>
+        <p:spPr>
+          <a:xfrm>
+            <a:off x="685800" y="4343400"/>
+            <a:ext cx="5486400" cy="4114800"/>
+          </a:xfrm>
+          <a:prstGeom prst="rect">
+            <a:avLst/>
+          </a:prstGeom>
+        </p:spPr>
+        <p:txBody>
+          <a:bodyPr anchorCtr="0" anchor="t" bIns="91425" lIns="91425" spcFirstLastPara="1" rIns="91425" wrap="square" tIns="91425">
+            <a:noAutofit/>
+          </a:bodyPr>
+          <a:lstStyle/>
+          <a:p>
+            <a:pPr indent="0" lvl="0" marL="0" rtl="0" algn="l">
+              <a:spcBef>
+                <a:spcPts val="0"/>
+              </a:spcBef>
+              <a:spcAft>
+                <a:spcPts val="0"/>
+              </a:spcAft>
+              <a:buNone/>
+            </a:pPr>
+            <a:r>
+              <a:t/>
+            </a:r>
+            <a:endParaRPr/>
+          </a:p>
+        </p:txBody>
+      </p:sp>
+    </p:spTree>
+  </p:cSld>
+  <p:clrMapOvr>
+    <a:masterClrMapping/>
+  </p:clrMapOvr>
+</p:notes>
+</file>
+
+<file path=ppt/notesSlides/notesSlide15.xml><?xml version="1.0" encoding="utf-8"?>
+<p:notes xmlns:a="http://schemas.openxmlformats.org/drawingml/2006/main" xmlns:r="http://schemas.openxmlformats.org/officeDocument/2006/relationships" xmlns:mc="http://schemas.openxmlformats.org/markup-compatibility/2006" xmlns:mv="urn:schemas-microsoft-com:mac:vml" xmlns:p="http://schemas.openxmlformats.org/presentationml/2006/main" xmlns:c="http://schemas.openxmlformats.org/drawingml/2006/chart" xmlns:dgm="http://schemas.openxmlformats.org/drawingml/2006/diagram" xmlns:o="urn:schemas-microsoft-com:office:office" xmlns:v="urn:schemas-microsoft-com:vml" xmlns:pvml="urn:schemas-microsoft-com:office:powerpoint" xmlns:com="http://schemas.openxmlformats.org/drawingml/2006/compatibility" xmlns:p14="http://schemas.microsoft.com/office/powerpoint/2010/main" xmlns:p15="http://schemas.microsoft.com/office/powerpoint/2012/main" xmlns:ahyp="http://schemas.microsoft.com/office/drawing/2018/hyperlinkcolor" showMasterPhAnim="0" showMasterSp="0">
+  <p:cSld>
+    <p:spTree>
+      <p:nvGrpSpPr>
+        <p:cNvPr id="181" name="Shape 181"/>
+        <p:cNvGrpSpPr/>
+        <p:nvPr/>
+      </p:nvGrpSpPr>
+      <p:grpSpPr>
+        <a:xfrm>
+          <a:off x="0" y="0"/>
+          <a:ext cx="0" cy="0"/>
+          <a:chOff x="0" y="0"/>
+          <a:chExt cx="0" cy="0"/>
+        </a:xfrm>
+      </p:grpSpPr>
+      <p:sp>
+        <p:nvSpPr>
+          <p:cNvPr id="182" name="Google Shape;182;g34f131ffa16_0_9:notes"/>
+          <p:cNvSpPr/>
+          <p:nvPr>
+            <p:ph idx="2" type="sldImg"/>
+          </p:nvPr>
+        </p:nvSpPr>
+        <p:spPr>
+          <a:xfrm>
+            <a:off x="381300" y="685800"/>
+            <a:ext cx="6096000" cy="3429000"/>
+          </a:xfrm>
+          <a:custGeom>
+            <a:rect b="b" l="l" r="r" t="t"/>
+            <a:pathLst>
+              <a:path extrusionOk="0" h="120000" w="120000">
+                <a:moveTo>
+                  <a:pt x="0" y="0"/>
+                </a:moveTo>
+                <a:lnTo>
+                  <a:pt x="120000" y="0"/>
+                </a:lnTo>
+                <a:lnTo>
+                  <a:pt x="120000" y="120000"/>
+                </a:lnTo>
+                <a:lnTo>
+                  <a:pt x="0" y="120000"/>
+                </a:lnTo>
+                <a:close/>
+              </a:path>
+            </a:pathLst>
+          </a:custGeom>
+        </p:spPr>
+      </p:sp>
+      <p:sp>
+        <p:nvSpPr>
+          <p:cNvPr id="183" name="Google Shape;183;g34f131ffa16_0_9:notes"/>
           <p:cNvSpPr txBox="1"/>
           <p:nvPr>
             <p:ph idx="1" type="body"/>
@@ -1986,7 +2086,7 @@
       </p:grpSpPr>
       <p:sp>
         <p:nvSpPr>
-          <p:cNvPr id="112" name="Google Shape;112;g34f09a90009_0_60:notes"/>
+          <p:cNvPr id="112" name="Google Shape;112;g34db243a853_0_5:notes"/>
           <p:cNvSpPr/>
           <p:nvPr>
             <p:ph idx="2" type="sldImg"/>
@@ -2021,7 +2121,7 @@
       </p:sp>
       <p:sp>
         <p:nvSpPr>
-          <p:cNvPr id="113" name="Google Shape;113;g34f09a90009_0_60:notes"/>
+          <p:cNvPr id="113" name="Google Shape;113;g34db243a853_0_5:notes"/>
           <p:cNvSpPr txBox="1"/>
           <p:nvPr>
             <p:ph idx="1" type="body"/>
@@ -2085,7 +2185,7 @@
       </p:grpSpPr>
       <p:sp>
         <p:nvSpPr>
-          <p:cNvPr id="121" name="Google Shape;121;g34bcb4c4ef2_0_5:notes"/>
+          <p:cNvPr id="121" name="Google Shape;121;g34f09a90009_0_60:notes"/>
           <p:cNvSpPr/>
           <p:nvPr>
             <p:ph idx="2" type="sldImg"/>
@@ -2120,7 +2220,7 @@
       </p:sp>
       <p:sp>
         <p:nvSpPr>
-          <p:cNvPr id="122" name="Google Shape;122;g34bcb4c4ef2_0_5:notes"/>
+          <p:cNvPr id="122" name="Google Shape;122;g34f09a90009_0_60:notes"/>
           <p:cNvSpPr txBox="1"/>
           <p:nvPr>
             <p:ph idx="1" type="body"/>
@@ -2170,7 +2270,7 @@
   <p:cSld>
     <p:spTree>
       <p:nvGrpSpPr>
-        <p:cNvPr id="126" name="Shape 126"/>
+        <p:cNvPr id="129" name="Shape 129"/>
         <p:cNvGrpSpPr/>
         <p:nvPr/>
       </p:nvGrpSpPr>
@@ -2184,7 +2284,7 @@
       </p:grpSpPr>
       <p:sp>
         <p:nvSpPr>
-          <p:cNvPr id="127" name="Google Shape;127;g34f09a90009_0_44:notes"/>
+          <p:cNvPr id="130" name="Google Shape;130;g34bcb4c4ef2_0_5:notes"/>
           <p:cNvSpPr/>
           <p:nvPr>
             <p:ph idx="2" type="sldImg"/>
@@ -2219,7 +2319,7 @@
       </p:sp>
       <p:sp>
         <p:nvSpPr>
-          <p:cNvPr id="128" name="Google Shape;128;g34f09a90009_0_44:notes"/>
+          <p:cNvPr id="131" name="Google Shape;131;g34bcb4c4ef2_0_5:notes"/>
           <p:cNvSpPr txBox="1"/>
           <p:nvPr>
             <p:ph idx="1" type="body"/>
@@ -2269,7 +2369,7 @@
   <p:cSld>
     <p:spTree>
       <p:nvGrpSpPr>
-        <p:cNvPr id="131" name="Shape 131"/>
+        <p:cNvPr id="135" name="Shape 135"/>
         <p:cNvGrpSpPr/>
         <p:nvPr/>
       </p:nvGrpSpPr>
@@ -2283,7 +2383,7 @@
       </p:grpSpPr>
       <p:sp>
         <p:nvSpPr>
-          <p:cNvPr id="132" name="Google Shape;132;g34bcb4c4ef2_0_0:notes"/>
+          <p:cNvPr id="136" name="Google Shape;136;g34f09a90009_0_44:notes"/>
           <p:cNvSpPr/>
           <p:nvPr>
             <p:ph idx="2" type="sldImg"/>
@@ -2318,7 +2418,7 @@
       </p:sp>
       <p:sp>
         <p:nvSpPr>
-          <p:cNvPr id="133" name="Google Shape;133;g34bcb4c4ef2_0_0:notes"/>
+          <p:cNvPr id="137" name="Google Shape;137;g34f09a90009_0_44:notes"/>
           <p:cNvSpPr txBox="1"/>
           <p:nvPr>
             <p:ph idx="1" type="body"/>
@@ -7127,7 +7227,7 @@
   <p:cSld>
     <p:spTree>
       <p:nvGrpSpPr>
-        <p:cNvPr id="142" name="Shape 142"/>
+        <p:cNvPr id="143" name="Shape 143"/>
         <p:cNvGrpSpPr/>
         <p:nvPr/>
       </p:nvGrpSpPr>
@@ -7141,7 +7241,340 @@
       </p:grpSpPr>
       <p:sp>
         <p:nvSpPr>
-          <p:cNvPr id="143" name="Google Shape;143;p22"/>
+          <p:cNvPr id="144" name="Google Shape;144;p22"/>
+          <p:cNvSpPr txBox="1"/>
+          <p:nvPr>
+            <p:ph type="title"/>
+          </p:nvPr>
+        </p:nvSpPr>
+        <p:spPr>
+          <a:xfrm>
+            <a:off x="109650" y="152675"/>
+            <a:ext cx="8739600" cy="572700"/>
+          </a:xfrm>
+          <a:prstGeom prst="rect">
+            <a:avLst/>
+          </a:prstGeom>
+        </p:spPr>
+        <p:txBody>
+          <a:bodyPr anchorCtr="0" anchor="t" bIns="91425" lIns="91425" spcFirstLastPara="1" rIns="91425" wrap="square" tIns="91425">
+            <a:normAutofit/>
+          </a:bodyPr>
+          <a:lstStyle/>
+          <a:p>
+            <a:pPr indent="0" lvl="0" marL="0" rtl="0" algn="l">
+              <a:spcBef>
+                <a:spcPts val="0"/>
+              </a:spcBef>
+              <a:spcAft>
+                <a:spcPts val="0"/>
+              </a:spcAft>
+              <a:buNone/>
+            </a:pPr>
+            <a:r>
+              <a:rPr b="1" lang="en" sz="2166"/>
+              <a:t>Approach</a:t>
+            </a:r>
+            <a:r>
+              <a:rPr b="1" lang="en" sz="2166"/>
+              <a:t> #1: Resizing images before CNN</a:t>
+            </a:r>
+            <a:endParaRPr b="1"/>
+          </a:p>
+        </p:txBody>
+      </p:sp>
+      <p:sp>
+        <p:nvSpPr>
+          <p:cNvPr id="145" name="Google Shape;145;p22"/>
+          <p:cNvSpPr txBox="1"/>
+          <p:nvPr/>
+        </p:nvSpPr>
+        <p:spPr>
+          <a:xfrm>
+            <a:off x="259600" y="2584800"/>
+            <a:ext cx="8257800" cy="1739400"/>
+          </a:xfrm>
+          <a:prstGeom prst="rect">
+            <a:avLst/>
+          </a:prstGeom>
+          <a:noFill/>
+          <a:ln>
+            <a:noFill/>
+          </a:ln>
+        </p:spPr>
+        <p:txBody>
+          <a:bodyPr anchorCtr="0" anchor="t" bIns="91425" lIns="91425" spcFirstLastPara="1" rIns="91425" wrap="square" tIns="91425">
+            <a:spAutoFit/>
+          </a:bodyPr>
+          <a:lstStyle/>
+          <a:p>
+            <a:pPr indent="0" lvl="0" marL="0" rtl="0" algn="l">
+              <a:spcBef>
+                <a:spcPts val="0"/>
+              </a:spcBef>
+              <a:spcAft>
+                <a:spcPts val="0"/>
+              </a:spcAft>
+              <a:buNone/>
+            </a:pPr>
+            <a:r>
+              <a:rPr lang="en" sz="2100">
+                <a:solidFill>
+                  <a:schemeClr val="dk2"/>
+                </a:solidFill>
+              </a:rPr>
+              <a:t>What does this code do? </a:t>
+            </a:r>
+            <a:r>
+              <a:rPr lang="en" sz="900">
+                <a:solidFill>
+                  <a:schemeClr val="dk2"/>
+                </a:solidFill>
+              </a:rPr>
+              <a:t>(help from ChatGPT) </a:t>
+            </a:r>
+            <a:endParaRPr sz="900">
+              <a:solidFill>
+                <a:schemeClr val="dk2"/>
+              </a:solidFill>
+            </a:endParaRPr>
+          </a:p>
+          <a:p>
+            <a:pPr indent="-361950" lvl="0" marL="457200" rtl="0" algn="l">
+              <a:spcBef>
+                <a:spcPts val="0"/>
+              </a:spcBef>
+              <a:spcAft>
+                <a:spcPts val="0"/>
+              </a:spcAft>
+              <a:buClr>
+                <a:schemeClr val="dk2"/>
+              </a:buClr>
+              <a:buSzPts val="2100"/>
+              <a:buChar char="-"/>
+            </a:pPr>
+            <a:r>
+              <a:rPr lang="en" sz="2100">
+                <a:solidFill>
+                  <a:schemeClr val="dk2"/>
+                </a:solidFill>
+              </a:rPr>
+              <a:t>Resizes all images to 256x256 </a:t>
+            </a:r>
+            <a:r>
+              <a:rPr lang="en" sz="1900">
+                <a:solidFill>
+                  <a:schemeClr val="dk2"/>
+                </a:solidFill>
+              </a:rPr>
+              <a:t>(assumes square images)</a:t>
+            </a:r>
+            <a:endParaRPr sz="1900">
+              <a:solidFill>
+                <a:schemeClr val="dk2"/>
+              </a:solidFill>
+            </a:endParaRPr>
+          </a:p>
+          <a:p>
+            <a:pPr indent="-361950" lvl="0" marL="457200" rtl="0" algn="l">
+              <a:spcBef>
+                <a:spcPts val="0"/>
+              </a:spcBef>
+              <a:spcAft>
+                <a:spcPts val="0"/>
+              </a:spcAft>
+              <a:buClr>
+                <a:schemeClr val="dk2"/>
+              </a:buClr>
+              <a:buSzPts val="2100"/>
+              <a:buChar char="-"/>
+            </a:pPr>
+            <a:r>
+              <a:rPr lang="en" sz="2100">
+                <a:solidFill>
+                  <a:schemeClr val="dk2"/>
+                </a:solidFill>
+              </a:rPr>
+              <a:t>Crops a 224x224 square from center of 256x256 image </a:t>
+            </a:r>
+            <a:r>
+              <a:rPr b="1" lang="en" sz="2100">
+                <a:solidFill>
+                  <a:schemeClr val="dk2"/>
+                </a:solidFill>
+              </a:rPr>
+              <a:t>	</a:t>
+            </a:r>
+            <a:endParaRPr b="1" sz="2100">
+              <a:solidFill>
+                <a:schemeClr val="dk2"/>
+              </a:solidFill>
+            </a:endParaRPr>
+          </a:p>
+          <a:p>
+            <a:pPr indent="-336550" lvl="1" marL="914400" rtl="0" algn="l">
+              <a:spcBef>
+                <a:spcPts val="0"/>
+              </a:spcBef>
+              <a:spcAft>
+                <a:spcPts val="0"/>
+              </a:spcAft>
+              <a:buClr>
+                <a:schemeClr val="dk2"/>
+              </a:buClr>
+              <a:buSzPts val="1700"/>
+              <a:buChar char="-"/>
+            </a:pPr>
+            <a:r>
+              <a:rPr lang="en" sz="1700">
+                <a:solidFill>
+                  <a:schemeClr val="dk2"/>
+                </a:solidFill>
+              </a:rPr>
+              <a:t>We should not do this bc lost information!</a:t>
+            </a:r>
+            <a:endParaRPr sz="1700">
+              <a:solidFill>
+                <a:schemeClr val="dk2"/>
+              </a:solidFill>
+            </a:endParaRPr>
+          </a:p>
+          <a:p>
+            <a:pPr indent="-361950" lvl="0" marL="457200" rtl="0" algn="l">
+              <a:spcBef>
+                <a:spcPts val="0"/>
+              </a:spcBef>
+              <a:spcAft>
+                <a:spcPts val="0"/>
+              </a:spcAft>
+              <a:buClr>
+                <a:schemeClr val="dk2"/>
+              </a:buClr>
+              <a:buSzPts val="2100"/>
+              <a:buChar char="-"/>
+            </a:pPr>
+            <a:r>
+              <a:rPr lang="en" sz="2100">
+                <a:solidFill>
+                  <a:schemeClr val="dk2"/>
+                </a:solidFill>
+              </a:rPr>
+              <a:t>Turns the image to PyTorch tensor and scales/normalizes</a:t>
+            </a:r>
+            <a:endParaRPr sz="2100">
+              <a:solidFill>
+                <a:schemeClr val="dk2"/>
+              </a:solidFill>
+            </a:endParaRPr>
+          </a:p>
+        </p:txBody>
+      </p:sp>
+      <p:pic>
+        <p:nvPicPr>
+          <p:cNvPr id="146" name="Google Shape;146;p22" title="Screen Shot 2025-04-17 at 3.25.27 PM.png"/>
+          <p:cNvPicPr preferRelativeResize="0"/>
+          <p:nvPr/>
+        </p:nvPicPr>
+        <p:blipFill>
+          <a:blip r:embed="rId3">
+            <a:alphaModFix/>
+          </a:blip>
+          <a:stretch>
+            <a:fillRect/>
+          </a:stretch>
+        </p:blipFill>
+        <p:spPr>
+          <a:xfrm>
+            <a:off x="202200" y="1197650"/>
+            <a:ext cx="8739600" cy="1310940"/>
+          </a:xfrm>
+          <a:prstGeom prst="rect">
+            <a:avLst/>
+          </a:prstGeom>
+          <a:noFill/>
+          <a:ln>
+            <a:noFill/>
+          </a:ln>
+        </p:spPr>
+      </p:pic>
+      <p:sp>
+        <p:nvSpPr>
+          <p:cNvPr id="147" name="Google Shape;147;p22"/>
+          <p:cNvSpPr txBox="1"/>
+          <p:nvPr/>
+        </p:nvSpPr>
+        <p:spPr>
+          <a:xfrm>
+            <a:off x="224475" y="748175"/>
+            <a:ext cx="5079900" cy="379200"/>
+          </a:xfrm>
+          <a:prstGeom prst="rect">
+            <a:avLst/>
+          </a:prstGeom>
+          <a:noFill/>
+          <a:ln>
+            <a:noFill/>
+          </a:ln>
+        </p:spPr>
+        <p:txBody>
+          <a:bodyPr anchorCtr="0" anchor="t" bIns="91425" lIns="91425" spcFirstLastPara="1" rIns="91425" wrap="square" tIns="91425">
+            <a:noAutofit/>
+          </a:bodyPr>
+          <a:lstStyle/>
+          <a:p>
+            <a:pPr indent="0" lvl="0" marL="0" rtl="0" algn="l">
+              <a:spcBef>
+                <a:spcPts val="0"/>
+              </a:spcBef>
+              <a:spcAft>
+                <a:spcPts val="0"/>
+              </a:spcAft>
+              <a:buNone/>
+            </a:pPr>
+            <a:r>
+              <a:rPr i="1" lang="en" sz="1800">
+                <a:solidFill>
+                  <a:schemeClr val="dk2"/>
+                </a:solidFill>
+              </a:rPr>
+              <a:t>Current approach in Sharon’s code</a:t>
+            </a:r>
+            <a:endParaRPr i="1" sz="1800">
+              <a:solidFill>
+                <a:schemeClr val="dk2"/>
+              </a:solidFill>
+            </a:endParaRPr>
+          </a:p>
+        </p:txBody>
+      </p:sp>
+    </p:spTree>
+  </p:cSld>
+  <p:clrMapOvr>
+    <a:masterClrMapping/>
+  </p:clrMapOvr>
+</p:sld>
+</file>
+
+<file path=ppt/slides/slide11.xml><?xml version="1.0" encoding="utf-8"?>
+<p:sld xmlns:a="http://schemas.openxmlformats.org/drawingml/2006/main" xmlns:r="http://schemas.openxmlformats.org/officeDocument/2006/relationships" xmlns:mc="http://schemas.openxmlformats.org/markup-compatibility/2006" xmlns:mv="urn:schemas-microsoft-com:mac:vml" xmlns:p="http://schemas.openxmlformats.org/presentationml/2006/main" xmlns:c="http://schemas.openxmlformats.org/drawingml/2006/chart" xmlns:dgm="http://schemas.openxmlformats.org/drawingml/2006/diagram" xmlns:o="urn:schemas-microsoft-com:office:office" xmlns:v="urn:schemas-microsoft-com:vml" xmlns:pvml="urn:schemas-microsoft-com:office:powerpoint" xmlns:com="http://schemas.openxmlformats.org/drawingml/2006/compatibility" xmlns:p14="http://schemas.microsoft.com/office/powerpoint/2010/main" xmlns:p15="http://schemas.microsoft.com/office/powerpoint/2012/main" xmlns:ahyp="http://schemas.microsoft.com/office/drawing/2018/hyperlinkcolor">
+  <p:cSld>
+    <p:spTree>
+      <p:nvGrpSpPr>
+        <p:cNvPr id="151" name="Shape 151"/>
+        <p:cNvGrpSpPr/>
+        <p:nvPr/>
+      </p:nvGrpSpPr>
+      <p:grpSpPr>
+        <a:xfrm>
+          <a:off x="0" y="0"/>
+          <a:ext cx="0" cy="0"/>
+          <a:chOff x="0" y="0"/>
+          <a:chExt cx="0" cy="0"/>
+        </a:xfrm>
+      </p:grpSpPr>
+      <p:sp>
+        <p:nvSpPr>
+          <p:cNvPr id="152" name="Google Shape;152;p23"/>
           <p:cNvSpPr txBox="1"/>
           <p:nvPr>
             <p:ph type="title"/>
@@ -7204,7 +7637,7 @@
       </p:sp>
       <p:sp>
         <p:nvSpPr>
-          <p:cNvPr id="144" name="Google Shape;144;p22"/>
+          <p:cNvPr id="153" name="Google Shape;153;p23"/>
           <p:cNvSpPr txBox="1"/>
           <p:nvPr>
             <p:ph idx="1" type="body"/>
@@ -7367,7 +7800,7 @@
       </p:sp>
       <p:sp>
         <p:nvSpPr>
-          <p:cNvPr id="145" name="Google Shape;145;p22"/>
+          <p:cNvPr id="154" name="Google Shape;154;p23"/>
           <p:cNvSpPr txBox="1"/>
           <p:nvPr/>
         </p:nvSpPr>
@@ -7425,7 +7858,7 @@
       </p:sp>
       <p:sp>
         <p:nvSpPr>
-          <p:cNvPr id="146" name="Google Shape;146;p22"/>
+          <p:cNvPr id="155" name="Google Shape;155;p23"/>
           <p:cNvSpPr txBox="1"/>
           <p:nvPr/>
         </p:nvSpPr>
@@ -7634,7 +8067,7 @@
       </p:sp>
       <p:sp>
         <p:nvSpPr>
-          <p:cNvPr id="147" name="Google Shape;147;p22"/>
+          <p:cNvPr id="156" name="Google Shape;156;p23"/>
           <p:cNvSpPr txBox="1"/>
           <p:nvPr/>
         </p:nvSpPr>
@@ -7721,7 +8154,7 @@
                                           </p:stCondLst>
                                         </p:cTn>
                                         <p:tgtEl>
-                                          <p:spTgt spid="146"/>
+                                          <p:spTgt spid="155"/>
                                         </p:tgtEl>
                                         <p:attrNameLst>
                                           <p:attrName>style.visibility</p:attrName>
@@ -7740,538 +8173,6 @@
                       </p:childTnLst>
                     </p:cTn>
                   </p:par>
-                  <p:par>
-                    <p:cTn fill="hold">
-                      <p:stCondLst>
-                        <p:cond delay="indefinite"/>
-                      </p:stCondLst>
-                      <p:childTnLst>
-                        <p:par>
-                          <p:cTn fill="hold">
-                            <p:stCondLst>
-                              <p:cond delay="0"/>
-                            </p:stCondLst>
-                            <p:childTnLst>
-                              <p:par>
-                                <p:cTn fill="hold" nodeType="clickEffect" presetClass="entr" presetID="1" presetSubtype="0">
-                                  <p:stCondLst>
-                                    <p:cond delay="0"/>
-                                  </p:stCondLst>
-                                  <p:childTnLst>
-                                    <p:set>
-                                      <p:cBhvr>
-                                        <p:cTn dur="1" fill="hold">
-                                          <p:stCondLst>
-                                            <p:cond delay="0"/>
-                                          </p:stCondLst>
-                                        </p:cTn>
-                                        <p:tgtEl>
-                                          <p:spTgt spid="144"/>
-                                        </p:tgtEl>
-                                        <p:attrNameLst>
-                                          <p:attrName>style.visibility</p:attrName>
-                                        </p:attrNameLst>
-                                      </p:cBhvr>
-                                      <p:to>
-                                        <p:strVal val="visible"/>
-                                      </p:to>
-                                    </p:set>
-                                  </p:childTnLst>
-                                </p:cTn>
-                              </p:par>
-                            </p:childTnLst>
-                          </p:cTn>
-                        </p:par>
-                      </p:childTnLst>
-                    </p:cTn>
-                  </p:par>
-                  <p:par>
-                    <p:cTn fill="hold">
-                      <p:stCondLst>
-                        <p:cond delay="indefinite"/>
-                      </p:stCondLst>
-                      <p:childTnLst>
-                        <p:par>
-                          <p:cTn fill="hold">
-                            <p:stCondLst>
-                              <p:cond delay="0"/>
-                            </p:stCondLst>
-                            <p:childTnLst>
-                              <p:par>
-                                <p:cTn fill="hold" nodeType="clickEffect" presetClass="entr" presetID="1" presetSubtype="0">
-                                  <p:stCondLst>
-                                    <p:cond delay="0"/>
-                                  </p:stCondLst>
-                                  <p:childTnLst>
-                                    <p:set>
-                                      <p:cBhvr>
-                                        <p:cTn dur="1" fill="hold">
-                                          <p:stCondLst>
-                                            <p:cond delay="0"/>
-                                          </p:stCondLst>
-                                        </p:cTn>
-                                        <p:tgtEl>
-                                          <p:spTgt spid="145"/>
-                                        </p:tgtEl>
-                                        <p:attrNameLst>
-                                          <p:attrName>style.visibility</p:attrName>
-                                        </p:attrNameLst>
-                                      </p:cBhvr>
-                                      <p:to>
-                                        <p:strVal val="visible"/>
-                                      </p:to>
-                                    </p:set>
-                                  </p:childTnLst>
-                                </p:cTn>
-                              </p:par>
-                            </p:childTnLst>
-                          </p:cTn>
-                        </p:par>
-                      </p:childTnLst>
-                    </p:cTn>
-                  </p:par>
-                </p:childTnLst>
-              </p:cTn>
-              <p:prevCondLst>
-                <p:cond evt="onPrev">
-                  <p:tgtEl>
-                    <p:sldTgt/>
-                  </p:tgtEl>
-                </p:cond>
-              </p:prevCondLst>
-              <p:nextCondLst>
-                <p:cond evt="onNext">
-                  <p:tgtEl>
-                    <p:sldTgt/>
-                  </p:tgtEl>
-                </p:cond>
-              </p:nextCondLst>
-            </p:seq>
-          </p:childTnLst>
-        </p:cTn>
-      </p:par>
-    </p:tnLst>
-  </p:timing>
-</p:sld>
-</file>
-
-<file path=ppt/slides/slide11.xml><?xml version="1.0" encoding="utf-8"?>
-<p:sld xmlns:a="http://schemas.openxmlformats.org/drawingml/2006/main" xmlns:r="http://schemas.openxmlformats.org/officeDocument/2006/relationships" xmlns:mc="http://schemas.openxmlformats.org/markup-compatibility/2006" xmlns:mv="urn:schemas-microsoft-com:mac:vml" xmlns:p="http://schemas.openxmlformats.org/presentationml/2006/main" xmlns:c="http://schemas.openxmlformats.org/drawingml/2006/chart" xmlns:dgm="http://schemas.openxmlformats.org/drawingml/2006/diagram" xmlns:o="urn:schemas-microsoft-com:office:office" xmlns:v="urn:schemas-microsoft-com:vml" xmlns:pvml="urn:schemas-microsoft-com:office:powerpoint" xmlns:com="http://schemas.openxmlformats.org/drawingml/2006/compatibility" xmlns:p14="http://schemas.microsoft.com/office/powerpoint/2010/main" xmlns:p15="http://schemas.microsoft.com/office/powerpoint/2012/main" xmlns:ahyp="http://schemas.microsoft.com/office/drawing/2018/hyperlinkcolor">
-  <p:cSld>
-    <p:spTree>
-      <p:nvGrpSpPr>
-        <p:cNvPr id="151" name="Shape 151"/>
-        <p:cNvGrpSpPr/>
-        <p:nvPr/>
-      </p:nvGrpSpPr>
-      <p:grpSpPr>
-        <a:xfrm>
-          <a:off x="0" y="0"/>
-          <a:ext cx="0" cy="0"/>
-          <a:chOff x="0" y="0"/>
-          <a:chExt cx="0" cy="0"/>
-        </a:xfrm>
-      </p:grpSpPr>
-      <p:sp>
-        <p:nvSpPr>
-          <p:cNvPr id="152" name="Google Shape;152;p23"/>
-          <p:cNvSpPr txBox="1"/>
-          <p:nvPr>
-            <p:ph type="title"/>
-          </p:nvPr>
-        </p:nvSpPr>
-        <p:spPr>
-          <a:xfrm>
-            <a:off x="189400" y="132525"/>
-            <a:ext cx="8810400" cy="572700"/>
-          </a:xfrm>
-          <a:prstGeom prst="rect">
-            <a:avLst/>
-          </a:prstGeom>
-        </p:spPr>
-        <p:txBody>
-          <a:bodyPr anchorCtr="0" anchor="t" bIns="91425" lIns="91425" spcFirstLastPara="1" rIns="91425" wrap="square" tIns="91425">
-            <a:noAutofit/>
-          </a:bodyPr>
-          <a:lstStyle/>
-          <a:p>
-            <a:pPr indent="0" lvl="0" marL="0" rtl="0" algn="l">
-              <a:spcBef>
-                <a:spcPts val="0"/>
-              </a:spcBef>
-              <a:spcAft>
-                <a:spcPts val="0"/>
-              </a:spcAft>
-              <a:buNone/>
-            </a:pPr>
-            <a:r>
-              <a:rPr b="1" lang="en" sz="2300"/>
-              <a:t>Approach #2: </a:t>
-            </a:r>
-            <a:r>
-              <a:rPr b="1" lang="en" sz="2300"/>
-              <a:t>adaptive pooling </a:t>
-            </a:r>
-            <a:r>
-              <a:rPr b="1" lang="en" sz="1300"/>
-              <a:t>(Help from ChatGPT) </a:t>
-            </a:r>
-            <a:endParaRPr b="1" sz="1300"/>
-          </a:p>
-        </p:txBody>
-      </p:sp>
-      <p:sp>
-        <p:nvSpPr>
-          <p:cNvPr id="153" name="Google Shape;153;p23"/>
-          <p:cNvSpPr txBox="1"/>
-          <p:nvPr>
-            <p:ph idx="1" type="body"/>
-          </p:nvPr>
-        </p:nvSpPr>
-        <p:spPr>
-          <a:xfrm>
-            <a:off x="311700" y="2174650"/>
-            <a:ext cx="4119000" cy="3416400"/>
-          </a:xfrm>
-          <a:prstGeom prst="rect">
-            <a:avLst/>
-          </a:prstGeom>
-        </p:spPr>
-        <p:txBody>
-          <a:bodyPr anchorCtr="0" anchor="t" bIns="91425" lIns="91425" spcFirstLastPara="1" rIns="91425" wrap="square" tIns="91425">
-            <a:normAutofit/>
-          </a:bodyPr>
-          <a:lstStyle/>
-          <a:p>
-            <a:pPr indent="0" lvl="0" marL="0" rtl="0" algn="l">
-              <a:spcBef>
-                <a:spcPts val="0"/>
-              </a:spcBef>
-              <a:spcAft>
-                <a:spcPts val="0"/>
-              </a:spcAft>
-              <a:buNone/>
-            </a:pPr>
-            <a:r>
-              <a:rPr b="1" lang="en"/>
-              <a:t>Fixed Image Size -&gt; Normal CNN</a:t>
-            </a:r>
-            <a:endParaRPr b="1"/>
-          </a:p>
-          <a:p>
-            <a:pPr indent="0" lvl="0" marL="0" rtl="0" algn="l">
-              <a:spcBef>
-                <a:spcPts val="1200"/>
-              </a:spcBef>
-              <a:spcAft>
-                <a:spcPts val="0"/>
-              </a:spcAft>
-              <a:buNone/>
-            </a:pPr>
-            <a:r>
-              <a:rPr lang="en"/>
-              <a:t>Normal CNN has </a:t>
-            </a:r>
-            <a:r>
-              <a:rPr b="1" lang="en"/>
-              <a:t>fixed</a:t>
-            </a:r>
-            <a:r>
-              <a:rPr lang="en"/>
-              <a:t> stride and kernel </a:t>
-            </a:r>
-            <a:r>
-              <a:rPr lang="en"/>
-              <a:t>hyper params</a:t>
-            </a:r>
-            <a:r>
-              <a:rPr lang="en"/>
-              <a:t> -&gt; Fine if all images same size bc all outputs from that layer same size</a:t>
-            </a:r>
-            <a:endParaRPr/>
-          </a:p>
-          <a:p>
-            <a:pPr indent="0" lvl="0" marL="0" rtl="0" algn="l">
-              <a:spcBef>
-                <a:spcPts val="1200"/>
-              </a:spcBef>
-              <a:spcAft>
-                <a:spcPts val="1200"/>
-              </a:spcAft>
-              <a:buNone/>
-            </a:pPr>
-            <a:r>
-              <a:t/>
-            </a:r>
-            <a:endParaRPr/>
-          </a:p>
-        </p:txBody>
-      </p:sp>
-      <p:sp>
-        <p:nvSpPr>
-          <p:cNvPr id="154" name="Google Shape;154;p23"/>
-          <p:cNvSpPr txBox="1"/>
-          <p:nvPr/>
-        </p:nvSpPr>
-        <p:spPr>
-          <a:xfrm>
-            <a:off x="3778450" y="2174650"/>
-            <a:ext cx="5392800" cy="461700"/>
-          </a:xfrm>
-          <a:prstGeom prst="rect">
-            <a:avLst/>
-          </a:prstGeom>
-          <a:noFill/>
-          <a:ln>
-            <a:noFill/>
-          </a:ln>
-        </p:spPr>
-        <p:txBody>
-          <a:bodyPr anchorCtr="0" anchor="t" bIns="91425" lIns="91425" spcFirstLastPara="1" rIns="91425" wrap="square" tIns="91425">
-            <a:spAutoFit/>
-          </a:bodyPr>
-          <a:lstStyle/>
-          <a:p>
-            <a:pPr indent="0" lvl="0" marL="0" rtl="0" algn="l">
-              <a:spcBef>
-                <a:spcPts val="0"/>
-              </a:spcBef>
-              <a:spcAft>
-                <a:spcPts val="0"/>
-              </a:spcAft>
-              <a:buNone/>
-            </a:pPr>
-            <a:r>
-              <a:t/>
-            </a:r>
-            <a:endParaRPr sz="1800">
-              <a:solidFill>
-                <a:schemeClr val="dk2"/>
-              </a:solidFill>
-            </a:endParaRPr>
-          </a:p>
-        </p:txBody>
-      </p:sp>
-      <p:sp>
-        <p:nvSpPr>
-          <p:cNvPr id="155" name="Google Shape;155;p23"/>
-          <p:cNvSpPr txBox="1"/>
-          <p:nvPr>
-            <p:ph idx="1" type="body"/>
-          </p:nvPr>
-        </p:nvSpPr>
-        <p:spPr>
-          <a:xfrm>
-            <a:off x="4572000" y="2174650"/>
-            <a:ext cx="4318200" cy="3416400"/>
-          </a:xfrm>
-          <a:prstGeom prst="rect">
-            <a:avLst/>
-          </a:prstGeom>
-        </p:spPr>
-        <p:txBody>
-          <a:bodyPr anchorCtr="0" anchor="t" bIns="91425" lIns="91425" spcFirstLastPara="1" rIns="91425" wrap="square" tIns="91425">
-            <a:normAutofit/>
-          </a:bodyPr>
-          <a:lstStyle/>
-          <a:p>
-            <a:pPr indent="0" lvl="0" marL="0" rtl="0" algn="l">
-              <a:spcBef>
-                <a:spcPts val="0"/>
-              </a:spcBef>
-              <a:spcAft>
-                <a:spcPts val="0"/>
-              </a:spcAft>
-              <a:buNone/>
-            </a:pPr>
-            <a:r>
-              <a:rPr b="1" lang="en"/>
-              <a:t>Varied Image </a:t>
-            </a:r>
-            <a:r>
-              <a:rPr b="1" lang="en"/>
-              <a:t>Sizes -&gt; Adaptive Pooling Layer</a:t>
-            </a:r>
-            <a:endParaRPr b="1"/>
-          </a:p>
-          <a:p>
-            <a:pPr indent="0" lvl="0" marL="0" rtl="0" algn="l">
-              <a:spcBef>
-                <a:spcPts val="1200"/>
-              </a:spcBef>
-              <a:spcAft>
-                <a:spcPts val="0"/>
-              </a:spcAft>
-              <a:buNone/>
-            </a:pPr>
-            <a:r>
-              <a:rPr lang="en"/>
-              <a:t>Adaptive pooling layer </a:t>
-            </a:r>
-            <a:r>
-              <a:rPr b="1" lang="en"/>
-              <a:t>chooses </a:t>
-            </a:r>
-            <a:r>
-              <a:rPr lang="en"/>
-              <a:t>the stride and kernel </a:t>
-            </a:r>
-            <a:r>
-              <a:rPr lang="en"/>
-              <a:t>hyper params</a:t>
-            </a:r>
-            <a:r>
-              <a:rPr lang="en"/>
-              <a:t> based on image input size so that output of that layer is consistent size </a:t>
-            </a:r>
-            <a:endParaRPr/>
-          </a:p>
-          <a:p>
-            <a:pPr indent="0" lvl="0" marL="0" rtl="0" algn="l">
-              <a:spcBef>
-                <a:spcPts val="1200"/>
-              </a:spcBef>
-              <a:spcAft>
-                <a:spcPts val="1200"/>
-              </a:spcAft>
-              <a:buNone/>
-            </a:pPr>
-            <a:r>
-              <a:t/>
-            </a:r>
-            <a:endParaRPr/>
-          </a:p>
-        </p:txBody>
-      </p:sp>
-      <p:sp>
-        <p:nvSpPr>
-          <p:cNvPr id="156" name="Google Shape;156;p23"/>
-          <p:cNvSpPr txBox="1"/>
-          <p:nvPr/>
-        </p:nvSpPr>
-        <p:spPr>
-          <a:xfrm>
-            <a:off x="426350" y="1310975"/>
-            <a:ext cx="8871000" cy="572700"/>
-          </a:xfrm>
-          <a:prstGeom prst="rect">
-            <a:avLst/>
-          </a:prstGeom>
-          <a:noFill/>
-          <a:ln>
-            <a:noFill/>
-          </a:ln>
-        </p:spPr>
-        <p:txBody>
-          <a:bodyPr anchorCtr="0" anchor="t" bIns="91425" lIns="91425" spcFirstLastPara="1" rIns="91425" wrap="square" tIns="91425">
-            <a:noAutofit/>
-          </a:bodyPr>
-          <a:lstStyle/>
-          <a:p>
-            <a:pPr indent="0" lvl="0" marL="0" rtl="0" algn="l">
-              <a:spcBef>
-                <a:spcPts val="0"/>
-              </a:spcBef>
-              <a:spcAft>
-                <a:spcPts val="0"/>
-              </a:spcAft>
-              <a:buNone/>
-            </a:pPr>
-            <a:r>
-              <a:rPr lang="en" sz="1800">
-                <a:solidFill>
-                  <a:schemeClr val="dk2"/>
-                </a:solidFill>
-              </a:rPr>
-              <a:t>Key Idea: Stride and kernel </a:t>
-            </a:r>
-            <a:r>
-              <a:rPr lang="en" sz="1800">
-                <a:solidFill>
-                  <a:schemeClr val="dk2"/>
-                </a:solidFill>
-              </a:rPr>
-              <a:t>hyper params</a:t>
-            </a:r>
-            <a:r>
-              <a:rPr lang="en" sz="1800">
-                <a:solidFill>
-                  <a:schemeClr val="dk2"/>
-                </a:solidFill>
-              </a:rPr>
-              <a:t> in convolutional layer change the output size of that layer </a:t>
-            </a:r>
-            <a:endParaRPr sz="1800">
-              <a:solidFill>
-                <a:schemeClr val="dk2"/>
-              </a:solidFill>
-            </a:endParaRPr>
-          </a:p>
-        </p:txBody>
-      </p:sp>
-      <p:sp>
-        <p:nvSpPr>
-          <p:cNvPr id="157" name="Google Shape;157;p23"/>
-          <p:cNvSpPr txBox="1"/>
-          <p:nvPr/>
-        </p:nvSpPr>
-        <p:spPr>
-          <a:xfrm>
-            <a:off x="189400" y="771388"/>
-            <a:ext cx="6164700" cy="321000"/>
-          </a:xfrm>
-          <a:prstGeom prst="rect">
-            <a:avLst/>
-          </a:prstGeom>
-          <a:noFill/>
-          <a:ln>
-            <a:noFill/>
-          </a:ln>
-        </p:spPr>
-        <p:txBody>
-          <a:bodyPr anchorCtr="0" anchor="t" bIns="91425" lIns="91425" spcFirstLastPara="1" rIns="91425" wrap="square" tIns="91425">
-            <a:noAutofit/>
-          </a:bodyPr>
-          <a:lstStyle/>
-          <a:p>
-            <a:pPr indent="0" lvl="0" marL="0" rtl="0" algn="l">
-              <a:spcBef>
-                <a:spcPts val="0"/>
-              </a:spcBef>
-              <a:spcAft>
-                <a:spcPts val="0"/>
-              </a:spcAft>
-              <a:buNone/>
-            </a:pPr>
-            <a:r>
-              <a:rPr lang="en" sz="2000">
-                <a:solidFill>
-                  <a:schemeClr val="dk2"/>
-                </a:solidFill>
-              </a:rPr>
-              <a:t>What is adaptive pooling?</a:t>
-            </a:r>
-            <a:endParaRPr sz="2000">
-              <a:solidFill>
-                <a:schemeClr val="dk2"/>
-              </a:solidFill>
-            </a:endParaRPr>
-          </a:p>
-        </p:txBody>
-      </p:sp>
-    </p:spTree>
-  </p:cSld>
-  <p:clrMapOvr>
-    <a:masterClrMapping/>
-  </p:clrMapOvr>
-  <p:timing>
-    <p:tnLst>
-      <p:par>
-        <p:cTn dur="indefinite" nodeType="tmRoot" restart="never">
-          <p:childTnLst>
-            <p:seq concurrent="1" nextAc="seek">
-              <p:cTn dur="indefinite" id="2" nodeType="mainSeq">
-                <p:childTnLst>
                   <p:par>
                     <p:cTn fill="hold">
                       <p:stCondLst>
@@ -8343,7 +8244,7 @@
                                           </p:stCondLst>
                                         </p:cTn>
                                         <p:tgtEl>
-                                          <p:spTgt spid="155"/>
+                                          <p:spTgt spid="154"/>
                                         </p:tgtEl>
                                         <p:attrNameLst>
                                           <p:attrName>style.visibility</p:attrName>
@@ -8392,7 +8293,7 @@
   <p:cSld>
     <p:spTree>
       <p:nvGrpSpPr>
-        <p:cNvPr id="161" name="Shape 161"/>
+        <p:cNvPr id="160" name="Shape 160"/>
         <p:cNvGrpSpPr/>
         <p:nvPr/>
       </p:nvGrpSpPr>
@@ -8406,7 +8307,7 @@
       </p:grpSpPr>
       <p:sp>
         <p:nvSpPr>
-          <p:cNvPr id="162" name="Google Shape;162;p24"/>
+          <p:cNvPr id="161" name="Google Shape;161;p24"/>
           <p:cNvSpPr txBox="1"/>
           <p:nvPr>
             <p:ph type="title"/>
@@ -8414,8 +8315,8 @@
         </p:nvSpPr>
         <p:spPr>
           <a:xfrm>
-            <a:off x="91375" y="128300"/>
-            <a:ext cx="8520600" cy="572700"/>
+            <a:off x="189400" y="132525"/>
+            <a:ext cx="8810400" cy="572700"/>
           </a:xfrm>
           <a:prstGeom prst="rect">
             <a:avLst/>
@@ -8434,24 +8335,27 @@
               <a:spcAft>
                 <a:spcPts val="0"/>
               </a:spcAft>
-              <a:buSzPts val="990"/>
-              <a:buNone/>
-            </a:pPr>
-            <a:r>
-              <a:rPr b="1" lang="en" sz="2620"/>
-              <a:t>Should we use adaptive pooling? </a:t>
-            </a:r>
-            <a:r>
-              <a:rPr b="1" lang="en" sz="1120"/>
-              <a:t>(from perplexity)</a:t>
-            </a:r>
-            <a:endParaRPr b="1" sz="1120"/>
+              <a:buNone/>
+            </a:pPr>
+            <a:r>
+              <a:rPr b="1" lang="en" sz="2300"/>
+              <a:t>Approach #2: </a:t>
+            </a:r>
+            <a:r>
+              <a:rPr b="1" lang="en" sz="2300"/>
+              <a:t>adaptive pooling </a:t>
+            </a:r>
+            <a:r>
+              <a:rPr b="1" lang="en" sz="1300"/>
+              <a:t>(Help from ChatGPT) </a:t>
+            </a:r>
+            <a:endParaRPr b="1" sz="1300"/>
           </a:p>
         </p:txBody>
       </p:sp>
       <p:sp>
         <p:nvSpPr>
-          <p:cNvPr id="163" name="Google Shape;163;p24"/>
+          <p:cNvPr id="162" name="Google Shape;162;p24"/>
           <p:cNvSpPr txBox="1"/>
           <p:nvPr>
             <p:ph idx="1" type="body"/>
@@ -8459,8 +8363,8 @@
         </p:nvSpPr>
         <p:spPr>
           <a:xfrm>
-            <a:off x="4339200" y="472400"/>
-            <a:ext cx="4512900" cy="4358700"/>
+            <a:off x="311700" y="2174650"/>
+            <a:ext cx="4119000" cy="3416400"/>
           </a:xfrm>
           <a:prstGeom prst="rect">
             <a:avLst/>
@@ -8468,7 +8372,7 @@
         </p:spPr>
         <p:txBody>
           <a:bodyPr anchorCtr="0" anchor="t" bIns="91425" lIns="91425" spcFirstLastPara="1" rIns="91425" wrap="square" tIns="91425">
-            <a:normAutofit fontScale="92500" lnSpcReduction="10000"/>
+            <a:normAutofit/>
           </a:bodyPr>
           <a:lstStyle/>
           <a:p>
@@ -8482,161 +8386,88 @@
               <a:buNone/>
             </a:pPr>
             <a:r>
+              <a:rPr b="1" lang="en"/>
+              <a:t>Fixed Image Size -&gt; Normal CNN</a:t>
+            </a:r>
+            <a:endParaRPr b="1"/>
+          </a:p>
+          <a:p>
+            <a:pPr indent="0" lvl="0" marL="0" rtl="0" algn="l">
+              <a:spcBef>
+                <a:spcPts val="1200"/>
+              </a:spcBef>
+              <a:spcAft>
+                <a:spcPts val="0"/>
+              </a:spcAft>
+              <a:buNone/>
+            </a:pPr>
+            <a:r>
+              <a:rPr lang="en"/>
+              <a:t>Normal CNN has </a:t>
+            </a:r>
+            <a:r>
+              <a:rPr b="1" lang="en"/>
+              <a:t>fixed</a:t>
+            </a:r>
+            <a:r>
+              <a:rPr lang="en"/>
+              <a:t> stride and kernel </a:t>
+            </a:r>
+            <a:r>
+              <a:rPr lang="en"/>
+              <a:t>hyper params</a:t>
+            </a:r>
+            <a:r>
+              <a:rPr lang="en"/>
+              <a:t> -&gt; Fine if all images same size bc all outputs from that layer same size</a:t>
+            </a:r>
+            <a:endParaRPr/>
+          </a:p>
+          <a:p>
+            <a:pPr indent="0" lvl="0" marL="0" rtl="0" algn="l">
+              <a:spcBef>
+                <a:spcPts val="1200"/>
+              </a:spcBef>
+              <a:spcAft>
+                <a:spcPts val="1200"/>
+              </a:spcAft>
+              <a:buNone/>
+            </a:pPr>
+            <a:r>
               <a:t/>
             </a:r>
             <a:endParaRPr/>
           </a:p>
+        </p:txBody>
+      </p:sp>
+      <p:sp>
+        <p:nvSpPr>
+          <p:cNvPr id="163" name="Google Shape;163;p24"/>
+          <p:cNvSpPr txBox="1"/>
+          <p:nvPr/>
+        </p:nvSpPr>
+        <p:spPr>
+          <a:xfrm>
+            <a:off x="3778450" y="2174650"/>
+            <a:ext cx="5392800" cy="461700"/>
+          </a:xfrm>
+          <a:prstGeom prst="rect">
+            <a:avLst/>
+          </a:prstGeom>
+          <a:noFill/>
+          <a:ln>
+            <a:noFill/>
+          </a:ln>
+        </p:spPr>
+        <p:txBody>
+          <a:bodyPr anchorCtr="0" anchor="t" bIns="91425" lIns="91425" spcFirstLastPara="1" rIns="91425" wrap="square" tIns="91425">
+            <a:spAutoFit/>
+          </a:bodyPr>
+          <a:lstStyle/>
           <a:p>
             <a:pPr indent="0" lvl="0" marL="0" rtl="0" algn="l">
               <a:spcBef>
-                <a:spcPts val="1200"/>
-              </a:spcBef>
-              <a:spcAft>
-                <a:spcPts val="0"/>
-              </a:spcAft>
-              <a:buNone/>
-            </a:pPr>
-            <a:r>
-              <a:rPr lang="en"/>
-              <a:t>Cons </a:t>
-            </a:r>
-            <a:r>
-              <a:rPr i="1" lang="en" sz="1100"/>
-              <a:t>(Q4: What is the downside of adaptive pooling?l)</a:t>
-            </a:r>
-            <a:endParaRPr i="1" sz="1100"/>
-          </a:p>
-          <a:p>
-            <a:pPr indent="-334327" lvl="0" marL="457200" rtl="0" algn="l">
-              <a:spcBef>
-                <a:spcPts val="1200"/>
-              </a:spcBef>
-              <a:spcAft>
-                <a:spcPts val="0"/>
-              </a:spcAft>
-              <a:buSzPct val="207476"/>
-              <a:buChar char="-"/>
-            </a:pPr>
-            <a:r>
-              <a:rPr lang="en"/>
-              <a:t>Inconsistent information compression </a:t>
-            </a:r>
-            <a:r>
-              <a:rPr lang="en" sz="867"/>
-              <a:t>(perplexity)</a:t>
-            </a:r>
-            <a:endParaRPr sz="867"/>
-          </a:p>
-          <a:p>
-            <a:pPr indent="-310832" lvl="1" marL="914400" rtl="0" algn="l">
-              <a:spcBef>
-                <a:spcPts val="0"/>
-              </a:spcBef>
-              <a:spcAft>
-                <a:spcPts val="0"/>
-              </a:spcAft>
-              <a:buSzPct val="100000"/>
-              <a:buChar char="-"/>
-            </a:pPr>
-            <a:r>
-              <a:rPr lang="en"/>
-              <a:t>Cells in big images compressed more than cells in small images </a:t>
-            </a:r>
-            <a:endParaRPr/>
-          </a:p>
-          <a:p>
-            <a:pPr indent="-310832" lvl="1" marL="914400" rtl="0" algn="l">
-              <a:spcBef>
-                <a:spcPts val="0"/>
-              </a:spcBef>
-              <a:spcAft>
-                <a:spcPts val="0"/>
-              </a:spcAft>
-              <a:buSzPct val="100000"/>
-              <a:buChar char="-"/>
-            </a:pPr>
-            <a:r>
-              <a:rPr lang="en"/>
-              <a:t>Cells are treated differently depending on the image size</a:t>
-            </a:r>
-            <a:endParaRPr/>
-          </a:p>
-          <a:p>
-            <a:pPr indent="-334327" lvl="0" marL="457200" rtl="0" algn="l">
-              <a:spcBef>
-                <a:spcPts val="0"/>
-              </a:spcBef>
-              <a:spcAft>
-                <a:spcPts val="0"/>
-              </a:spcAft>
-              <a:buSzPct val="100000"/>
-              <a:buChar char="-"/>
-            </a:pPr>
-            <a:r>
-              <a:rPr lang="en"/>
-              <a:t>Aggressive compression</a:t>
-            </a:r>
-            <a:endParaRPr/>
-          </a:p>
-          <a:p>
-            <a:pPr indent="-310832" lvl="1" marL="914400" rtl="0" algn="l">
-              <a:spcBef>
-                <a:spcPts val="0"/>
-              </a:spcBef>
-              <a:spcAft>
-                <a:spcPts val="0"/>
-              </a:spcAft>
-              <a:buSzPct val="100000"/>
-              <a:buChar char="-"/>
-            </a:pPr>
-            <a:r>
-              <a:rPr lang="en"/>
-              <a:t>Normal CNN: compression by fixed amount each layer </a:t>
-            </a:r>
-            <a:endParaRPr/>
-          </a:p>
-          <a:p>
-            <a:pPr indent="-310832" lvl="1" marL="914400" rtl="0" algn="l">
-              <a:spcBef>
-                <a:spcPts val="0"/>
-              </a:spcBef>
-              <a:spcAft>
-                <a:spcPts val="0"/>
-              </a:spcAft>
-              <a:buSzPct val="100000"/>
-              <a:buChar char="-"/>
-            </a:pPr>
-            <a:r>
-              <a:rPr lang="en"/>
-              <a:t>Adaptive Pooling: Large images may be aggressively compressed in one layer </a:t>
-            </a:r>
-            <a:endParaRPr/>
-          </a:p>
-          <a:p>
-            <a:pPr indent="-334327" lvl="0" marL="457200" rtl="0" algn="l">
-              <a:spcBef>
-                <a:spcPts val="0"/>
-              </a:spcBef>
-              <a:spcAft>
-                <a:spcPts val="0"/>
-              </a:spcAft>
-              <a:buSzPct val="217646"/>
-              <a:buChar char="-"/>
-            </a:pPr>
-            <a:r>
-              <a:rPr lang="en"/>
-              <a:t>More compute than approach #1 </a:t>
-            </a:r>
-            <a:r>
-              <a:rPr lang="en" sz="827"/>
-              <a:t>(perplexity)</a:t>
-            </a:r>
-            <a:endParaRPr sz="827"/>
-          </a:p>
-          <a:p>
-            <a:pPr indent="0" lvl="0" marL="457200" rtl="0" algn="l">
-              <a:spcBef>
-                <a:spcPts val="1200"/>
+                <a:spcPts val="0"/>
               </a:spcBef>
               <a:spcAft>
                 <a:spcPts val="0"/>
@@ -8646,29 +8477,10 @@
             <a:r>
               <a:t/>
             </a:r>
-            <a:endParaRPr/>
-          </a:p>
-          <a:p>
-            <a:pPr indent="0" lvl="0" marL="0" rtl="0" algn="l">
-              <a:spcBef>
-                <a:spcPts val="1200"/>
-              </a:spcBef>
-              <a:spcAft>
-                <a:spcPts val="1200"/>
-              </a:spcAft>
-              <a:buNone/>
-            </a:pPr>
-            <a:r>
-              <a:t/>
-            </a:r>
-            <a:endParaRPr sz="1200">
+            <a:endParaRPr sz="1800">
               <a:solidFill>
-                <a:schemeClr val="dk1"/>
+                <a:schemeClr val="dk2"/>
               </a:solidFill>
-              <a:latin typeface="Roboto"/>
-              <a:ea typeface="Roboto"/>
-              <a:cs typeface="Roboto"/>
-              <a:sym typeface="Roboto"/>
             </a:endParaRPr>
           </a:p>
         </p:txBody>
@@ -8677,12 +8489,103 @@
         <p:nvSpPr>
           <p:cNvPr id="164" name="Google Shape;164;p24"/>
           <p:cNvSpPr txBox="1"/>
+          <p:nvPr>
+            <p:ph idx="1" type="body"/>
+          </p:nvPr>
+        </p:nvSpPr>
+        <p:spPr>
+          <a:xfrm>
+            <a:off x="4572000" y="2174650"/>
+            <a:ext cx="4318200" cy="3416400"/>
+          </a:xfrm>
+          <a:prstGeom prst="rect">
+            <a:avLst/>
+          </a:prstGeom>
+        </p:spPr>
+        <p:txBody>
+          <a:bodyPr anchorCtr="0" anchor="t" bIns="91425" lIns="91425" spcFirstLastPara="1" rIns="91425" wrap="square" tIns="91425">
+            <a:normAutofit/>
+          </a:bodyPr>
+          <a:lstStyle/>
+          <a:p>
+            <a:pPr indent="0" lvl="0" marL="0" rtl="0" algn="l">
+              <a:spcBef>
+                <a:spcPts val="0"/>
+              </a:spcBef>
+              <a:spcAft>
+                <a:spcPts val="0"/>
+              </a:spcAft>
+              <a:buNone/>
+            </a:pPr>
+            <a:r>
+              <a:rPr b="1" lang="en"/>
+              <a:t>Varied Image </a:t>
+            </a:r>
+            <a:r>
+              <a:rPr b="1" lang="en"/>
+              <a:t>Sizes -&gt; Adaptive Pooling Layer</a:t>
+            </a:r>
+            <a:endParaRPr b="1"/>
+          </a:p>
+          <a:p>
+            <a:pPr indent="0" lvl="0" marL="0" rtl="0" algn="l">
+              <a:spcBef>
+                <a:spcPts val="1200"/>
+              </a:spcBef>
+              <a:spcAft>
+                <a:spcPts val="0"/>
+              </a:spcAft>
+              <a:buNone/>
+            </a:pPr>
+            <a:r>
+              <a:rPr lang="en"/>
+              <a:t>Adaptive pooling layer </a:t>
+            </a:r>
+            <a:r>
+              <a:rPr b="1" lang="en"/>
+              <a:t>chooses </a:t>
+            </a:r>
+            <a:r>
+              <a:rPr lang="en"/>
+              <a:t>the stride and kernel </a:t>
+            </a:r>
+            <a:r>
+              <a:rPr lang="en"/>
+              <a:t>hyper params</a:t>
+            </a:r>
+            <a:r>
+              <a:rPr lang="en"/>
+              <a:t> based on image input size so that output of that layer is consistent size </a:t>
+            </a:r>
+            <a:endParaRPr/>
+          </a:p>
+          <a:p>
+            <a:pPr indent="0" lvl="0" marL="0" rtl="0" algn="l">
+              <a:spcBef>
+                <a:spcPts val="1200"/>
+              </a:spcBef>
+              <a:spcAft>
+                <a:spcPts val="1200"/>
+              </a:spcAft>
+              <a:buNone/>
+            </a:pPr>
+            <a:r>
+              <a:t/>
+            </a:r>
+            <a:endParaRPr/>
+          </a:p>
+        </p:txBody>
+      </p:sp>
+      <p:sp>
+        <p:nvSpPr>
+          <p:cNvPr id="165" name="Google Shape;165;p24"/>
+          <p:cNvSpPr txBox="1"/>
           <p:nvPr/>
         </p:nvSpPr>
         <p:spPr>
           <a:xfrm>
-            <a:off x="290525" y="880550"/>
-            <a:ext cx="3649200" cy="3690600"/>
+            <a:off x="426350" y="1310975"/>
+            <a:ext cx="8871000" cy="572700"/>
           </a:xfrm>
           <a:prstGeom prst="rect">
             <a:avLst/>
@@ -8699,20 +8602,12 @@
           <a:lstStyle/>
           <a:p>
             <a:pPr indent="0" lvl="0" marL="0" rtl="0" algn="l">
-              <a:lnSpc>
-                <a:spcPct val="115000"/>
-              </a:lnSpc>
-              <a:spcBef>
-                <a:spcPts val="0"/>
-              </a:spcBef>
-              <a:spcAft>
-                <a:spcPts val="0"/>
-              </a:spcAft>
-              <a:buClr>
-                <a:schemeClr val="dk1"/>
-              </a:buClr>
-              <a:buSzPts val="1100"/>
-              <a:buFont typeface="Arial"/>
+              <a:spcBef>
+                <a:spcPts val="0"/>
+              </a:spcBef>
+              <a:spcAft>
+                <a:spcPts val="0"/>
+              </a:spcAft>
               <a:buNone/>
             </a:pPr>
             <a:r>
@@ -8721,7 +8616,23 @@
                   <a:schemeClr val="dk2"/>
                 </a:solidFill>
               </a:rPr>
-              <a:t>Pros</a:t>
+              <a:t>Key Idea: Stride and kernel </a:t>
+            </a:r>
+            <a:r>
+              <a:rPr lang="en" sz="1800">
+                <a:solidFill>
+                  <a:schemeClr val="dk2"/>
+                </a:solidFill>
+              </a:rPr>
+              <a:t>hyper params</a:t>
+            </a:r>
+            <a:r>
+              <a:rPr lang="en" sz="1800">
+                <a:solidFill>
+                  <a:schemeClr val="dk2"/>
+                </a:solidFill>
+              </a:rPr>
+              <a:t> in convolutional layer change the output size of that layer </a:t>
             </a:r>
             <a:endParaRPr sz="1800">
               <a:solidFill>
@@ -8729,172 +8640,51 @@
               </a:solidFill>
             </a:endParaRPr>
           </a:p>
-          <a:p>
-            <a:pPr indent="-342900" lvl="0" marL="457200" rtl="0" algn="l">
-              <a:lnSpc>
-                <a:spcPct val="115000"/>
-              </a:lnSpc>
-              <a:spcBef>
-                <a:spcPts val="1200"/>
-              </a:spcBef>
-              <a:spcAft>
-                <a:spcPts val="0"/>
-              </a:spcAft>
-              <a:buClr>
-                <a:schemeClr val="dk2"/>
-              </a:buClr>
-              <a:buSzPts val="1800"/>
-              <a:buChar char="-"/>
-            </a:pPr>
-            <a:r>
-              <a:rPr lang="en" sz="1800">
+        </p:txBody>
+      </p:sp>
+      <p:sp>
+        <p:nvSpPr>
+          <p:cNvPr id="166" name="Google Shape;166;p24"/>
+          <p:cNvSpPr txBox="1"/>
+          <p:nvPr/>
+        </p:nvSpPr>
+        <p:spPr>
+          <a:xfrm>
+            <a:off x="189400" y="771388"/>
+            <a:ext cx="6164700" cy="321000"/>
+          </a:xfrm>
+          <a:prstGeom prst="rect">
+            <a:avLst/>
+          </a:prstGeom>
+          <a:noFill/>
+          <a:ln>
+            <a:noFill/>
+          </a:ln>
+        </p:spPr>
+        <p:txBody>
+          <a:bodyPr anchorCtr="0" anchor="t" bIns="91425" lIns="91425" spcFirstLastPara="1" rIns="91425" wrap="square" tIns="91425">
+            <a:noAutofit/>
+          </a:bodyPr>
+          <a:lstStyle/>
+          <a:p>
+            <a:pPr indent="0" lvl="0" marL="0" rtl="0" algn="l">
+              <a:spcBef>
+                <a:spcPts val="0"/>
+              </a:spcBef>
+              <a:spcAft>
+                <a:spcPts val="0"/>
+              </a:spcAft>
+              <a:buNone/>
+            </a:pPr>
+            <a:r>
+              <a:rPr lang="en" sz="2000">
                 <a:solidFill>
                   <a:schemeClr val="dk2"/>
                 </a:solidFill>
               </a:rPr>
-              <a:t>Models w/ adaptive pooling can process images of any size</a:t>
-            </a:r>
-            <a:endParaRPr sz="1800">
-              <a:solidFill>
-                <a:schemeClr val="dk2"/>
-              </a:solidFill>
-            </a:endParaRPr>
-          </a:p>
-          <a:p>
-            <a:pPr indent="-342900" lvl="0" marL="457200" rtl="0" algn="l">
-              <a:spcBef>
-                <a:spcPts val="0"/>
-              </a:spcBef>
-              <a:spcAft>
-                <a:spcPts val="0"/>
-              </a:spcAft>
-              <a:buClr>
-                <a:schemeClr val="dk2"/>
-              </a:buClr>
-              <a:buSzPts val="1800"/>
-              <a:buChar char="-"/>
-            </a:pPr>
-            <a:r>
-              <a:rPr lang="en" sz="1800">
-                <a:solidFill>
-                  <a:schemeClr val="dk2"/>
-                </a:solidFill>
-              </a:rPr>
-              <a:t>compression late in CNN network</a:t>
-            </a:r>
-            <a:endParaRPr sz="1800">
-              <a:solidFill>
-                <a:schemeClr val="dk2"/>
-              </a:solidFill>
-            </a:endParaRPr>
-          </a:p>
-          <a:p>
-            <a:pPr indent="-342900" lvl="0" marL="457200" rtl="0" algn="l">
-              <a:lnSpc>
-                <a:spcPct val="115000"/>
-              </a:lnSpc>
-              <a:spcBef>
-                <a:spcPts val="0"/>
-              </a:spcBef>
-              <a:spcAft>
-                <a:spcPts val="0"/>
-              </a:spcAft>
-              <a:buClr>
-                <a:schemeClr val="dk2"/>
-              </a:buClr>
-              <a:buSzPts val="1800"/>
-              <a:buChar char="-"/>
-            </a:pPr>
-            <a:r>
-              <a:rPr lang="en" sz="1800">
-                <a:solidFill>
-                  <a:schemeClr val="dk2"/>
-                </a:solidFill>
-              </a:rPr>
-              <a:t>Lower compute than U-Net </a:t>
-            </a:r>
-            <a:r>
-              <a:rPr lang="en" sz="900">
-                <a:solidFill>
-                  <a:schemeClr val="dk2"/>
-                </a:solidFill>
-              </a:rPr>
-              <a:t>“</a:t>
-            </a:r>
-            <a:r>
-              <a:rPr lang="en" sz="700">
-                <a:solidFill>
-                  <a:schemeClr val="dk1"/>
-                </a:solidFill>
-                <a:latin typeface="Roboto"/>
-                <a:ea typeface="Roboto"/>
-                <a:cs typeface="Roboto"/>
-                <a:sym typeface="Roboto"/>
-              </a:rPr>
-              <a:t>Reduces VRAM usage by 63% compared to fixed-size processing” (perpleixty)</a:t>
-            </a:r>
-            <a:endParaRPr sz="1300">
-              <a:solidFill>
-                <a:schemeClr val="dk2"/>
-              </a:solidFill>
-            </a:endParaRPr>
-          </a:p>
-          <a:p>
-            <a:pPr indent="-342900" lvl="0" marL="457200" rtl="0" algn="l">
-              <a:lnSpc>
-                <a:spcPct val="115000"/>
-              </a:lnSpc>
-              <a:spcBef>
-                <a:spcPts val="0"/>
-              </a:spcBef>
-              <a:spcAft>
-                <a:spcPts val="0"/>
-              </a:spcAft>
-              <a:buClr>
-                <a:schemeClr val="dk2"/>
-              </a:buClr>
-              <a:buSzPts val="1800"/>
-              <a:buChar char="-"/>
-            </a:pPr>
-            <a:r>
-              <a:rPr lang="en" sz="1800">
-                <a:solidFill>
-                  <a:schemeClr val="dk2"/>
-                </a:solidFill>
-              </a:rPr>
-              <a:t>We can process different sized images in same batch </a:t>
-            </a:r>
-            <a:r>
-              <a:rPr lang="en" sz="700">
-                <a:solidFill>
-                  <a:schemeClr val="dk2"/>
-                </a:solidFill>
-              </a:rPr>
-              <a:t>(perplexity)</a:t>
-            </a:r>
-            <a:endParaRPr sz="700">
-              <a:solidFill>
-                <a:schemeClr val="dk2"/>
-              </a:solidFill>
-            </a:endParaRPr>
-          </a:p>
-          <a:p>
-            <a:pPr indent="0" lvl="0" marL="0" rtl="0" algn="l">
-              <a:lnSpc>
-                <a:spcPct val="115000"/>
-              </a:lnSpc>
-              <a:spcBef>
-                <a:spcPts val="1200"/>
-              </a:spcBef>
-              <a:spcAft>
-                <a:spcPts val="1200"/>
-              </a:spcAft>
-              <a:buNone/>
-            </a:pPr>
-            <a:r>
-              <a:t/>
-            </a:r>
-            <a:endParaRPr sz="1800">
+              <a:t>What is adaptive pooling?</a:t>
+            </a:r>
+            <a:endParaRPr sz="2000">
               <a:solidFill>
                 <a:schemeClr val="dk2"/>
               </a:solidFill>
@@ -8941,7 +8731,7 @@
                                           </p:stCondLst>
                                         </p:cTn>
                                         <p:tgtEl>
-                                          <p:spTgt spid="164"/>
+                                          <p:spTgt spid="162"/>
                                         </p:tgtEl>
                                         <p:attrNameLst>
                                           <p:attrName>style.visibility</p:attrName>
@@ -8986,7 +8776,7 @@
                                           </p:stCondLst>
                                         </p:cTn>
                                         <p:tgtEl>
-                                          <p:spTgt spid="163"/>
+                                          <p:spTgt spid="164"/>
                                         </p:tgtEl>
                                         <p:attrNameLst>
                                           <p:attrName>style.visibility</p:attrName>
@@ -9035,7 +8825,7 @@
   <p:cSld>
     <p:spTree>
       <p:nvGrpSpPr>
-        <p:cNvPr id="168" name="Shape 168"/>
+        <p:cNvPr id="170" name="Shape 170"/>
         <p:cNvGrpSpPr/>
         <p:nvPr/>
       </p:nvGrpSpPr>
@@ -9049,7 +8839,650 @@
       </p:grpSpPr>
       <p:sp>
         <p:nvSpPr>
-          <p:cNvPr id="169" name="Google Shape;169;p25"/>
+          <p:cNvPr id="171" name="Google Shape;171;p25"/>
+          <p:cNvSpPr txBox="1"/>
+          <p:nvPr>
+            <p:ph type="title"/>
+          </p:nvPr>
+        </p:nvSpPr>
+        <p:spPr>
+          <a:xfrm>
+            <a:off x="91375" y="128300"/>
+            <a:ext cx="8520600" cy="572700"/>
+          </a:xfrm>
+          <a:prstGeom prst="rect">
+            <a:avLst/>
+          </a:prstGeom>
+        </p:spPr>
+        <p:txBody>
+          <a:bodyPr anchorCtr="0" anchor="t" bIns="91425" lIns="91425" spcFirstLastPara="1" rIns="91425" wrap="square" tIns="91425">
+            <a:noAutofit/>
+          </a:bodyPr>
+          <a:lstStyle/>
+          <a:p>
+            <a:pPr indent="0" lvl="0" marL="0" rtl="0" algn="l">
+              <a:spcBef>
+                <a:spcPts val="0"/>
+              </a:spcBef>
+              <a:spcAft>
+                <a:spcPts val="0"/>
+              </a:spcAft>
+              <a:buSzPts val="990"/>
+              <a:buNone/>
+            </a:pPr>
+            <a:r>
+              <a:rPr b="1" lang="en" sz="2620"/>
+              <a:t>Should we use adaptive pooling? </a:t>
+            </a:r>
+            <a:r>
+              <a:rPr b="1" lang="en" sz="1120"/>
+              <a:t>(from perplexity)</a:t>
+            </a:r>
+            <a:endParaRPr b="1" sz="1120"/>
+          </a:p>
+        </p:txBody>
+      </p:sp>
+      <p:sp>
+        <p:nvSpPr>
+          <p:cNvPr id="172" name="Google Shape;172;p25"/>
+          <p:cNvSpPr txBox="1"/>
+          <p:nvPr>
+            <p:ph idx="1" type="body"/>
+          </p:nvPr>
+        </p:nvSpPr>
+        <p:spPr>
+          <a:xfrm>
+            <a:off x="4339200" y="472400"/>
+            <a:ext cx="4512900" cy="4358700"/>
+          </a:xfrm>
+          <a:prstGeom prst="rect">
+            <a:avLst/>
+          </a:prstGeom>
+        </p:spPr>
+        <p:txBody>
+          <a:bodyPr anchorCtr="0" anchor="t" bIns="91425" lIns="91425" spcFirstLastPara="1" rIns="91425" wrap="square" tIns="91425">
+            <a:normAutofit fontScale="92500" lnSpcReduction="10000"/>
+          </a:bodyPr>
+          <a:lstStyle/>
+          <a:p>
+            <a:pPr indent="0" lvl="0" marL="0" rtl="0" algn="l">
+              <a:spcBef>
+                <a:spcPts val="0"/>
+              </a:spcBef>
+              <a:spcAft>
+                <a:spcPts val="0"/>
+              </a:spcAft>
+              <a:buNone/>
+            </a:pPr>
+            <a:r>
+              <a:t/>
+            </a:r>
+            <a:endParaRPr/>
+          </a:p>
+          <a:p>
+            <a:pPr indent="0" lvl="0" marL="0" rtl="0" algn="l">
+              <a:spcBef>
+                <a:spcPts val="1200"/>
+              </a:spcBef>
+              <a:spcAft>
+                <a:spcPts val="0"/>
+              </a:spcAft>
+              <a:buNone/>
+            </a:pPr>
+            <a:r>
+              <a:rPr lang="en"/>
+              <a:t>Cons </a:t>
+            </a:r>
+            <a:r>
+              <a:rPr i="1" lang="en" sz="1100"/>
+              <a:t>(Q4: What is the downside of adaptive pooling?l)</a:t>
+            </a:r>
+            <a:endParaRPr i="1" sz="1100"/>
+          </a:p>
+          <a:p>
+            <a:pPr indent="-334327" lvl="0" marL="457200" rtl="0" algn="l">
+              <a:spcBef>
+                <a:spcPts val="1200"/>
+              </a:spcBef>
+              <a:spcAft>
+                <a:spcPts val="0"/>
+              </a:spcAft>
+              <a:buSzPct val="207476"/>
+              <a:buChar char="-"/>
+            </a:pPr>
+            <a:r>
+              <a:rPr lang="en"/>
+              <a:t>Inconsistent information compression </a:t>
+            </a:r>
+            <a:r>
+              <a:rPr lang="en" sz="867"/>
+              <a:t>(perplexity)</a:t>
+            </a:r>
+            <a:endParaRPr sz="867"/>
+          </a:p>
+          <a:p>
+            <a:pPr indent="-310832" lvl="1" marL="914400" rtl="0" algn="l">
+              <a:spcBef>
+                <a:spcPts val="0"/>
+              </a:spcBef>
+              <a:spcAft>
+                <a:spcPts val="0"/>
+              </a:spcAft>
+              <a:buSzPct val="100000"/>
+              <a:buChar char="-"/>
+            </a:pPr>
+            <a:r>
+              <a:rPr lang="en"/>
+              <a:t>Cells in big images compressed more than cells in small images </a:t>
+            </a:r>
+            <a:endParaRPr/>
+          </a:p>
+          <a:p>
+            <a:pPr indent="-310832" lvl="1" marL="914400" rtl="0" algn="l">
+              <a:spcBef>
+                <a:spcPts val="0"/>
+              </a:spcBef>
+              <a:spcAft>
+                <a:spcPts val="0"/>
+              </a:spcAft>
+              <a:buSzPct val="100000"/>
+              <a:buChar char="-"/>
+            </a:pPr>
+            <a:r>
+              <a:rPr lang="en"/>
+              <a:t>Cells are treated differently depending on the image size</a:t>
+            </a:r>
+            <a:endParaRPr/>
+          </a:p>
+          <a:p>
+            <a:pPr indent="-334327" lvl="0" marL="457200" rtl="0" algn="l">
+              <a:spcBef>
+                <a:spcPts val="0"/>
+              </a:spcBef>
+              <a:spcAft>
+                <a:spcPts val="0"/>
+              </a:spcAft>
+              <a:buSzPct val="100000"/>
+              <a:buChar char="-"/>
+            </a:pPr>
+            <a:r>
+              <a:rPr lang="en"/>
+              <a:t>Aggressive compression</a:t>
+            </a:r>
+            <a:endParaRPr/>
+          </a:p>
+          <a:p>
+            <a:pPr indent="-310832" lvl="1" marL="914400" rtl="0" algn="l">
+              <a:spcBef>
+                <a:spcPts val="0"/>
+              </a:spcBef>
+              <a:spcAft>
+                <a:spcPts val="0"/>
+              </a:spcAft>
+              <a:buSzPct val="100000"/>
+              <a:buChar char="-"/>
+            </a:pPr>
+            <a:r>
+              <a:rPr lang="en"/>
+              <a:t>Normal CNN: compression by fixed amount each layer </a:t>
+            </a:r>
+            <a:endParaRPr/>
+          </a:p>
+          <a:p>
+            <a:pPr indent="-310832" lvl="1" marL="914400" rtl="0" algn="l">
+              <a:spcBef>
+                <a:spcPts val="0"/>
+              </a:spcBef>
+              <a:spcAft>
+                <a:spcPts val="0"/>
+              </a:spcAft>
+              <a:buSzPct val="100000"/>
+              <a:buChar char="-"/>
+            </a:pPr>
+            <a:r>
+              <a:rPr lang="en"/>
+              <a:t>Adaptive Pooling: Large images may be aggressively compressed in one layer </a:t>
+            </a:r>
+            <a:endParaRPr/>
+          </a:p>
+          <a:p>
+            <a:pPr indent="-334327" lvl="0" marL="457200" rtl="0" algn="l">
+              <a:spcBef>
+                <a:spcPts val="0"/>
+              </a:spcBef>
+              <a:spcAft>
+                <a:spcPts val="0"/>
+              </a:spcAft>
+              <a:buSzPct val="217646"/>
+              <a:buChar char="-"/>
+            </a:pPr>
+            <a:r>
+              <a:rPr lang="en"/>
+              <a:t>More compute than approach #1 </a:t>
+            </a:r>
+            <a:r>
+              <a:rPr lang="en" sz="827"/>
+              <a:t>(perplexity)</a:t>
+            </a:r>
+            <a:endParaRPr sz="827"/>
+          </a:p>
+          <a:p>
+            <a:pPr indent="0" lvl="0" marL="457200" rtl="0" algn="l">
+              <a:spcBef>
+                <a:spcPts val="1200"/>
+              </a:spcBef>
+              <a:spcAft>
+                <a:spcPts val="0"/>
+              </a:spcAft>
+              <a:buNone/>
+            </a:pPr>
+            <a:r>
+              <a:t/>
+            </a:r>
+            <a:endParaRPr/>
+          </a:p>
+          <a:p>
+            <a:pPr indent="0" lvl="0" marL="0" rtl="0" algn="l">
+              <a:spcBef>
+                <a:spcPts val="1200"/>
+              </a:spcBef>
+              <a:spcAft>
+                <a:spcPts val="1200"/>
+              </a:spcAft>
+              <a:buNone/>
+            </a:pPr>
+            <a:r>
+              <a:t/>
+            </a:r>
+            <a:endParaRPr sz="1200">
+              <a:solidFill>
+                <a:schemeClr val="dk1"/>
+              </a:solidFill>
+              <a:latin typeface="Roboto"/>
+              <a:ea typeface="Roboto"/>
+              <a:cs typeface="Roboto"/>
+              <a:sym typeface="Roboto"/>
+            </a:endParaRPr>
+          </a:p>
+        </p:txBody>
+      </p:sp>
+      <p:sp>
+        <p:nvSpPr>
+          <p:cNvPr id="173" name="Google Shape;173;p25"/>
+          <p:cNvSpPr txBox="1"/>
+          <p:nvPr/>
+        </p:nvSpPr>
+        <p:spPr>
+          <a:xfrm>
+            <a:off x="290525" y="880550"/>
+            <a:ext cx="3649200" cy="3690600"/>
+          </a:xfrm>
+          <a:prstGeom prst="rect">
+            <a:avLst/>
+          </a:prstGeom>
+          <a:noFill/>
+          <a:ln>
+            <a:noFill/>
+          </a:ln>
+        </p:spPr>
+        <p:txBody>
+          <a:bodyPr anchorCtr="0" anchor="t" bIns="91425" lIns="91425" spcFirstLastPara="1" rIns="91425" wrap="square" tIns="91425">
+            <a:noAutofit/>
+          </a:bodyPr>
+          <a:lstStyle/>
+          <a:p>
+            <a:pPr indent="0" lvl="0" marL="0" rtl="0" algn="l">
+              <a:lnSpc>
+                <a:spcPct val="115000"/>
+              </a:lnSpc>
+              <a:spcBef>
+                <a:spcPts val="0"/>
+              </a:spcBef>
+              <a:spcAft>
+                <a:spcPts val="0"/>
+              </a:spcAft>
+              <a:buClr>
+                <a:schemeClr val="dk1"/>
+              </a:buClr>
+              <a:buSzPts val="1100"/>
+              <a:buFont typeface="Arial"/>
+              <a:buNone/>
+            </a:pPr>
+            <a:r>
+              <a:rPr lang="en" sz="1800">
+                <a:solidFill>
+                  <a:schemeClr val="dk2"/>
+                </a:solidFill>
+              </a:rPr>
+              <a:t>Pros</a:t>
+            </a:r>
+            <a:endParaRPr sz="1800">
+              <a:solidFill>
+                <a:schemeClr val="dk2"/>
+              </a:solidFill>
+            </a:endParaRPr>
+          </a:p>
+          <a:p>
+            <a:pPr indent="-342900" lvl="0" marL="457200" rtl="0" algn="l">
+              <a:lnSpc>
+                <a:spcPct val="115000"/>
+              </a:lnSpc>
+              <a:spcBef>
+                <a:spcPts val="1200"/>
+              </a:spcBef>
+              <a:spcAft>
+                <a:spcPts val="0"/>
+              </a:spcAft>
+              <a:buClr>
+                <a:schemeClr val="dk2"/>
+              </a:buClr>
+              <a:buSzPts val="1800"/>
+              <a:buChar char="-"/>
+            </a:pPr>
+            <a:r>
+              <a:rPr lang="en" sz="1800">
+                <a:solidFill>
+                  <a:schemeClr val="dk2"/>
+                </a:solidFill>
+              </a:rPr>
+              <a:t>Models w/ adaptive pooling can process images of any size</a:t>
+            </a:r>
+            <a:endParaRPr sz="1800">
+              <a:solidFill>
+                <a:schemeClr val="dk2"/>
+              </a:solidFill>
+            </a:endParaRPr>
+          </a:p>
+          <a:p>
+            <a:pPr indent="-342900" lvl="0" marL="457200" rtl="0" algn="l">
+              <a:spcBef>
+                <a:spcPts val="0"/>
+              </a:spcBef>
+              <a:spcAft>
+                <a:spcPts val="0"/>
+              </a:spcAft>
+              <a:buClr>
+                <a:schemeClr val="dk2"/>
+              </a:buClr>
+              <a:buSzPts val="1800"/>
+              <a:buChar char="-"/>
+            </a:pPr>
+            <a:r>
+              <a:rPr lang="en" sz="1800">
+                <a:solidFill>
+                  <a:schemeClr val="dk2"/>
+                </a:solidFill>
+              </a:rPr>
+              <a:t>compression late in CNN network</a:t>
+            </a:r>
+            <a:endParaRPr sz="1800">
+              <a:solidFill>
+                <a:schemeClr val="dk2"/>
+              </a:solidFill>
+            </a:endParaRPr>
+          </a:p>
+          <a:p>
+            <a:pPr indent="-342900" lvl="0" marL="457200" rtl="0" algn="l">
+              <a:lnSpc>
+                <a:spcPct val="115000"/>
+              </a:lnSpc>
+              <a:spcBef>
+                <a:spcPts val="0"/>
+              </a:spcBef>
+              <a:spcAft>
+                <a:spcPts val="0"/>
+              </a:spcAft>
+              <a:buClr>
+                <a:schemeClr val="dk2"/>
+              </a:buClr>
+              <a:buSzPts val="1800"/>
+              <a:buChar char="-"/>
+            </a:pPr>
+            <a:r>
+              <a:rPr lang="en" sz="1800">
+                <a:solidFill>
+                  <a:schemeClr val="dk2"/>
+                </a:solidFill>
+              </a:rPr>
+              <a:t>Lower compute than U-Net </a:t>
+            </a:r>
+            <a:r>
+              <a:rPr lang="en" sz="900">
+                <a:solidFill>
+                  <a:schemeClr val="dk2"/>
+                </a:solidFill>
+              </a:rPr>
+              <a:t>“</a:t>
+            </a:r>
+            <a:r>
+              <a:rPr lang="en" sz="700">
+                <a:solidFill>
+                  <a:schemeClr val="dk1"/>
+                </a:solidFill>
+                <a:latin typeface="Roboto"/>
+                <a:ea typeface="Roboto"/>
+                <a:cs typeface="Roboto"/>
+                <a:sym typeface="Roboto"/>
+              </a:rPr>
+              <a:t>Reduces VRAM usage by 63% compared to fixed-size processing” (perpleixty)</a:t>
+            </a:r>
+            <a:endParaRPr sz="1300">
+              <a:solidFill>
+                <a:schemeClr val="dk2"/>
+              </a:solidFill>
+            </a:endParaRPr>
+          </a:p>
+          <a:p>
+            <a:pPr indent="-342900" lvl="0" marL="457200" rtl="0" algn="l">
+              <a:lnSpc>
+                <a:spcPct val="115000"/>
+              </a:lnSpc>
+              <a:spcBef>
+                <a:spcPts val="0"/>
+              </a:spcBef>
+              <a:spcAft>
+                <a:spcPts val="0"/>
+              </a:spcAft>
+              <a:buClr>
+                <a:schemeClr val="dk2"/>
+              </a:buClr>
+              <a:buSzPts val="1800"/>
+              <a:buChar char="-"/>
+            </a:pPr>
+            <a:r>
+              <a:rPr lang="en" sz="1800">
+                <a:solidFill>
+                  <a:schemeClr val="dk2"/>
+                </a:solidFill>
+              </a:rPr>
+              <a:t>We can process different sized images in same batch </a:t>
+            </a:r>
+            <a:r>
+              <a:rPr lang="en" sz="700">
+                <a:solidFill>
+                  <a:schemeClr val="dk2"/>
+                </a:solidFill>
+              </a:rPr>
+              <a:t>(perplexity)</a:t>
+            </a:r>
+            <a:endParaRPr sz="700">
+              <a:solidFill>
+                <a:schemeClr val="dk2"/>
+              </a:solidFill>
+            </a:endParaRPr>
+          </a:p>
+          <a:p>
+            <a:pPr indent="0" lvl="0" marL="0" rtl="0" algn="l">
+              <a:lnSpc>
+                <a:spcPct val="115000"/>
+              </a:lnSpc>
+              <a:spcBef>
+                <a:spcPts val="1200"/>
+              </a:spcBef>
+              <a:spcAft>
+                <a:spcPts val="1200"/>
+              </a:spcAft>
+              <a:buNone/>
+            </a:pPr>
+            <a:r>
+              <a:t/>
+            </a:r>
+            <a:endParaRPr sz="1800">
+              <a:solidFill>
+                <a:schemeClr val="dk2"/>
+              </a:solidFill>
+            </a:endParaRPr>
+          </a:p>
+        </p:txBody>
+      </p:sp>
+    </p:spTree>
+  </p:cSld>
+  <p:clrMapOvr>
+    <a:masterClrMapping/>
+  </p:clrMapOvr>
+  <p:timing>
+    <p:tnLst>
+      <p:par>
+        <p:cTn dur="indefinite" nodeType="tmRoot" restart="never">
+          <p:childTnLst>
+            <p:seq concurrent="1" nextAc="seek">
+              <p:cTn dur="indefinite" id="2" nodeType="mainSeq">
+                <p:childTnLst>
+                  <p:par>
+                    <p:cTn fill="hold">
+                      <p:stCondLst>
+                        <p:cond delay="indefinite"/>
+                      </p:stCondLst>
+                      <p:childTnLst>
+                        <p:par>
+                          <p:cTn fill="hold">
+                            <p:stCondLst>
+                              <p:cond delay="0"/>
+                            </p:stCondLst>
+                            <p:childTnLst>
+                              <p:par>
+                                <p:cTn fill="hold" nodeType="clickEffect" presetClass="entr" presetID="1" presetSubtype="0">
+                                  <p:stCondLst>
+                                    <p:cond delay="0"/>
+                                  </p:stCondLst>
+                                  <p:childTnLst>
+                                    <p:set>
+                                      <p:cBhvr>
+                                        <p:cTn dur="1" fill="hold">
+                                          <p:stCondLst>
+                                            <p:cond delay="0"/>
+                                          </p:stCondLst>
+                                        </p:cTn>
+                                        <p:tgtEl>
+                                          <p:spTgt spid="173"/>
+                                        </p:tgtEl>
+                                        <p:attrNameLst>
+                                          <p:attrName>style.visibility</p:attrName>
+                                        </p:attrNameLst>
+                                      </p:cBhvr>
+                                      <p:to>
+                                        <p:strVal val="visible"/>
+                                      </p:to>
+                                    </p:set>
+                                  </p:childTnLst>
+                                </p:cTn>
+                              </p:par>
+                            </p:childTnLst>
+                          </p:cTn>
+                        </p:par>
+                      </p:childTnLst>
+                    </p:cTn>
+                  </p:par>
+                  <p:par>
+                    <p:cTn fill="hold">
+                      <p:stCondLst>
+                        <p:cond delay="indefinite"/>
+                      </p:stCondLst>
+                      <p:childTnLst>
+                        <p:par>
+                          <p:cTn fill="hold">
+                            <p:stCondLst>
+                              <p:cond delay="0"/>
+                            </p:stCondLst>
+                            <p:childTnLst>
+                              <p:par>
+                                <p:cTn fill="hold" nodeType="clickEffect" presetClass="entr" presetID="1" presetSubtype="0">
+                                  <p:stCondLst>
+                                    <p:cond delay="0"/>
+                                  </p:stCondLst>
+                                  <p:childTnLst>
+                                    <p:set>
+                                      <p:cBhvr>
+                                        <p:cTn dur="1" fill="hold">
+                                          <p:stCondLst>
+                                            <p:cond delay="0"/>
+                                          </p:stCondLst>
+                                        </p:cTn>
+                                        <p:tgtEl>
+                                          <p:spTgt spid="172"/>
+                                        </p:tgtEl>
+                                        <p:attrNameLst>
+                                          <p:attrName>style.visibility</p:attrName>
+                                        </p:attrNameLst>
+                                      </p:cBhvr>
+                                      <p:to>
+                                        <p:strVal val="visible"/>
+                                      </p:to>
+                                    </p:set>
+                                  </p:childTnLst>
+                                </p:cTn>
+                              </p:par>
+                            </p:childTnLst>
+                          </p:cTn>
+                        </p:par>
+                      </p:childTnLst>
+                    </p:cTn>
+                  </p:par>
+                </p:childTnLst>
+              </p:cTn>
+              <p:prevCondLst>
+                <p:cond evt="onPrev">
+                  <p:tgtEl>
+                    <p:sldTgt/>
+                  </p:tgtEl>
+                </p:cond>
+              </p:prevCondLst>
+              <p:nextCondLst>
+                <p:cond evt="onNext">
+                  <p:tgtEl>
+                    <p:sldTgt/>
+                  </p:tgtEl>
+                </p:cond>
+              </p:nextCondLst>
+            </p:seq>
+          </p:childTnLst>
+        </p:cTn>
+      </p:par>
+    </p:tnLst>
+  </p:timing>
+</p:sld>
+</file>
+
+<file path=ppt/slides/slide14.xml><?xml version="1.0" encoding="utf-8"?>
+<p:sld xmlns:a="http://schemas.openxmlformats.org/drawingml/2006/main" xmlns:r="http://schemas.openxmlformats.org/officeDocument/2006/relationships" xmlns:mc="http://schemas.openxmlformats.org/markup-compatibility/2006" xmlns:mv="urn:schemas-microsoft-com:mac:vml" xmlns:p="http://schemas.openxmlformats.org/presentationml/2006/main" xmlns:c="http://schemas.openxmlformats.org/drawingml/2006/chart" xmlns:dgm="http://schemas.openxmlformats.org/drawingml/2006/diagram" xmlns:o="urn:schemas-microsoft-com:office:office" xmlns:v="urn:schemas-microsoft-com:vml" xmlns:pvml="urn:schemas-microsoft-com:office:powerpoint" xmlns:com="http://schemas.openxmlformats.org/drawingml/2006/compatibility" xmlns:p14="http://schemas.microsoft.com/office/powerpoint/2010/main" xmlns:p15="http://schemas.microsoft.com/office/powerpoint/2012/main" xmlns:ahyp="http://schemas.microsoft.com/office/drawing/2018/hyperlinkcolor">
+  <p:cSld>
+    <p:spTree>
+      <p:nvGrpSpPr>
+        <p:cNvPr id="177" name="Shape 177"/>
+        <p:cNvGrpSpPr/>
+        <p:nvPr/>
+      </p:nvGrpSpPr>
+      <p:grpSpPr>
+        <a:xfrm>
+          <a:off x="0" y="0"/>
+          <a:ext cx="0" cy="0"/>
+          <a:chOff x="0" y="0"/>
+          <a:chExt cx="0" cy="0"/>
+        </a:xfrm>
+      </p:grpSpPr>
+      <p:sp>
+        <p:nvSpPr>
+          <p:cNvPr id="178" name="Google Shape;178;p26"/>
           <p:cNvSpPr txBox="1"/>
           <p:nvPr>
             <p:ph type="title"/>
@@ -9098,7 +9531,7 @@
       </p:sp>
       <p:sp>
         <p:nvSpPr>
-          <p:cNvPr id="170" name="Google Shape;170;p25"/>
+          <p:cNvPr id="179" name="Google Shape;179;p26"/>
           <p:cNvSpPr txBox="1"/>
           <p:nvPr/>
         </p:nvSpPr>
@@ -9347,7 +9780,7 @@
       </p:sp>
       <p:sp>
         <p:nvSpPr>
-          <p:cNvPr id="171" name="Google Shape;171;p25"/>
+          <p:cNvPr id="180" name="Google Shape;180;p26"/>
           <p:cNvSpPr txBox="1"/>
           <p:nvPr>
             <p:ph idx="1" type="body"/>
@@ -9526,12 +9959,12 @@
 </p:sld>
 </file>
 
-<file path=ppt/slides/slide14.xml><?xml version="1.0" encoding="utf-8"?>
+<file path=ppt/slides/slide15.xml><?xml version="1.0" encoding="utf-8"?>
 <p:sld xmlns:a="http://schemas.openxmlformats.org/drawingml/2006/main" xmlns:r="http://schemas.openxmlformats.org/officeDocument/2006/relationships" xmlns:mc="http://schemas.openxmlformats.org/markup-compatibility/2006" xmlns:mv="urn:schemas-microsoft-com:mac:vml" xmlns:p="http://schemas.openxmlformats.org/presentationml/2006/main" xmlns:c="http://schemas.openxmlformats.org/drawingml/2006/chart" xmlns:dgm="http://schemas.openxmlformats.org/drawingml/2006/diagram" xmlns:o="urn:schemas-microsoft-com:office:office" xmlns:v="urn:schemas-microsoft-com:vml" xmlns:pvml="urn:schemas-microsoft-com:office:powerpoint" xmlns:com="http://schemas.openxmlformats.org/drawingml/2006/compatibility" xmlns:p14="http://schemas.microsoft.com/office/powerpoint/2010/main" xmlns:p15="http://schemas.microsoft.com/office/powerpoint/2012/main" xmlns:ahyp="http://schemas.microsoft.com/office/drawing/2018/hyperlinkcolor">
   <p:cSld>
     <p:spTree>
       <p:nvGrpSpPr>
-        <p:cNvPr id="175" name="Shape 175"/>
+        <p:cNvPr id="184" name="Shape 184"/>
         <p:cNvGrpSpPr/>
         <p:nvPr/>
       </p:nvGrpSpPr>
@@ -9545,7 +9978,7 @@
       </p:grpSpPr>
       <p:sp>
         <p:nvSpPr>
-          <p:cNvPr id="176" name="Google Shape;176;p26"/>
+          <p:cNvPr id="185" name="Google Shape;185;p27"/>
           <p:cNvSpPr txBox="1"/>
           <p:nvPr>
             <p:ph type="title"/>
@@ -9586,7 +10019,7 @@
       </p:sp>
       <p:sp>
         <p:nvSpPr>
-          <p:cNvPr id="177" name="Google Shape;177;p26"/>
+          <p:cNvPr id="186" name="Google Shape;186;p27"/>
           <p:cNvSpPr txBox="1"/>
           <p:nvPr>
             <p:ph idx="1" type="body"/>
@@ -9665,7 +10098,7 @@
       </p:sp>
       <p:sp>
         <p:nvSpPr>
-          <p:cNvPr id="178" name="Google Shape;178;p26"/>
+          <p:cNvPr id="187" name="Google Shape;187;p27"/>
           <p:cNvSpPr txBox="1"/>
           <p:nvPr/>
         </p:nvSpPr>
@@ -9935,7 +10368,7 @@
       </p:sp>
       <p:sp>
         <p:nvSpPr>
-          <p:cNvPr id="179" name="Google Shape;179;p26"/>
+          <p:cNvPr id="188" name="Google Shape;188;p27"/>
           <p:cNvSpPr txBox="1"/>
           <p:nvPr/>
         </p:nvSpPr>
@@ -11806,7 +12239,7 @@
         <p:spPr>
           <a:xfrm>
             <a:off x="0" y="20450"/>
-            <a:ext cx="6927300" cy="572700"/>
+            <a:ext cx="8675700" cy="572700"/>
           </a:xfrm>
           <a:prstGeom prst="rect">
             <a:avLst/>
@@ -11814,7 +12247,7 @@
         </p:spPr>
         <p:txBody>
           <a:bodyPr anchorCtr="0" anchor="t" bIns="91425" lIns="91425" spcFirstLastPara="1" rIns="91425" wrap="square" tIns="91425">
-            <a:normAutofit fontScale="90000"/>
+            <a:noAutofit/>
           </a:bodyPr>
           <a:lstStyle/>
           <a:p>
@@ -11825,17 +12258,26 @@
               <a:spcAft>
                 <a:spcPts val="0"/>
               </a:spcAft>
-              <a:buNone/>
-            </a:pPr>
-            <a:r>
-              <a:rPr lang="en"/>
-              <a:t>Distribution Analysis: </a:t>
-            </a:r>
-            <a:r>
-              <a:rPr lang="en"/>
+              <a:buSzPts val="990"/>
+              <a:buNone/>
+            </a:pPr>
+            <a:r>
+              <a:rPr lang="en" sz="2120"/>
+              <a:t>Distribution Analysis </a:t>
+            </a:r>
+            <a:r>
+              <a:rPr i="1" lang="en" sz="2120"/>
+              <a:t>with old patches</a:t>
+            </a:r>
+            <a:r>
+              <a:rPr lang="en" sz="2120"/>
+              <a:t>: </a:t>
+            </a:r>
+            <a:r>
+              <a:rPr lang="en" sz="2120"/>
               <a:t>Is 2KB a good threshold?</a:t>
             </a:r>
-            <a:endParaRPr/>
+            <a:endParaRPr sz="2120"/>
           </a:p>
         </p:txBody>
       </p:sp>
@@ -12982,12 +13424,61 @@
         <p:nvSpPr>
           <p:cNvPr id="115" name="Google Shape;115;p18"/>
           <p:cNvSpPr txBox="1"/>
+          <p:nvPr>
+            <p:ph type="title"/>
+          </p:nvPr>
+        </p:nvSpPr>
+        <p:spPr>
+          <a:xfrm>
+            <a:off x="0" y="20450"/>
+            <a:ext cx="9358500" cy="572700"/>
+          </a:xfrm>
+          <a:prstGeom prst="rect">
+            <a:avLst/>
+          </a:prstGeom>
+        </p:spPr>
+        <p:txBody>
+          <a:bodyPr anchorCtr="0" anchor="t" bIns="91425" lIns="91425" spcFirstLastPara="1" rIns="91425" wrap="square" tIns="91425">
+            <a:normAutofit/>
+          </a:bodyPr>
+          <a:lstStyle/>
+          <a:p>
+            <a:pPr indent="0" lvl="0" marL="0" rtl="0" algn="l">
+              <a:spcBef>
+                <a:spcPts val="0"/>
+              </a:spcBef>
+              <a:spcAft>
+                <a:spcPts val="0"/>
+              </a:spcAft>
+              <a:buSzPts val="990"/>
+              <a:buNone/>
+            </a:pPr>
+            <a:r>
+              <a:rPr lang="en" sz="2320"/>
+              <a:t>Distribution Analysis </a:t>
+            </a:r>
+            <a:r>
+              <a:rPr i="1" lang="en" sz="2320"/>
+              <a:t>with new patches</a:t>
+            </a:r>
+            <a:r>
+              <a:rPr lang="en" sz="2320"/>
+              <a:t>: Is 2KB a good threshold?</a:t>
+            </a:r>
+            <a:endParaRPr sz="2320"/>
+          </a:p>
+        </p:txBody>
+      </p:sp>
+      <p:sp>
+        <p:nvSpPr>
+          <p:cNvPr id="116" name="Google Shape;116;p18"/>
+          <p:cNvSpPr txBox="1"/>
           <p:nvPr/>
         </p:nvSpPr>
         <p:spPr>
           <a:xfrm>
-            <a:off x="171500" y="210875"/>
-            <a:ext cx="6358800" cy="820200"/>
+            <a:off x="2759625" y="4730100"/>
+            <a:ext cx="1481700" cy="246900"/>
           </a:xfrm>
           <a:prstGeom prst="rect">
             <a:avLst/>
@@ -13010,43 +13501,19 @@
               <a:spcAft>
                 <a:spcPts val="0"/>
               </a:spcAft>
-              <a:buClr>
-                <a:schemeClr val="dk1"/>
-              </a:buClr>
-              <a:buSzPts val="1100"/>
-              <a:buFont typeface="Arial"/>
-              <a:buNone/>
-            </a:pPr>
-            <a:r>
-              <a:rPr lang="en" sz="2800">
-                <a:solidFill>
-                  <a:schemeClr val="dk1"/>
-                </a:solidFill>
-              </a:rPr>
-              <a:t>30KB: A far more restrictive threshold?</a:t>
-            </a:r>
-            <a:endParaRPr sz="2800">
-              <a:solidFill>
-                <a:schemeClr val="dk1"/>
-              </a:solidFill>
-            </a:endParaRPr>
-          </a:p>
-          <a:p>
-            <a:pPr indent="0" lvl="0" marL="0" rtl="0" algn="l">
-              <a:spcBef>
-                <a:spcPts val="0"/>
-              </a:spcBef>
-              <a:spcAft>
-                <a:spcPts val="0"/>
-              </a:spcAft>
-              <a:buNone/>
-            </a:pPr>
-            <a:r>
-              <a:t/>
+              <a:buNone/>
+            </a:pPr>
+            <a:r>
+              <a:rPr lang="en" sz="1800">
+                <a:solidFill>
+                  <a:srgbClr val="FF0000"/>
+                </a:solidFill>
+              </a:rPr>
+              <a:t>2KB</a:t>
             </a:r>
             <a:endParaRPr sz="1800">
               <a:solidFill>
-                <a:schemeClr val="dk2"/>
+                <a:srgbClr val="FF0000"/>
               </a:solidFill>
             </a:endParaRPr>
           </a:p>
@@ -13054,14 +13521,14 @@
       </p:sp>
       <p:sp>
         <p:nvSpPr>
-          <p:cNvPr id="116" name="Google Shape;116;p18"/>
+          <p:cNvPr id="117" name="Google Shape;117;p18"/>
           <p:cNvSpPr txBox="1"/>
           <p:nvPr/>
         </p:nvSpPr>
         <p:spPr>
           <a:xfrm>
-            <a:off x="242025" y="904850"/>
-            <a:ext cx="2213700" cy="2610600"/>
+            <a:off x="100125" y="650075"/>
+            <a:ext cx="2043300" cy="1515000"/>
           </a:xfrm>
           <a:prstGeom prst="rect">
             <a:avLst/>
@@ -13077,32 +13544,26 @@
           </a:bodyPr>
           <a:lstStyle/>
           <a:p>
-            <a:pPr indent="-317500" lvl="0" marL="457200" rtl="0" algn="l">
-              <a:spcBef>
-                <a:spcPts val="0"/>
-              </a:spcBef>
-              <a:spcAft>
-                <a:spcPts val="0"/>
-              </a:spcAft>
-              <a:buSzPts val="1400"/>
+            <a:pPr indent="-342900" lvl="0" marL="457200" rtl="0" algn="l">
+              <a:spcBef>
+                <a:spcPts val="0"/>
+              </a:spcBef>
+              <a:spcAft>
+                <a:spcPts val="0"/>
+              </a:spcAft>
+              <a:buClr>
+                <a:schemeClr val="dk2"/>
+              </a:buClr>
+              <a:buSzPts val="1800"/>
               <a:buChar char="●"/>
             </a:pPr>
             <a:r>
-              <a:rPr lang="en" sz="1800" u="sng">
-                <a:solidFill>
-                  <a:schemeClr val="hlink"/>
-                </a:solidFill>
-                <a:hlinkClick r:id="rId3"/>
-              </a:rPr>
-              <a:t>One study</a:t>
-            </a:r>
-            <a:r>
               <a:rPr lang="en" sz="1800">
                 <a:solidFill>
                   <a:schemeClr val="dk2"/>
                 </a:solidFill>
               </a:rPr>
-              <a:t> found improvements by only using images &gt; 128x128 pixels </a:t>
+              <a:t>Now only 2.96% photos are &lt; 2KB</a:t>
             </a:r>
             <a:endParaRPr sz="1800">
               <a:solidFill>
@@ -13111,15 +13572,18 @@
             </a:endParaRPr>
           </a:p>
           <a:p>
-            <a:pPr indent="-317500" lvl="1" marL="914400" rtl="0" algn="l">
-              <a:spcBef>
-                <a:spcPts val="0"/>
-              </a:spcBef>
-              <a:spcAft>
-                <a:spcPts val="0"/>
-              </a:spcAft>
-              <a:buSzPts val="1400"/>
-              <a:buChar char="○"/>
+            <a:pPr indent="-342900" lvl="0" marL="457200" rtl="0" algn="l">
+              <a:spcBef>
+                <a:spcPts val="0"/>
+              </a:spcBef>
+              <a:spcAft>
+                <a:spcPts val="0"/>
+              </a:spcAft>
+              <a:buClr>
+                <a:schemeClr val="dk2"/>
+              </a:buClr>
+              <a:buSzPts val="1800"/>
+              <a:buChar char="●"/>
             </a:pPr>
             <a:r>
               <a:rPr lang="en" sz="1800">
@@ -13127,38 +13591,23 @@
                   <a:schemeClr val="dk2"/>
                 </a:solidFill>
               </a:rPr>
-              <a:t>Both this study and our CMIL study use 40x zoom </a:t>
-            </a:r>
-            <a:r>
-              <a:rPr lang="en" sz="600">
+              <a:t>No </a:t>
+            </a:r>
+            <a:r>
+              <a:rPr lang="en" sz="1800">
                 <a:solidFill>
                   <a:schemeClr val="dk2"/>
                 </a:solidFill>
               </a:rPr>
-              <a:t>(https://lup.lub.lu.se/student-papers/search/publication/8956950)</a:t>
-            </a:r>
-            <a:endParaRPr sz="100">
-              <a:solidFill>
-                <a:schemeClr val="dk2"/>
-              </a:solidFill>
-              <a:latin typeface="Roboto"/>
-              <a:ea typeface="Roboto"/>
-              <a:cs typeface="Roboto"/>
-              <a:sym typeface="Roboto"/>
-            </a:endParaRPr>
-          </a:p>
-          <a:p>
-            <a:pPr indent="0" lvl="0" marL="0" rtl="0" algn="l">
-              <a:spcBef>
-                <a:spcPts val="0"/>
-              </a:spcBef>
-              <a:spcAft>
-                <a:spcPts val="0"/>
-              </a:spcAft>
-              <a:buNone/>
-            </a:pPr>
-            <a:r>
-              <a:t/>
+              <a:t>clear</a:t>
+            </a:r>
+            <a:r>
+              <a:rPr lang="en" sz="1800">
+                <a:solidFill>
+                  <a:schemeClr val="dk2"/>
+                </a:solidFill>
+              </a:rPr>
+              <a:t> division point</a:t>
             </a:r>
             <a:endParaRPr sz="1800">
               <a:solidFill>
@@ -13166,16 +13615,82 @@
               </a:solidFill>
             </a:endParaRPr>
           </a:p>
+          <a:p>
+            <a:pPr indent="-342900" lvl="0" marL="457200" rtl="0" algn="l">
+              <a:spcBef>
+                <a:spcPts val="0"/>
+              </a:spcBef>
+              <a:spcAft>
+                <a:spcPts val="0"/>
+              </a:spcAft>
+              <a:buClr>
+                <a:schemeClr val="dk2"/>
+              </a:buClr>
+              <a:buSzPts val="1800"/>
+              <a:buChar char="●"/>
+            </a:pPr>
+            <a:r>
+              <a:rPr lang="en" sz="1800">
+                <a:solidFill>
+                  <a:schemeClr val="dk2"/>
+                </a:solidFill>
+              </a:rPr>
+              <a:t>Trade-off between data quality and quantity </a:t>
+            </a:r>
+            <a:endParaRPr sz="1800">
+              <a:solidFill>
+                <a:schemeClr val="dk2"/>
+              </a:solidFill>
+            </a:endParaRPr>
+          </a:p>
+          <a:p>
+            <a:pPr indent="0" lvl="0" marL="0" rtl="0" algn="l">
+              <a:spcBef>
+                <a:spcPts val="0"/>
+              </a:spcBef>
+              <a:spcAft>
+                <a:spcPts val="0"/>
+              </a:spcAft>
+              <a:buNone/>
+            </a:pPr>
+            <a:r>
+              <a:t/>
+            </a:r>
+            <a:endParaRPr sz="1800">
+              <a:solidFill>
+                <a:schemeClr val="dk2"/>
+              </a:solidFill>
+            </a:endParaRPr>
+          </a:p>
+          <a:p>
+            <a:pPr indent="0" lvl="0" marL="0" rtl="0" algn="l">
+              <a:spcBef>
+                <a:spcPts val="0"/>
+              </a:spcBef>
+              <a:spcAft>
+                <a:spcPts val="0"/>
+              </a:spcAft>
+              <a:buNone/>
+            </a:pPr>
+            <a:r>
+              <a:t/>
+            </a:r>
+            <a:endParaRPr sz="1800">
+              <a:solidFill>
+                <a:schemeClr val="dk2"/>
+              </a:solidFill>
+            </a:endParaRPr>
+          </a:p>
         </p:txBody>
       </p:sp>
       <p:pic>
         <p:nvPicPr>
-          <p:cNvPr id="117" name="Google Shape;117;p18" title="Screen Shot 2025-04-17 at 3.59.58 PM.png"/>
+          <p:cNvPr id="118" name="Google Shape;118;p18" title="Screen Shot 2025-04-21 at 3.41.50 PM.png"/>
           <p:cNvPicPr preferRelativeResize="0"/>
           <p:nvPr/>
         </p:nvPicPr>
         <p:blipFill>
-          <a:blip r:embed="rId4">
+          <a:blip r:embed="rId3">
             <a:alphaModFix/>
           </a:blip>
           <a:stretch>
@@ -13184,8 +13699,8 @@
         </p:blipFill>
         <p:spPr>
           <a:xfrm>
-            <a:off x="2618525" y="964101"/>
-            <a:ext cx="1664250" cy="1776700"/>
+            <a:off x="2143425" y="650087"/>
+            <a:ext cx="7000576" cy="4175475"/>
           </a:xfrm>
           <a:prstGeom prst="rect">
             <a:avLst/>
@@ -13196,214 +13711,32 @@
           </a:ln>
         </p:spPr>
       </p:pic>
-      <p:sp>
-        <p:nvSpPr>
-          <p:cNvPr id="118" name="Google Shape;118;p18"/>
-          <p:cNvSpPr txBox="1"/>
+      <p:cxnSp>
+        <p:nvCxnSpPr>
+          <p:cNvPr id="119" name="Google Shape;119;p18"/>
+          <p:cNvCxnSpPr/>
           <p:nvPr/>
-        </p:nvSpPr>
+        </p:nvCxnSpPr>
         <p:spPr>
-          <a:xfrm>
-            <a:off x="2779575" y="2634475"/>
-            <a:ext cx="2001900" cy="820200"/>
+          <a:xfrm rot="10800000">
+            <a:off x="3070863" y="753325"/>
+            <a:ext cx="0" cy="3969000"/>
           </a:xfrm>
-          <a:prstGeom prst="rect">
+          <a:prstGeom prst="straightConnector1">
             <a:avLst/>
           </a:prstGeom>
           <a:noFill/>
-          <a:ln>
-            <a:noFill/>
+          <a:ln cap="flat" cmpd="sng" w="9525">
+            <a:solidFill>
+              <a:srgbClr val="FF0000"/>
+            </a:solidFill>
+            <a:prstDash val="solid"/>
+            <a:round/>
+            <a:headEnd len="med" w="med" type="none"/>
+            <a:tailEnd len="med" w="med" type="none"/>
           </a:ln>
         </p:spPr>
-        <p:txBody>
-          <a:bodyPr anchorCtr="0" anchor="t" bIns="91425" lIns="91425" spcFirstLastPara="1" rIns="91425" wrap="square" tIns="91425">
-            <a:noAutofit/>
-          </a:bodyPr>
-          <a:lstStyle/>
-          <a:p>
-            <a:pPr indent="0" lvl="0" marL="0" rtl="0" algn="l">
-              <a:spcBef>
-                <a:spcPts val="0"/>
-              </a:spcBef>
-              <a:spcAft>
-                <a:spcPts val="0"/>
-              </a:spcAft>
-              <a:buNone/>
-            </a:pPr>
-            <a:r>
-              <a:rPr lang="en" sz="1800">
-                <a:solidFill>
-                  <a:schemeClr val="dk2"/>
-                </a:solidFill>
-              </a:rPr>
-              <a:t>125x126 pixels</a:t>
-            </a:r>
-            <a:endParaRPr sz="1800">
-              <a:solidFill>
-                <a:schemeClr val="dk2"/>
-              </a:solidFill>
-            </a:endParaRPr>
-          </a:p>
-          <a:p>
-            <a:pPr indent="0" lvl="0" marL="0" rtl="0" algn="l">
-              <a:spcBef>
-                <a:spcPts val="0"/>
-              </a:spcBef>
-              <a:spcAft>
-                <a:spcPts val="0"/>
-              </a:spcAft>
-              <a:buNone/>
-            </a:pPr>
-            <a:r>
-              <a:rPr lang="en" sz="1800">
-                <a:solidFill>
-                  <a:schemeClr val="dk2"/>
-                </a:solidFill>
-              </a:rPr>
-              <a:t>≅30KB</a:t>
-            </a:r>
-            <a:endParaRPr sz="1800">
-              <a:solidFill>
-                <a:schemeClr val="dk2"/>
-              </a:solidFill>
-            </a:endParaRPr>
-          </a:p>
-        </p:txBody>
-      </p:sp>
-      <p:sp>
-        <p:nvSpPr>
-          <p:cNvPr id="119" name="Google Shape;119;p18"/>
-          <p:cNvSpPr txBox="1"/>
-          <p:nvPr/>
-        </p:nvSpPr>
-        <p:spPr>
-          <a:xfrm>
-            <a:off x="4969275" y="951725"/>
-            <a:ext cx="3519000" cy="3413100"/>
-          </a:xfrm>
-          <a:prstGeom prst="rect">
-            <a:avLst/>
-          </a:prstGeom>
-          <a:noFill/>
-          <a:ln>
-            <a:noFill/>
-          </a:ln>
-        </p:spPr>
-        <p:txBody>
-          <a:bodyPr anchorCtr="0" anchor="t" bIns="91425" lIns="91425" spcFirstLastPara="1" rIns="91425" wrap="square" tIns="91425">
-            <a:noAutofit/>
-          </a:bodyPr>
-          <a:lstStyle/>
-          <a:p>
-            <a:pPr indent="0" lvl="0" marL="0" rtl="0" algn="l">
-              <a:spcBef>
-                <a:spcPts val="0"/>
-              </a:spcBef>
-              <a:spcAft>
-                <a:spcPts val="0"/>
-              </a:spcAft>
-              <a:buNone/>
-            </a:pPr>
-            <a:r>
-              <a:rPr lang="en" sz="1800">
-                <a:solidFill>
-                  <a:schemeClr val="dk2"/>
-                </a:solidFill>
-              </a:rPr>
-              <a:t>How much more data would we lose relative to 2KB threshold?</a:t>
-            </a:r>
-            <a:endParaRPr sz="1800">
-              <a:solidFill>
-                <a:schemeClr val="dk2"/>
-              </a:solidFill>
-            </a:endParaRPr>
-          </a:p>
-          <a:p>
-            <a:pPr indent="-342900" lvl="0" marL="457200" rtl="0" algn="l">
-              <a:spcBef>
-                <a:spcPts val="0"/>
-              </a:spcBef>
-              <a:spcAft>
-                <a:spcPts val="0"/>
-              </a:spcAft>
-              <a:buClr>
-                <a:schemeClr val="dk2"/>
-              </a:buClr>
-              <a:buSzPts val="1800"/>
-              <a:buChar char="-"/>
-            </a:pPr>
-            <a:r>
-              <a:rPr lang="en" sz="1800">
-                <a:solidFill>
-                  <a:schemeClr val="dk2"/>
-                </a:solidFill>
-              </a:rPr>
-              <a:t>20.9% of images greater than 2KB are less than 30KB </a:t>
-            </a:r>
-            <a:endParaRPr sz="1800">
-              <a:solidFill>
-                <a:schemeClr val="dk2"/>
-              </a:solidFill>
-            </a:endParaRPr>
-          </a:p>
-          <a:p>
-            <a:pPr indent="-342900" lvl="0" marL="457200" rtl="0" algn="l">
-              <a:spcBef>
-                <a:spcPts val="0"/>
-              </a:spcBef>
-              <a:spcAft>
-                <a:spcPts val="0"/>
-              </a:spcAft>
-              <a:buClr>
-                <a:schemeClr val="dk2"/>
-              </a:buClr>
-              <a:buSzPts val="1800"/>
-              <a:buChar char="-"/>
-            </a:pPr>
-            <a:r>
-              <a:rPr lang="en" sz="1800">
-                <a:solidFill>
-                  <a:schemeClr val="dk2"/>
-                </a:solidFill>
-              </a:rPr>
-              <a:t>20.9% of images lost</a:t>
-            </a:r>
-            <a:endParaRPr sz="1800">
-              <a:solidFill>
-                <a:schemeClr val="dk2"/>
-              </a:solidFill>
-            </a:endParaRPr>
-          </a:p>
-          <a:p>
-            <a:pPr indent="-342900" lvl="1" marL="914400" rtl="0" algn="l">
-              <a:spcBef>
-                <a:spcPts val="0"/>
-              </a:spcBef>
-              <a:spcAft>
-                <a:spcPts val="0"/>
-              </a:spcAft>
-              <a:buClr>
-                <a:schemeClr val="dk2"/>
-              </a:buClr>
-              <a:buSzPts val="1800"/>
-              <a:buChar char="-"/>
-            </a:pPr>
-            <a:r>
-              <a:rPr b="1" lang="en" sz="1800">
-                <a:solidFill>
-                  <a:schemeClr val="dk2"/>
-                </a:solidFill>
-              </a:rPr>
-              <a:t>Weighing image quality and quantity</a:t>
-            </a:r>
-            <a:endParaRPr b="1" sz="1800">
-              <a:solidFill>
-                <a:schemeClr val="dk2"/>
-              </a:solidFill>
-            </a:endParaRPr>
-          </a:p>
-        </p:txBody>
-      </p:sp>
+      </p:cxnSp>
     </p:spTree>
   </p:cSld>
   <p:clrMapOvr>
@@ -13421,6 +13754,9 @@
                     <p:cTn fill="hold">
                       <p:stCondLst>
                         <p:cond delay="indefinite"/>
+                        <p:cond evt="onBegin" delay="0">
+                          <p:tn val="2"/>
+                        </p:cond>
                       </p:stCondLst>
                       <p:childTnLst>
                         <p:par>
@@ -13430,7 +13766,7 @@
                             </p:stCondLst>
                             <p:childTnLst>
                               <p:par>
-                                <p:cTn fill="hold" nodeType="clickEffect" presetClass="entr" presetID="1" presetSubtype="0">
+                                <p:cTn fill="hold" nodeType="withEffect" presetClass="entr" presetID="1" presetSubtype="0">
                                   <p:stCondLst>
                                     <p:cond delay="0"/>
                                   </p:stCondLst>
@@ -13443,7 +13779,7 @@
                                           </p:stCondLst>
                                         </p:cTn>
                                         <p:tgtEl>
-                                          <p:spTgt spid="116"/>
+                                          <p:spTgt spid="119"/>
                                         </p:tgtEl>
                                         <p:attrNameLst>
                                           <p:attrName>style.visibility</p:attrName>
@@ -13470,79 +13806,7 @@
                                           </p:stCondLst>
                                         </p:cTn>
                                         <p:tgtEl>
-                                          <p:spTgt spid="117"/>
-                                        </p:tgtEl>
-                                        <p:attrNameLst>
-                                          <p:attrName>style.visibility</p:attrName>
-                                        </p:attrNameLst>
-                                      </p:cBhvr>
-                                      <p:to>
-                                        <p:strVal val="visible"/>
-                                      </p:to>
-                                    </p:set>
-                                  </p:childTnLst>
-                                </p:cTn>
-                              </p:par>
-                              <p:par>
-                                <p:cTn fill="hold" nodeType="withEffect" presetClass="entr" presetID="1" presetSubtype="0">
-                                  <p:stCondLst>
-                                    <p:cond delay="0"/>
-                                  </p:stCondLst>
-                                  <p:childTnLst>
-                                    <p:set>
-                                      <p:cBhvr>
-                                        <p:cTn dur="1" fill="hold">
-                                          <p:stCondLst>
-                                            <p:cond delay="0"/>
-                                          </p:stCondLst>
-                                        </p:cTn>
-                                        <p:tgtEl>
-                                          <p:spTgt spid="118"/>
-                                        </p:tgtEl>
-                                        <p:attrNameLst>
-                                          <p:attrName>style.visibility</p:attrName>
-                                        </p:attrNameLst>
-                                      </p:cBhvr>
-                                      <p:to>
-                                        <p:strVal val="visible"/>
-                                      </p:to>
-                                    </p:set>
-                                  </p:childTnLst>
-                                </p:cTn>
-                              </p:par>
-                            </p:childTnLst>
-                          </p:cTn>
-                        </p:par>
-                      </p:childTnLst>
-                    </p:cTn>
-                  </p:par>
-                  <p:par>
-                    <p:cTn fill="hold">
-                      <p:stCondLst>
-                        <p:cond delay="indefinite"/>
-                      </p:stCondLst>
-                      <p:childTnLst>
-                        <p:par>
-                          <p:cTn fill="hold">
-                            <p:stCondLst>
-                              <p:cond delay="0"/>
-                            </p:stCondLst>
-                            <p:childTnLst>
-                              <p:par>
-                                <p:cTn fill="hold" nodeType="clickEffect" presetClass="entr" presetID="1" presetSubtype="0">
-                                  <p:stCondLst>
-                                    <p:cond delay="0"/>
-                                  </p:stCondLst>
-                                  <p:childTnLst>
-                                    <p:set>
-                                      <p:cBhvr>
-                                        <p:cTn dur="1" fill="hold">
-                                          <p:stCondLst>
-                                            <p:cond delay="0"/>
-                                          </p:stCondLst>
-                                        </p:cTn>
-                                        <p:tgtEl>
-                                          <p:spTgt spid="119"/>
+                                          <p:spTgt spid="116"/>
                                         </p:tgtEl>
                                         <p:attrNameLst>
                                           <p:attrName>style.visibility</p:attrName>
@@ -13607,6 +13871,631 @@
         <p:nvSpPr>
           <p:cNvPr id="124" name="Google Shape;124;p19"/>
           <p:cNvSpPr txBox="1"/>
+          <p:nvPr/>
+        </p:nvSpPr>
+        <p:spPr>
+          <a:xfrm>
+            <a:off x="171500" y="210875"/>
+            <a:ext cx="6358800" cy="820200"/>
+          </a:xfrm>
+          <a:prstGeom prst="rect">
+            <a:avLst/>
+          </a:prstGeom>
+          <a:noFill/>
+          <a:ln>
+            <a:noFill/>
+          </a:ln>
+        </p:spPr>
+        <p:txBody>
+          <a:bodyPr anchorCtr="0" anchor="t" bIns="91425" lIns="91425" spcFirstLastPara="1" rIns="91425" wrap="square" tIns="91425">
+            <a:noAutofit/>
+          </a:bodyPr>
+          <a:lstStyle/>
+          <a:p>
+            <a:pPr indent="0" lvl="0" marL="0" rtl="0" algn="l">
+              <a:spcBef>
+                <a:spcPts val="0"/>
+              </a:spcBef>
+              <a:spcAft>
+                <a:spcPts val="0"/>
+              </a:spcAft>
+              <a:buClr>
+                <a:schemeClr val="dk1"/>
+              </a:buClr>
+              <a:buSzPts val="1100"/>
+              <a:buFont typeface="Arial"/>
+              <a:buNone/>
+            </a:pPr>
+            <a:r>
+              <a:rPr lang="en" sz="2800">
+                <a:solidFill>
+                  <a:schemeClr val="dk1"/>
+                </a:solidFill>
+              </a:rPr>
+              <a:t>30KB: A far more restrictive threshold?</a:t>
+            </a:r>
+            <a:endParaRPr sz="2800">
+              <a:solidFill>
+                <a:schemeClr val="dk1"/>
+              </a:solidFill>
+            </a:endParaRPr>
+          </a:p>
+          <a:p>
+            <a:pPr indent="0" lvl="0" marL="0" rtl="0" algn="l">
+              <a:spcBef>
+                <a:spcPts val="0"/>
+              </a:spcBef>
+              <a:spcAft>
+                <a:spcPts val="0"/>
+              </a:spcAft>
+              <a:buNone/>
+            </a:pPr>
+            <a:r>
+              <a:t/>
+            </a:r>
+            <a:endParaRPr sz="1800">
+              <a:solidFill>
+                <a:schemeClr val="dk2"/>
+              </a:solidFill>
+            </a:endParaRPr>
+          </a:p>
+        </p:txBody>
+      </p:sp>
+      <p:sp>
+        <p:nvSpPr>
+          <p:cNvPr id="125" name="Google Shape;125;p19"/>
+          <p:cNvSpPr txBox="1"/>
+          <p:nvPr/>
+        </p:nvSpPr>
+        <p:spPr>
+          <a:xfrm>
+            <a:off x="242025" y="904850"/>
+            <a:ext cx="2213700" cy="2610600"/>
+          </a:xfrm>
+          <a:prstGeom prst="rect">
+            <a:avLst/>
+          </a:prstGeom>
+          <a:noFill/>
+          <a:ln>
+            <a:noFill/>
+          </a:ln>
+        </p:spPr>
+        <p:txBody>
+          <a:bodyPr anchorCtr="0" anchor="t" bIns="91425" lIns="91425" spcFirstLastPara="1" rIns="91425" wrap="square" tIns="91425">
+            <a:noAutofit/>
+          </a:bodyPr>
+          <a:lstStyle/>
+          <a:p>
+            <a:pPr indent="-317500" lvl="0" marL="457200" rtl="0" algn="l">
+              <a:spcBef>
+                <a:spcPts val="0"/>
+              </a:spcBef>
+              <a:spcAft>
+                <a:spcPts val="0"/>
+              </a:spcAft>
+              <a:buSzPts val="1400"/>
+              <a:buChar char="●"/>
+            </a:pPr>
+            <a:r>
+              <a:rPr lang="en" sz="1800" u="sng">
+                <a:solidFill>
+                  <a:schemeClr val="hlink"/>
+                </a:solidFill>
+                <a:hlinkClick r:id="rId3"/>
+              </a:rPr>
+              <a:t>One study</a:t>
+            </a:r>
+            <a:r>
+              <a:rPr lang="en" sz="1800">
+                <a:solidFill>
+                  <a:schemeClr val="dk2"/>
+                </a:solidFill>
+              </a:rPr>
+              <a:t> found improvements by only using images &gt; 128x128 pixels </a:t>
+            </a:r>
+            <a:endParaRPr sz="1800">
+              <a:solidFill>
+                <a:schemeClr val="dk2"/>
+              </a:solidFill>
+            </a:endParaRPr>
+          </a:p>
+          <a:p>
+            <a:pPr indent="-317500" lvl="1" marL="914400" rtl="0" algn="l">
+              <a:spcBef>
+                <a:spcPts val="0"/>
+              </a:spcBef>
+              <a:spcAft>
+                <a:spcPts val="0"/>
+              </a:spcAft>
+              <a:buSzPts val="1400"/>
+              <a:buChar char="○"/>
+            </a:pPr>
+            <a:r>
+              <a:rPr lang="en" sz="1800">
+                <a:solidFill>
+                  <a:schemeClr val="dk2"/>
+                </a:solidFill>
+              </a:rPr>
+              <a:t>Both this study and our CMIL study use 40x zoom </a:t>
+            </a:r>
+            <a:r>
+              <a:rPr lang="en" sz="600">
+                <a:solidFill>
+                  <a:schemeClr val="dk2"/>
+                </a:solidFill>
+              </a:rPr>
+              <a:t>(https://lup.lub.lu.se/student-papers/search/publication/8956950)</a:t>
+            </a:r>
+            <a:endParaRPr sz="100">
+              <a:solidFill>
+                <a:schemeClr val="dk2"/>
+              </a:solidFill>
+              <a:latin typeface="Roboto"/>
+              <a:ea typeface="Roboto"/>
+              <a:cs typeface="Roboto"/>
+              <a:sym typeface="Roboto"/>
+            </a:endParaRPr>
+          </a:p>
+          <a:p>
+            <a:pPr indent="0" lvl="0" marL="0" rtl="0" algn="l">
+              <a:spcBef>
+                <a:spcPts val="0"/>
+              </a:spcBef>
+              <a:spcAft>
+                <a:spcPts val="0"/>
+              </a:spcAft>
+              <a:buNone/>
+            </a:pPr>
+            <a:r>
+              <a:t/>
+            </a:r>
+            <a:endParaRPr sz="1800">
+              <a:solidFill>
+                <a:schemeClr val="dk2"/>
+              </a:solidFill>
+            </a:endParaRPr>
+          </a:p>
+        </p:txBody>
+      </p:sp>
+      <p:pic>
+        <p:nvPicPr>
+          <p:cNvPr id="126" name="Google Shape;126;p19" title="Screen Shot 2025-04-17 at 3.59.58 PM.png"/>
+          <p:cNvPicPr preferRelativeResize="0"/>
+          <p:nvPr/>
+        </p:nvPicPr>
+        <p:blipFill>
+          <a:blip r:embed="rId4">
+            <a:alphaModFix/>
+          </a:blip>
+          <a:stretch>
+            <a:fillRect/>
+          </a:stretch>
+        </p:blipFill>
+        <p:spPr>
+          <a:xfrm>
+            <a:off x="2618525" y="964101"/>
+            <a:ext cx="1664250" cy="1776700"/>
+          </a:xfrm>
+          <a:prstGeom prst="rect">
+            <a:avLst/>
+          </a:prstGeom>
+          <a:noFill/>
+          <a:ln>
+            <a:noFill/>
+          </a:ln>
+        </p:spPr>
+      </p:pic>
+      <p:sp>
+        <p:nvSpPr>
+          <p:cNvPr id="127" name="Google Shape;127;p19"/>
+          <p:cNvSpPr txBox="1"/>
+          <p:nvPr/>
+        </p:nvSpPr>
+        <p:spPr>
+          <a:xfrm>
+            <a:off x="2779575" y="2634475"/>
+            <a:ext cx="2001900" cy="820200"/>
+          </a:xfrm>
+          <a:prstGeom prst="rect">
+            <a:avLst/>
+          </a:prstGeom>
+          <a:noFill/>
+          <a:ln>
+            <a:noFill/>
+          </a:ln>
+        </p:spPr>
+        <p:txBody>
+          <a:bodyPr anchorCtr="0" anchor="t" bIns="91425" lIns="91425" spcFirstLastPara="1" rIns="91425" wrap="square" tIns="91425">
+            <a:noAutofit/>
+          </a:bodyPr>
+          <a:lstStyle/>
+          <a:p>
+            <a:pPr indent="0" lvl="0" marL="0" rtl="0" algn="l">
+              <a:spcBef>
+                <a:spcPts val="0"/>
+              </a:spcBef>
+              <a:spcAft>
+                <a:spcPts val="0"/>
+              </a:spcAft>
+              <a:buNone/>
+            </a:pPr>
+            <a:r>
+              <a:rPr lang="en" sz="1800">
+                <a:solidFill>
+                  <a:schemeClr val="dk2"/>
+                </a:solidFill>
+              </a:rPr>
+              <a:t>125x126 pixels</a:t>
+            </a:r>
+            <a:endParaRPr sz="1800">
+              <a:solidFill>
+                <a:schemeClr val="dk2"/>
+              </a:solidFill>
+            </a:endParaRPr>
+          </a:p>
+          <a:p>
+            <a:pPr indent="0" lvl="0" marL="0" rtl="0" algn="l">
+              <a:spcBef>
+                <a:spcPts val="0"/>
+              </a:spcBef>
+              <a:spcAft>
+                <a:spcPts val="0"/>
+              </a:spcAft>
+              <a:buNone/>
+            </a:pPr>
+            <a:r>
+              <a:rPr lang="en" sz="1800">
+                <a:solidFill>
+                  <a:schemeClr val="dk2"/>
+                </a:solidFill>
+              </a:rPr>
+              <a:t>≅30KB</a:t>
+            </a:r>
+            <a:endParaRPr sz="1800">
+              <a:solidFill>
+                <a:schemeClr val="dk2"/>
+              </a:solidFill>
+            </a:endParaRPr>
+          </a:p>
+        </p:txBody>
+      </p:sp>
+      <p:sp>
+        <p:nvSpPr>
+          <p:cNvPr id="128" name="Google Shape;128;p19"/>
+          <p:cNvSpPr txBox="1"/>
+          <p:nvPr/>
+        </p:nvSpPr>
+        <p:spPr>
+          <a:xfrm>
+            <a:off x="4969275" y="951725"/>
+            <a:ext cx="3864600" cy="3413100"/>
+          </a:xfrm>
+          <a:prstGeom prst="rect">
+            <a:avLst/>
+          </a:prstGeom>
+          <a:noFill/>
+          <a:ln>
+            <a:noFill/>
+          </a:ln>
+        </p:spPr>
+        <p:txBody>
+          <a:bodyPr anchorCtr="0" anchor="t" bIns="91425" lIns="91425" spcFirstLastPara="1" rIns="91425" wrap="square" tIns="91425">
+            <a:noAutofit/>
+          </a:bodyPr>
+          <a:lstStyle/>
+          <a:p>
+            <a:pPr indent="0" lvl="0" marL="0" rtl="0" algn="l">
+              <a:spcBef>
+                <a:spcPts val="0"/>
+              </a:spcBef>
+              <a:spcAft>
+                <a:spcPts val="0"/>
+              </a:spcAft>
+              <a:buNone/>
+            </a:pPr>
+            <a:r>
+              <a:rPr lang="en" sz="1800">
+                <a:solidFill>
+                  <a:schemeClr val="dk2"/>
+                </a:solidFill>
+              </a:rPr>
+              <a:t>How much data would we lose?</a:t>
+            </a:r>
+            <a:endParaRPr sz="1800">
+              <a:solidFill>
+                <a:schemeClr val="dk2"/>
+              </a:solidFill>
+            </a:endParaRPr>
+          </a:p>
+          <a:p>
+            <a:pPr indent="-342900" lvl="0" marL="457200" rtl="0" algn="l">
+              <a:spcBef>
+                <a:spcPts val="0"/>
+              </a:spcBef>
+              <a:spcAft>
+                <a:spcPts val="0"/>
+              </a:spcAft>
+              <a:buClr>
+                <a:schemeClr val="dk2"/>
+              </a:buClr>
+              <a:buSzPts val="1800"/>
+              <a:buChar char="-"/>
+            </a:pPr>
+            <a:r>
+              <a:rPr lang="en" sz="1800">
+                <a:solidFill>
+                  <a:schemeClr val="dk2"/>
+                </a:solidFill>
+              </a:rPr>
+              <a:t>32.89% of new patches are &lt; 30KB</a:t>
+            </a:r>
+            <a:endParaRPr sz="1800">
+              <a:solidFill>
+                <a:schemeClr val="dk2"/>
+              </a:solidFill>
+            </a:endParaRPr>
+          </a:p>
+          <a:p>
+            <a:pPr indent="-342900" lvl="0" marL="457200" rtl="0" algn="l">
+              <a:spcBef>
+                <a:spcPts val="0"/>
+              </a:spcBef>
+              <a:spcAft>
+                <a:spcPts val="0"/>
+              </a:spcAft>
+              <a:buClr>
+                <a:schemeClr val="dk2"/>
+              </a:buClr>
+              <a:buSzPts val="1800"/>
+              <a:buChar char="-"/>
+            </a:pPr>
+            <a:r>
+              <a:rPr b="1" lang="en" sz="1800">
+                <a:solidFill>
+                  <a:schemeClr val="dk2"/>
+                </a:solidFill>
+              </a:rPr>
+              <a:t>Weighing image quality and quantity</a:t>
+            </a:r>
+            <a:endParaRPr b="1" sz="1800">
+              <a:solidFill>
+                <a:schemeClr val="dk2"/>
+              </a:solidFill>
+            </a:endParaRPr>
+          </a:p>
+          <a:p>
+            <a:pPr indent="-342900" lvl="0" marL="457200" rtl="0" algn="l">
+              <a:spcBef>
+                <a:spcPts val="0"/>
+              </a:spcBef>
+              <a:spcAft>
+                <a:spcPts val="0"/>
+              </a:spcAft>
+              <a:buClr>
+                <a:schemeClr val="dk2"/>
+              </a:buClr>
+              <a:buSzPts val="1800"/>
+              <a:buChar char="-"/>
+            </a:pPr>
+            <a:r>
+              <a:rPr b="1" lang="en" sz="1800">
+                <a:solidFill>
+                  <a:schemeClr val="dk2"/>
+                </a:solidFill>
+              </a:rPr>
+              <a:t>What is the smallest image size that we need to classify?</a:t>
+            </a:r>
+            <a:endParaRPr b="1" sz="1800">
+              <a:solidFill>
+                <a:schemeClr val="dk2"/>
+              </a:solidFill>
+            </a:endParaRPr>
+          </a:p>
+        </p:txBody>
+      </p:sp>
+    </p:spTree>
+  </p:cSld>
+  <p:clrMapOvr>
+    <a:masterClrMapping/>
+  </p:clrMapOvr>
+  <p:timing>
+    <p:tnLst>
+      <p:par>
+        <p:cTn dur="indefinite" nodeType="tmRoot" restart="never">
+          <p:childTnLst>
+            <p:seq concurrent="1" nextAc="seek">
+              <p:cTn dur="indefinite" id="2" nodeType="mainSeq">
+                <p:childTnLst>
+                  <p:par>
+                    <p:cTn fill="hold">
+                      <p:stCondLst>
+                        <p:cond delay="indefinite"/>
+                      </p:stCondLst>
+                      <p:childTnLst>
+                        <p:par>
+                          <p:cTn fill="hold">
+                            <p:stCondLst>
+                              <p:cond delay="0"/>
+                            </p:stCondLst>
+                            <p:childTnLst>
+                              <p:par>
+                                <p:cTn fill="hold" nodeType="clickEffect" presetClass="entr" presetID="1" presetSubtype="0">
+                                  <p:stCondLst>
+                                    <p:cond delay="0"/>
+                                  </p:stCondLst>
+                                  <p:childTnLst>
+                                    <p:set>
+                                      <p:cBhvr>
+                                        <p:cTn dur="1" fill="hold">
+                                          <p:stCondLst>
+                                            <p:cond delay="0"/>
+                                          </p:stCondLst>
+                                        </p:cTn>
+                                        <p:tgtEl>
+                                          <p:spTgt spid="125"/>
+                                        </p:tgtEl>
+                                        <p:attrNameLst>
+                                          <p:attrName>style.visibility</p:attrName>
+                                        </p:attrNameLst>
+                                      </p:cBhvr>
+                                      <p:to>
+                                        <p:strVal val="visible"/>
+                                      </p:to>
+                                    </p:set>
+                                  </p:childTnLst>
+                                </p:cTn>
+                              </p:par>
+                              <p:par>
+                                <p:cTn fill="hold" nodeType="withEffect" presetClass="entr" presetID="1" presetSubtype="0">
+                                  <p:stCondLst>
+                                    <p:cond delay="0"/>
+                                  </p:stCondLst>
+                                  <p:childTnLst>
+                                    <p:set>
+                                      <p:cBhvr>
+                                        <p:cTn dur="1" fill="hold">
+                                          <p:stCondLst>
+                                            <p:cond delay="0"/>
+                                          </p:stCondLst>
+                                        </p:cTn>
+                                        <p:tgtEl>
+                                          <p:spTgt spid="126"/>
+                                        </p:tgtEl>
+                                        <p:attrNameLst>
+                                          <p:attrName>style.visibility</p:attrName>
+                                        </p:attrNameLst>
+                                      </p:cBhvr>
+                                      <p:to>
+                                        <p:strVal val="visible"/>
+                                      </p:to>
+                                    </p:set>
+                                  </p:childTnLst>
+                                </p:cTn>
+                              </p:par>
+                              <p:par>
+                                <p:cTn fill="hold" nodeType="withEffect" presetClass="entr" presetID="1" presetSubtype="0">
+                                  <p:stCondLst>
+                                    <p:cond delay="0"/>
+                                  </p:stCondLst>
+                                  <p:childTnLst>
+                                    <p:set>
+                                      <p:cBhvr>
+                                        <p:cTn dur="1" fill="hold">
+                                          <p:stCondLst>
+                                            <p:cond delay="0"/>
+                                          </p:stCondLst>
+                                        </p:cTn>
+                                        <p:tgtEl>
+                                          <p:spTgt spid="127"/>
+                                        </p:tgtEl>
+                                        <p:attrNameLst>
+                                          <p:attrName>style.visibility</p:attrName>
+                                        </p:attrNameLst>
+                                      </p:cBhvr>
+                                      <p:to>
+                                        <p:strVal val="visible"/>
+                                      </p:to>
+                                    </p:set>
+                                  </p:childTnLst>
+                                </p:cTn>
+                              </p:par>
+                            </p:childTnLst>
+                          </p:cTn>
+                        </p:par>
+                      </p:childTnLst>
+                    </p:cTn>
+                  </p:par>
+                  <p:par>
+                    <p:cTn fill="hold">
+                      <p:stCondLst>
+                        <p:cond delay="indefinite"/>
+                      </p:stCondLst>
+                      <p:childTnLst>
+                        <p:par>
+                          <p:cTn fill="hold">
+                            <p:stCondLst>
+                              <p:cond delay="0"/>
+                            </p:stCondLst>
+                            <p:childTnLst>
+                              <p:par>
+                                <p:cTn fill="hold" nodeType="clickEffect" presetClass="entr" presetID="1" presetSubtype="0">
+                                  <p:stCondLst>
+                                    <p:cond delay="0"/>
+                                  </p:stCondLst>
+                                  <p:childTnLst>
+                                    <p:set>
+                                      <p:cBhvr>
+                                        <p:cTn dur="1" fill="hold">
+                                          <p:stCondLst>
+                                            <p:cond delay="0"/>
+                                          </p:stCondLst>
+                                        </p:cTn>
+                                        <p:tgtEl>
+                                          <p:spTgt spid="128"/>
+                                        </p:tgtEl>
+                                        <p:attrNameLst>
+                                          <p:attrName>style.visibility</p:attrName>
+                                        </p:attrNameLst>
+                                      </p:cBhvr>
+                                      <p:to>
+                                        <p:strVal val="visible"/>
+                                      </p:to>
+                                    </p:set>
+                                  </p:childTnLst>
+                                </p:cTn>
+                              </p:par>
+                            </p:childTnLst>
+                          </p:cTn>
+                        </p:par>
+                      </p:childTnLst>
+                    </p:cTn>
+                  </p:par>
+                </p:childTnLst>
+              </p:cTn>
+              <p:prevCondLst>
+                <p:cond evt="onPrev">
+                  <p:tgtEl>
+                    <p:sldTgt/>
+                  </p:tgtEl>
+                </p:cond>
+              </p:prevCondLst>
+              <p:nextCondLst>
+                <p:cond evt="onNext">
+                  <p:tgtEl>
+                    <p:sldTgt/>
+                  </p:tgtEl>
+                </p:cond>
+              </p:nextCondLst>
+            </p:seq>
+          </p:childTnLst>
+        </p:cTn>
+      </p:par>
+    </p:tnLst>
+  </p:timing>
+</p:sld>
+</file>
+
+<file path=ppt/slides/slide8.xml><?xml version="1.0" encoding="utf-8"?>
+<p:sld xmlns:a="http://schemas.openxmlformats.org/drawingml/2006/main" xmlns:r="http://schemas.openxmlformats.org/officeDocument/2006/relationships" xmlns:mc="http://schemas.openxmlformats.org/markup-compatibility/2006" xmlns:mv="urn:schemas-microsoft-com:mac:vml" xmlns:p="http://schemas.openxmlformats.org/presentationml/2006/main" xmlns:c="http://schemas.openxmlformats.org/drawingml/2006/chart" xmlns:dgm="http://schemas.openxmlformats.org/drawingml/2006/diagram" xmlns:o="urn:schemas-microsoft-com:office:office" xmlns:v="urn:schemas-microsoft-com:vml" xmlns:pvml="urn:schemas-microsoft-com:office:powerpoint" xmlns:com="http://schemas.openxmlformats.org/drawingml/2006/compatibility" xmlns:p14="http://schemas.microsoft.com/office/powerpoint/2010/main" xmlns:p15="http://schemas.microsoft.com/office/powerpoint/2012/main" xmlns:ahyp="http://schemas.microsoft.com/office/drawing/2018/hyperlinkcolor">
+  <p:cSld>
+    <p:spTree>
+      <p:nvGrpSpPr>
+        <p:cNvPr id="132" name="Shape 132"/>
+        <p:cNvGrpSpPr/>
+        <p:nvPr/>
+      </p:nvGrpSpPr>
+      <p:grpSpPr>
+        <a:xfrm>
+          <a:off x="0" y="0"/>
+          <a:ext cx="0" cy="0"/>
+          <a:chOff x="0" y="0"/>
+          <a:chExt cx="0" cy="0"/>
+        </a:xfrm>
+      </p:grpSpPr>
+      <p:sp>
+        <p:nvSpPr>
+          <p:cNvPr id="133" name="Google Shape;133;p20"/>
+          <p:cNvSpPr txBox="1"/>
           <p:nvPr>
             <p:ph type="ctrTitle"/>
           </p:nvPr>
@@ -13670,7 +14559,7 @@
       </p:sp>
       <p:sp>
         <p:nvSpPr>
-          <p:cNvPr id="125" name="Google Shape;125;p19"/>
+          <p:cNvPr id="134" name="Google Shape;134;p20"/>
           <p:cNvSpPr txBox="1"/>
           <p:nvPr/>
         </p:nvSpPr>
@@ -13755,12 +14644,12 @@
 </p:sld>
 </file>
 
-<file path=ppt/slides/slide8.xml><?xml version="1.0" encoding="utf-8"?>
+<file path=ppt/slides/slide9.xml><?xml version="1.0" encoding="utf-8"?>
 <p:sld xmlns:a="http://schemas.openxmlformats.org/drawingml/2006/main" xmlns:r="http://schemas.openxmlformats.org/officeDocument/2006/relationships" xmlns:mc="http://schemas.openxmlformats.org/markup-compatibility/2006" xmlns:mv="urn:schemas-microsoft-com:mac:vml" xmlns:p="http://schemas.openxmlformats.org/presentationml/2006/main" xmlns:c="http://schemas.openxmlformats.org/drawingml/2006/chart" xmlns:dgm="http://schemas.openxmlformats.org/drawingml/2006/diagram" xmlns:o="urn:schemas-microsoft-com:office:office" xmlns:v="urn:schemas-microsoft-com:vml" xmlns:pvml="urn:schemas-microsoft-com:office:powerpoint" xmlns:com="http://schemas.openxmlformats.org/drawingml/2006/compatibility" xmlns:p14="http://schemas.microsoft.com/office/powerpoint/2010/main" xmlns:p15="http://schemas.microsoft.com/office/powerpoint/2012/main" xmlns:ahyp="http://schemas.microsoft.com/office/drawing/2018/hyperlinkcolor">
   <p:cSld>
     <p:spTree>
       <p:nvGrpSpPr>
-        <p:cNvPr id="129" name="Shape 129"/>
+        <p:cNvPr id="138" name="Shape 138"/>
         <p:cNvGrpSpPr/>
         <p:nvPr/>
       </p:nvGrpSpPr>
@@ -13774,7 +14663,7 @@
       </p:grpSpPr>
       <p:sp>
         <p:nvSpPr>
-          <p:cNvPr id="130" name="Google Shape;130;p20"/>
+          <p:cNvPr id="139" name="Google Shape;139;p21"/>
           <p:cNvSpPr txBox="1"/>
           <p:nvPr>
             <p:ph type="title"/>
@@ -13820,340 +14709,286 @@
 </p:sld>
 </file>
 
-<file path=ppt/slides/slide9.xml><?xml version="1.0" encoding="utf-8"?>
-<p:sld xmlns:a="http://schemas.openxmlformats.org/drawingml/2006/main" xmlns:r="http://schemas.openxmlformats.org/officeDocument/2006/relationships" xmlns:mc="http://schemas.openxmlformats.org/markup-compatibility/2006" xmlns:mv="urn:schemas-microsoft-com:mac:vml" xmlns:p="http://schemas.openxmlformats.org/presentationml/2006/main" xmlns:c="http://schemas.openxmlformats.org/drawingml/2006/chart" xmlns:dgm="http://schemas.openxmlformats.org/drawingml/2006/diagram" xmlns:o="urn:schemas-microsoft-com:office:office" xmlns:v="urn:schemas-microsoft-com:vml" xmlns:pvml="urn:schemas-microsoft-com:office:powerpoint" xmlns:com="http://schemas.openxmlformats.org/drawingml/2006/compatibility" xmlns:p14="http://schemas.microsoft.com/office/powerpoint/2010/main" xmlns:p15="http://schemas.microsoft.com/office/powerpoint/2012/main" xmlns:ahyp="http://schemas.microsoft.com/office/drawing/2018/hyperlinkcolor">
-  <p:cSld>
-    <p:spTree>
-      <p:nvGrpSpPr>
-        <p:cNvPr id="134" name="Shape 134"/>
-        <p:cNvGrpSpPr/>
-        <p:nvPr/>
-      </p:nvGrpSpPr>
-      <p:grpSpPr>
-        <a:xfrm>
-          <a:off x="0" y="0"/>
-          <a:ext cx="0" cy="0"/>
-          <a:chOff x="0" y="0"/>
-          <a:chExt cx="0" cy="0"/>
-        </a:xfrm>
-      </p:grpSpPr>
-      <p:sp>
-        <p:nvSpPr>
-          <p:cNvPr id="135" name="Google Shape;135;p21"/>
-          <p:cNvSpPr txBox="1"/>
-          <p:nvPr>
-            <p:ph type="title"/>
-          </p:nvPr>
-        </p:nvSpPr>
-        <p:spPr>
-          <a:xfrm>
-            <a:off x="109650" y="152675"/>
-            <a:ext cx="8739600" cy="572700"/>
-          </a:xfrm>
-          <a:prstGeom prst="rect">
-            <a:avLst/>
-          </a:prstGeom>
-        </p:spPr>
-        <p:txBody>
-          <a:bodyPr anchorCtr="0" anchor="t" bIns="91425" lIns="91425" spcFirstLastPara="1" rIns="91425" wrap="square" tIns="91425">
-            <a:normAutofit/>
-          </a:bodyPr>
-          <a:lstStyle/>
-          <a:p>
-            <a:pPr indent="0" lvl="0" marL="0" rtl="0" algn="l">
-              <a:spcBef>
-                <a:spcPts val="0"/>
-              </a:spcBef>
-              <a:spcAft>
-                <a:spcPts val="0"/>
-              </a:spcAft>
-              <a:buNone/>
-            </a:pPr>
-            <a:r>
-              <a:rPr b="1" lang="en" sz="2166"/>
-              <a:t>Approach</a:t>
-            </a:r>
-            <a:r>
-              <a:rPr b="1" lang="en" sz="2166"/>
-              <a:t> #1: Resizing images before CNN</a:t>
-            </a:r>
-            <a:endParaRPr b="1"/>
-          </a:p>
-        </p:txBody>
-      </p:sp>
-      <p:sp>
-        <p:nvSpPr>
-          <p:cNvPr id="136" name="Google Shape;136;p21"/>
-          <p:cNvSpPr txBox="1"/>
-          <p:nvPr/>
-        </p:nvSpPr>
-        <p:spPr>
-          <a:xfrm>
-            <a:off x="259600" y="2584800"/>
-            <a:ext cx="8257800" cy="1739400"/>
-          </a:xfrm>
-          <a:prstGeom prst="rect">
-            <a:avLst/>
-          </a:prstGeom>
-          <a:noFill/>
-          <a:ln>
-            <a:noFill/>
-          </a:ln>
-        </p:spPr>
-        <p:txBody>
-          <a:bodyPr anchorCtr="0" anchor="t" bIns="91425" lIns="91425" spcFirstLastPara="1" rIns="91425" wrap="square" tIns="91425">
-            <a:spAutoFit/>
-          </a:bodyPr>
-          <a:lstStyle/>
-          <a:p>
-            <a:pPr indent="0" lvl="0" marL="0" rtl="0" algn="l">
-              <a:spcBef>
-                <a:spcPts val="0"/>
-              </a:spcBef>
-              <a:spcAft>
-                <a:spcPts val="0"/>
-              </a:spcAft>
-              <a:buNone/>
-            </a:pPr>
-            <a:r>
-              <a:rPr lang="en" sz="2100">
-                <a:solidFill>
-                  <a:schemeClr val="dk2"/>
-                </a:solidFill>
-              </a:rPr>
-              <a:t>What does this code do? </a:t>
-            </a:r>
-            <a:r>
-              <a:rPr lang="en" sz="900">
-                <a:solidFill>
-                  <a:schemeClr val="dk2"/>
-                </a:solidFill>
-              </a:rPr>
-              <a:t>(help from ChatGPT) </a:t>
-            </a:r>
-            <a:endParaRPr sz="900">
-              <a:solidFill>
-                <a:schemeClr val="dk2"/>
-              </a:solidFill>
-            </a:endParaRPr>
-          </a:p>
-          <a:p>
-            <a:pPr indent="-361950" lvl="0" marL="457200" rtl="0" algn="l">
-              <a:spcBef>
-                <a:spcPts val="0"/>
-              </a:spcBef>
-              <a:spcAft>
-                <a:spcPts val="0"/>
-              </a:spcAft>
-              <a:buClr>
-                <a:schemeClr val="dk2"/>
-              </a:buClr>
-              <a:buSzPts val="2100"/>
-              <a:buChar char="-"/>
-            </a:pPr>
-            <a:r>
-              <a:rPr lang="en" sz="2100">
-                <a:solidFill>
-                  <a:schemeClr val="dk2"/>
-                </a:solidFill>
-              </a:rPr>
-              <a:t>Resizes all images to 256x256 </a:t>
-            </a:r>
-            <a:r>
-              <a:rPr lang="en" sz="1900">
-                <a:solidFill>
-                  <a:schemeClr val="dk2"/>
-                </a:solidFill>
-              </a:rPr>
-              <a:t>(assumes square images)</a:t>
-            </a:r>
-            <a:endParaRPr sz="1900">
-              <a:solidFill>
-                <a:schemeClr val="dk2"/>
-              </a:solidFill>
-            </a:endParaRPr>
-          </a:p>
-          <a:p>
-            <a:pPr indent="-361950" lvl="0" marL="457200" rtl="0" algn="l">
-              <a:spcBef>
-                <a:spcPts val="0"/>
-              </a:spcBef>
-              <a:spcAft>
-                <a:spcPts val="0"/>
-              </a:spcAft>
-              <a:buClr>
-                <a:schemeClr val="dk2"/>
-              </a:buClr>
-              <a:buSzPts val="2100"/>
-              <a:buChar char="-"/>
-            </a:pPr>
-            <a:r>
-              <a:rPr lang="en" sz="2100">
-                <a:solidFill>
-                  <a:schemeClr val="dk2"/>
-                </a:solidFill>
-              </a:rPr>
-              <a:t>Crops a 224x224 square from center of 256x256 image </a:t>
-            </a:r>
-            <a:r>
-              <a:rPr b="1" lang="en" sz="2100">
-                <a:solidFill>
-                  <a:schemeClr val="dk2"/>
-                </a:solidFill>
-              </a:rPr>
-              <a:t>	</a:t>
-            </a:r>
-            <a:endParaRPr b="1" sz="2100">
-              <a:solidFill>
-                <a:schemeClr val="dk2"/>
-              </a:solidFill>
-            </a:endParaRPr>
-          </a:p>
-          <a:p>
-            <a:pPr indent="-336550" lvl="1" marL="914400" rtl="0" algn="l">
-              <a:spcBef>
-                <a:spcPts val="0"/>
-              </a:spcBef>
-              <a:spcAft>
-                <a:spcPts val="0"/>
-              </a:spcAft>
-              <a:buClr>
-                <a:schemeClr val="dk2"/>
-              </a:buClr>
-              <a:buSzPts val="1700"/>
-              <a:buChar char="-"/>
-            </a:pPr>
-            <a:r>
-              <a:rPr lang="en" sz="1700">
-                <a:solidFill>
-                  <a:schemeClr val="dk2"/>
-                </a:solidFill>
-              </a:rPr>
-              <a:t>We should not do this bc lost information!</a:t>
-            </a:r>
-            <a:endParaRPr sz="1700">
-              <a:solidFill>
-                <a:schemeClr val="dk2"/>
-              </a:solidFill>
-            </a:endParaRPr>
-          </a:p>
-          <a:p>
-            <a:pPr indent="-361950" lvl="0" marL="457200" rtl="0" algn="l">
-              <a:spcBef>
-                <a:spcPts val="0"/>
-              </a:spcBef>
-              <a:spcAft>
-                <a:spcPts val="0"/>
-              </a:spcAft>
-              <a:buClr>
-                <a:schemeClr val="dk2"/>
-              </a:buClr>
-              <a:buSzPts val="2100"/>
-              <a:buChar char="-"/>
-            </a:pPr>
-            <a:r>
-              <a:rPr lang="en" sz="2100">
-                <a:solidFill>
-                  <a:schemeClr val="dk2"/>
-                </a:solidFill>
-              </a:rPr>
-              <a:t>Turns the image to PyTorch tensor and scales/normalizes</a:t>
-            </a:r>
-            <a:endParaRPr sz="2100">
-              <a:solidFill>
-                <a:schemeClr val="dk2"/>
-              </a:solidFill>
-            </a:endParaRPr>
-          </a:p>
-        </p:txBody>
-      </p:sp>
-      <p:pic>
-        <p:nvPicPr>
-          <p:cNvPr id="137" name="Google Shape;137;p21" title="Screen Shot 2025-04-17 at 3.25.27 PM.png"/>
-          <p:cNvPicPr preferRelativeResize="0"/>
-          <p:nvPr/>
-        </p:nvPicPr>
-        <p:blipFill>
-          <a:blip r:embed="rId3">
-            <a:alphaModFix/>
-          </a:blip>
-          <a:stretch>
-            <a:fillRect/>
-          </a:stretch>
-        </p:blipFill>
-        <p:spPr>
-          <a:xfrm>
-            <a:off x="202200" y="1197650"/>
-            <a:ext cx="8739600" cy="1310940"/>
-          </a:xfrm>
-          <a:prstGeom prst="rect">
-            <a:avLst/>
-          </a:prstGeom>
-          <a:noFill/>
-          <a:ln>
-            <a:noFill/>
-          </a:ln>
-        </p:spPr>
-      </p:pic>
-      <p:sp>
-        <p:nvSpPr>
-          <p:cNvPr id="138" name="Google Shape;138;p21"/>
-          <p:cNvSpPr txBox="1"/>
-          <p:nvPr/>
-        </p:nvSpPr>
-        <p:spPr>
-          <a:xfrm>
-            <a:off x="224475" y="748175"/>
-            <a:ext cx="5079900" cy="379200"/>
-          </a:xfrm>
-          <a:prstGeom prst="rect">
-            <a:avLst/>
-          </a:prstGeom>
-          <a:noFill/>
-          <a:ln>
-            <a:noFill/>
-          </a:ln>
-        </p:spPr>
-        <p:txBody>
-          <a:bodyPr anchorCtr="0" anchor="t" bIns="91425" lIns="91425" spcFirstLastPara="1" rIns="91425" wrap="square" tIns="91425">
-            <a:noAutofit/>
-          </a:bodyPr>
-          <a:lstStyle/>
-          <a:p>
-            <a:pPr indent="0" lvl="0" marL="0" rtl="0" algn="l">
-              <a:spcBef>
-                <a:spcPts val="0"/>
-              </a:spcBef>
-              <a:spcAft>
-                <a:spcPts val="0"/>
-              </a:spcAft>
-              <a:buNone/>
-            </a:pPr>
-            <a:r>
-              <a:rPr i="1" lang="en" sz="1800">
-                <a:solidFill>
-                  <a:schemeClr val="dk2"/>
-                </a:solidFill>
-              </a:rPr>
-              <a:t>Current approach in Sharon’s code</a:t>
-            </a:r>
-            <a:endParaRPr i="1" sz="1800">
-              <a:solidFill>
-                <a:schemeClr val="dk2"/>
-              </a:solidFill>
-            </a:endParaRPr>
-          </a:p>
-        </p:txBody>
-      </p:sp>
-    </p:spTree>
-  </p:cSld>
-  <p:clrMapOvr>
-    <a:masterClrMapping/>
-  </p:clrMapOvr>
-</p:sld>
+<file path=ppt/theme/theme1.xml><?xml version="1.0" encoding="utf-8"?>
+<a:theme xmlns:a="http://schemas.openxmlformats.org/drawingml/2006/main" xmlns:r="http://schemas.openxmlformats.org/officeDocument/2006/relationships" name="Simple Light">
+  <a:themeElements>
+    <a:clrScheme name="Simple Light">
+      <a:dk1>
+        <a:srgbClr val="000000"/>
+      </a:dk1>
+      <a:lt1>
+        <a:srgbClr val="FFFFFF"/>
+      </a:lt1>
+      <a:dk2>
+        <a:srgbClr val="595959"/>
+      </a:dk2>
+      <a:lt2>
+        <a:srgbClr val="EEEEEE"/>
+      </a:lt2>
+      <a:accent1>
+        <a:srgbClr val="4285F4"/>
+      </a:accent1>
+      <a:accent2>
+        <a:srgbClr val="212121"/>
+      </a:accent2>
+      <a:accent3>
+        <a:srgbClr val="78909C"/>
+      </a:accent3>
+      <a:accent4>
+        <a:srgbClr val="FFAB40"/>
+      </a:accent4>
+      <a:accent5>
+        <a:srgbClr val="0097A7"/>
+      </a:accent5>
+      <a:accent6>
+        <a:srgbClr val="EEFF41"/>
+      </a:accent6>
+      <a:hlink>
+        <a:srgbClr val="0097A7"/>
+      </a:hlink>
+      <a:folHlink>
+        <a:srgbClr val="0097A7"/>
+      </a:folHlink>
+    </a:clrScheme>
+    <a:fontScheme name="Office">
+      <a:majorFont>
+        <a:latin typeface="Arial"/>
+        <a:ea typeface=""/>
+        <a:cs typeface=""/>
+        <a:font script="Jpan" typeface="ＭＳ Ｐゴシック"/>
+        <a:font script="Hang" typeface="맑은 고딕"/>
+        <a:font script="Hans" typeface="宋体"/>
+        <a:font script="Hant" typeface="新細明體"/>
+        <a:font script="Arab" typeface="Times New Roman"/>
+        <a:font script="Hebr" typeface="Times New Roman"/>
+        <a:font script="Thai" typeface="Angsana New"/>
+        <a:font script="Ethi" typeface="Nyala"/>
+        <a:font script="Beng" typeface="Vrinda"/>
+        <a:font script="Gujr" typeface="Shruti"/>
+        <a:font script="Khmr" typeface="MoolBoran"/>
+        <a:font script="Knda" typeface="Tunga"/>
+        <a:font script="Guru" typeface="Raavi"/>
+        <a:font script="Cans" typeface="Euphemia"/>
+        <a:font script="Cher" typeface="Plantagenet Cherokee"/>
+        <a:font script="Yiii" typeface="Microsoft Yi Baiti"/>
+        <a:font script="Tibt" typeface="Microsoft Himalaya"/>
+        <a:font script="Thaa" typeface="MV Boli"/>
+        <a:font script="Deva" typeface="Mangal"/>
+        <a:font script="Telu" typeface="Gautami"/>
+        <a:font script="Taml" typeface="Latha"/>
+        <a:font script="Syrc" typeface="Estrangelo Edessa"/>
+        <a:font script="Orya" typeface="Kalinga"/>
+        <a:font script="Mlym" typeface="Kartika"/>
+        <a:font script="Laoo" typeface="DokChampa"/>
+        <a:font script="Sinh" typeface="Iskoola Pota"/>
+        <a:font script="Mong" typeface="Mongolian Baiti"/>
+        <a:font script="Viet" typeface="Times New Roman"/>
+        <a:font script="Uigh" typeface="Microsoft Uighur"/>
+        <a:font script="Geor" typeface="Sylfaen"/>
+      </a:majorFont>
+      <a:minorFont>
+        <a:latin typeface="Arial"/>
+        <a:ea typeface=""/>
+        <a:cs typeface=""/>
+        <a:font script="Jpan" typeface="ＭＳ Ｐゴシック"/>
+        <a:font script="Hang" typeface="맑은 고딕"/>
+        <a:font script="Hans" typeface="宋体"/>
+        <a:font script="Hant" typeface="新細明體"/>
+        <a:font script="Arab" typeface="Arial"/>
+        <a:font script="Hebr" typeface="Arial"/>
+        <a:font script="Thai" typeface="Cordia New"/>
+        <a:font script="Ethi" typeface="Nyala"/>
+        <a:font script="Beng" typeface="Vrinda"/>
+        <a:font script="Gujr" typeface="Shruti"/>
+        <a:font script="Khmr" typeface="DaunPenh"/>
+        <a:font script="Knda" typeface="Tunga"/>
+        <a:font script="Guru" typeface="Raavi"/>
+        <a:font script="Cans" typeface="Euphemia"/>
+        <a:font script="Cher" typeface="Plantagenet Cherokee"/>
+        <a:font script="Yiii" typeface="Microsoft Yi Baiti"/>
+        <a:font script="Tibt" typeface="Microsoft Himalaya"/>
+        <a:font script="Thaa" typeface="MV Boli"/>
+        <a:font script="Deva" typeface="Mangal"/>
+        <a:font script="Telu" typeface="Gautami"/>
+        <a:font script="Taml" typeface="Latha"/>
+        <a:font script="Syrc" typeface="Estrangelo Edessa"/>
+        <a:font script="Orya" typeface="Kalinga"/>
+        <a:font script="Mlym" typeface="Kartika"/>
+        <a:font script="Laoo" typeface="DokChampa"/>
+        <a:font script="Sinh" typeface="Iskoola Pota"/>
+        <a:font script="Mong" typeface="Mongolian Baiti"/>
+        <a:font script="Viet" typeface="Arial"/>
+        <a:font script="Uigh" typeface="Microsoft Uighur"/>
+        <a:font script="Geor" typeface="Sylfaen"/>
+      </a:minorFont>
+    </a:fontScheme>
+    <a:fmtScheme name="Office">
+      <a:fillStyleLst>
+        <a:solidFill>
+          <a:schemeClr val="phClr"/>
+        </a:solidFill>
+        <a:gradFill rotWithShape="1">
+          <a:gsLst>
+            <a:gs pos="0">
+              <a:schemeClr val="phClr">
+                <a:tint val="50000"/>
+                <a:satMod val="300000"/>
+              </a:schemeClr>
+            </a:gs>
+            <a:gs pos="35000">
+              <a:schemeClr val="phClr">
+                <a:tint val="37000"/>
+                <a:satMod val="300000"/>
+              </a:schemeClr>
+            </a:gs>
+            <a:gs pos="100000">
+              <a:schemeClr val="phClr">
+                <a:tint val="15000"/>
+                <a:satMod val="350000"/>
+              </a:schemeClr>
+            </a:gs>
+          </a:gsLst>
+          <a:lin ang="16200000" scaled="1"/>
+        </a:gradFill>
+        <a:gradFill rotWithShape="1">
+          <a:gsLst>
+            <a:gs pos="0">
+              <a:schemeClr val="phClr">
+                <a:tint val="100000"/>
+                <a:shade val="100000"/>
+                <a:satMod val="130000"/>
+              </a:schemeClr>
+            </a:gs>
+            <a:gs pos="100000">
+              <a:schemeClr val="phClr">
+                <a:tint val="50000"/>
+                <a:shade val="100000"/>
+                <a:satMod val="350000"/>
+              </a:schemeClr>
+            </a:gs>
+          </a:gsLst>
+          <a:lin ang="16200000" scaled="0"/>
+        </a:gradFill>
+      </a:fillStyleLst>
+      <a:lnStyleLst>
+        <a:ln w="9525" cap="flat" cmpd="sng" algn="ctr">
+          <a:solidFill>
+            <a:schemeClr val="phClr">
+              <a:shade val="95000"/>
+              <a:satMod val="105000"/>
+            </a:schemeClr>
+          </a:solidFill>
+          <a:prstDash val="solid"/>
+        </a:ln>
+        <a:ln w="25400" cap="flat" cmpd="sng" algn="ctr">
+          <a:solidFill>
+            <a:schemeClr val="phClr"/>
+          </a:solidFill>
+          <a:prstDash val="solid"/>
+        </a:ln>
+        <a:ln w="38100" cap="flat" cmpd="sng" algn="ctr">
+          <a:solidFill>
+            <a:schemeClr val="phClr"/>
+          </a:solidFill>
+          <a:prstDash val="solid"/>
+        </a:ln>
+      </a:lnStyleLst>
+      <a:effectStyleLst>
+        <a:effectStyle>
+          <a:effectLst>
+            <a:outerShdw blurRad="40000" dist="20000" dir="5400000" rotWithShape="0">
+              <a:srgbClr val="000000">
+                <a:alpha val="38000"/>
+              </a:srgbClr>
+            </a:outerShdw>
+          </a:effectLst>
+        </a:effectStyle>
+        <a:effectStyle>
+          <a:effectLst>
+            <a:outerShdw blurRad="40000" dist="23000" dir="5400000" rotWithShape="0">
+              <a:srgbClr val="000000">
+                <a:alpha val="35000"/>
+              </a:srgbClr>
+            </a:outerShdw>
+          </a:effectLst>
+        </a:effectStyle>
+        <a:effectStyle>
+          <a:effectLst>
+            <a:outerShdw blurRad="40000" dist="23000" dir="5400000" rotWithShape="0">
+              <a:srgbClr val="000000">
+                <a:alpha val="35000"/>
+              </a:srgbClr>
+            </a:outerShdw>
+          </a:effectLst>
+          <a:scene3d>
+            <a:camera prst="orthographicFront">
+              <a:rot lat="0" lon="0" rev="0"/>
+            </a:camera>
+            <a:lightRig rig="threePt" dir="t">
+              <a:rot lat="0" lon="0" rev="1200000"/>
+            </a:lightRig>
+          </a:scene3d>
+          <a:sp3d>
+            <a:bevelT w="63500" h="25400"/>
+          </a:sp3d>
+        </a:effectStyle>
+      </a:effectStyleLst>
+      <a:bgFillStyleLst>
+        <a:solidFill>
+          <a:schemeClr val="phClr"/>
+        </a:solidFill>
+        <a:gradFill rotWithShape="1">
+          <a:gsLst>
+            <a:gs pos="0">
+              <a:schemeClr val="phClr">
+                <a:tint val="40000"/>
+                <a:satMod val="350000"/>
+              </a:schemeClr>
+            </a:gs>
+            <a:gs pos="40000">
+              <a:schemeClr val="phClr">
+                <a:tint val="45000"/>
+                <a:shade val="99000"/>
+                <a:satMod val="350000"/>
+              </a:schemeClr>
+            </a:gs>
+            <a:gs pos="100000">
+              <a:schemeClr val="phClr">
+                <a:shade val="20000"/>
+                <a:satMod val="255000"/>
+              </a:schemeClr>
+            </a:gs>
+          </a:gsLst>
+          <a:path path="circle">
+            <a:fillToRect l="50000" t="-80000" r="50000" b="180000"/>
+          </a:path>
+        </a:gradFill>
+        <a:gradFill rotWithShape="1">
+          <a:gsLst>
+            <a:gs pos="0">
+              <a:schemeClr val="phClr">
+                <a:tint val="80000"/>
+                <a:satMod val="300000"/>
+              </a:schemeClr>
+            </a:gs>
+            <a:gs pos="100000">
+              <a:schemeClr val="phClr">
+                <a:shade val="30000"/>
+                <a:satMod val="200000"/>
+              </a:schemeClr>
+            </a:gs>
+          </a:gsLst>
+          <a:path path="circle">
+            <a:fillToRect l="50000" t="50000" r="50000" b="50000"/>
+          </a:path>
+        </a:gradFill>
+      </a:bgFillStyleLst>
+    </a:fmtScheme>
+  </a:themeElements>
+</a:theme>
 </file>
 
-<file path=ppt/theme/theme1.xml><?xml version="1.0" encoding="utf-8"?>
+<file path=ppt/theme/theme2.xml><?xml version="1.0" encoding="utf-8"?>
 <a:theme xmlns:a="http://schemas.openxmlformats.org/drawingml/2006/main" xmlns:r="http://schemas.openxmlformats.org/officeDocument/2006/relationships">
   <a:themeElements>
     <a:clrScheme name="Default">
@@ -14430,283 +15265,4 @@
     </a:fmtScheme>
   </a:themeElements>
 </a:theme>
-</file>
-
-<file path=ppt/theme/theme2.xml><?xml version="1.0" encoding="utf-8"?>
-<a:theme xmlns:a="http://schemas.openxmlformats.org/drawingml/2006/main" xmlns:r="http://schemas.openxmlformats.org/officeDocument/2006/relationships" name="Simple Light">
-  <a:themeElements>
-    <a:clrScheme name="Simple Light">
-      <a:dk1>
-        <a:srgbClr val="000000"/>
-      </a:dk1>
-      <a:lt1>
-        <a:srgbClr val="FFFFFF"/>
-      </a:lt1>
-      <a:dk2>
-        <a:srgbClr val="595959"/>
-      </a:dk2>
-      <a:lt2>
-        <a:srgbClr val="EEEEEE"/>
-      </a:lt2>
-      <a:accent1>
-        <a:srgbClr val="4285F4"/>
-      </a:accent1>
-      <a:accent2>
-        <a:srgbClr val="212121"/>
-      </a:accent2>
-      <a:accent3>
-        <a:srgbClr val="78909C"/>
-      </a:accent3>
-      <a:accent4>
-        <a:srgbClr val="FFAB40"/>
-      </a:accent4>
-      <a:accent5>
-        <a:srgbClr val="0097A7"/>
-      </a:accent5>
-      <a:accent6>
-        <a:srgbClr val="EEFF41"/>
-      </a:accent6>
-      <a:hlink>
-        <a:srgbClr val="0097A7"/>
-      </a:hlink>
-      <a:folHlink>
-        <a:srgbClr val="0097A7"/>
-      </a:folHlink>
-    </a:clrScheme>
-    <a:fontScheme name="Office">
-      <a:majorFont>
-        <a:latin typeface="Arial"/>
-        <a:ea typeface=""/>
-        <a:cs typeface=""/>
-        <a:font script="Jpan" typeface="ＭＳ Ｐゴシック"/>
-        <a:font script="Hang" typeface="맑은 고딕"/>
-        <a:font script="Hans" typeface="宋体"/>
-        <a:font script="Hant" typeface="新細明體"/>
-        <a:font script="Arab" typeface="Times New Roman"/>
-        <a:font script="Hebr" typeface="Times New Roman"/>
-        <a:font script="Thai" typeface="Angsana New"/>
-        <a:font script="Ethi" typeface="Nyala"/>
-        <a:font script="Beng" typeface="Vrinda"/>
-        <a:font script="Gujr" typeface="Shruti"/>
-        <a:font script="Khmr" typeface="MoolBoran"/>
-        <a:font script="Knda" typeface="Tunga"/>
-        <a:font script="Guru" typeface="Raavi"/>
-        <a:font script="Cans" typeface="Euphemia"/>
-        <a:font script="Cher" typeface="Plantagenet Cherokee"/>
-        <a:font script="Yiii" typeface="Microsoft Yi Baiti"/>
-        <a:font script="Tibt" typeface="Microsoft Himalaya"/>
-        <a:font script="Thaa" typeface="MV Boli"/>
-        <a:font script="Deva" typeface="Mangal"/>
-        <a:font script="Telu" typeface="Gautami"/>
-        <a:font script="Taml" typeface="Latha"/>
-        <a:font script="Syrc" typeface="Estrangelo Edessa"/>
-        <a:font script="Orya" typeface="Kalinga"/>
-        <a:font script="Mlym" typeface="Kartika"/>
-        <a:font script="Laoo" typeface="DokChampa"/>
-        <a:font script="Sinh" typeface="Iskoola Pota"/>
-        <a:font script="Mong" typeface="Mongolian Baiti"/>
-        <a:font script="Viet" typeface="Times New Roman"/>
-        <a:font script="Uigh" typeface="Microsoft Uighur"/>
-        <a:font script="Geor" typeface="Sylfaen"/>
-      </a:majorFont>
-      <a:minorFont>
-        <a:latin typeface="Arial"/>
-        <a:ea typeface=""/>
-        <a:cs typeface=""/>
-        <a:font script="Jpan" typeface="ＭＳ Ｐゴシック"/>
-        <a:font script="Hang" typeface="맑은 고딕"/>
-        <a:font script="Hans" typeface="宋体"/>
-        <a:font script="Hant" typeface="新細明體"/>
-        <a:font script="Arab" typeface="Arial"/>
-        <a:font script="Hebr" typeface="Arial"/>
-        <a:font script="Thai" typeface="Cordia New"/>
-        <a:font script="Ethi" typeface="Nyala"/>
-        <a:font script="Beng" typeface="Vrinda"/>
-        <a:font script="Gujr" typeface="Shruti"/>
-        <a:font script="Khmr" typeface="DaunPenh"/>
-        <a:font script="Knda" typeface="Tunga"/>
-        <a:font script="Guru" typeface="Raavi"/>
-        <a:font script="Cans" typeface="Euphemia"/>
-        <a:font script="Cher" typeface="Plantagenet Cherokee"/>
-        <a:font script="Yiii" typeface="Microsoft Yi Baiti"/>
-        <a:font script="Tibt" typeface="Microsoft Himalaya"/>
-        <a:font script="Thaa" typeface="MV Boli"/>
-        <a:font script="Deva" typeface="Mangal"/>
-        <a:font script="Telu" typeface="Gautami"/>
-        <a:font script="Taml" typeface="Latha"/>
-        <a:font script="Syrc" typeface="Estrangelo Edessa"/>
-        <a:font script="Orya" typeface="Kalinga"/>
-        <a:font script="Mlym" typeface="Kartika"/>
-        <a:font script="Laoo" typeface="DokChampa"/>
-        <a:font script="Sinh" typeface="Iskoola Pota"/>
-        <a:font script="Mong" typeface="Mongolian Baiti"/>
-        <a:font script="Viet" typeface="Arial"/>
-        <a:font script="Uigh" typeface="Microsoft Uighur"/>
-        <a:font script="Geor" typeface="Sylfaen"/>
-      </a:minorFont>
-    </a:fontScheme>
-    <a:fmtScheme name="Office">
-      <a:fillStyleLst>
-        <a:solidFill>
-          <a:schemeClr val="phClr"/>
-        </a:solidFill>
-        <a:gradFill rotWithShape="1">
-          <a:gsLst>
-            <a:gs pos="0">
-              <a:schemeClr val="phClr">
-                <a:tint val="50000"/>
-                <a:satMod val="300000"/>
-              </a:schemeClr>
-            </a:gs>
-            <a:gs pos="35000">
-              <a:schemeClr val="phClr">
-                <a:tint val="37000"/>
-                <a:satMod val="300000"/>
-              </a:schemeClr>
-            </a:gs>
-            <a:gs pos="100000">
-              <a:schemeClr val="phClr">
-                <a:tint val="15000"/>
-                <a:satMod val="350000"/>
-              </a:schemeClr>
-            </a:gs>
-          </a:gsLst>
-          <a:lin ang="16200000" scaled="1"/>
-        </a:gradFill>
-        <a:gradFill rotWithShape="1">
-          <a:gsLst>
-            <a:gs pos="0">
-              <a:schemeClr val="phClr">
-                <a:tint val="100000"/>
-                <a:shade val="100000"/>
-                <a:satMod val="130000"/>
-              </a:schemeClr>
-            </a:gs>
-            <a:gs pos="100000">
-              <a:schemeClr val="phClr">
-                <a:tint val="50000"/>
-                <a:shade val="100000"/>
-                <a:satMod val="350000"/>
-              </a:schemeClr>
-            </a:gs>
-          </a:gsLst>
-          <a:lin ang="16200000" scaled="0"/>
-        </a:gradFill>
-      </a:fillStyleLst>
-      <a:lnStyleLst>
-        <a:ln w="9525" cap="flat" cmpd="sng" algn="ctr">
-          <a:solidFill>
-            <a:schemeClr val="phClr">
-              <a:shade val="95000"/>
-              <a:satMod val="105000"/>
-            </a:schemeClr>
-          </a:solidFill>
-          <a:prstDash val="solid"/>
-        </a:ln>
-        <a:ln w="25400" cap="flat" cmpd="sng" algn="ctr">
-          <a:solidFill>
-            <a:schemeClr val="phClr"/>
-          </a:solidFill>
-          <a:prstDash val="solid"/>
-        </a:ln>
-        <a:ln w="38100" cap="flat" cmpd="sng" algn="ctr">
-          <a:solidFill>
-            <a:schemeClr val="phClr"/>
-          </a:solidFill>
-          <a:prstDash val="solid"/>
-        </a:ln>
-      </a:lnStyleLst>
-      <a:effectStyleLst>
-        <a:effectStyle>
-          <a:effectLst>
-            <a:outerShdw blurRad="40000" dist="20000" dir="5400000" rotWithShape="0">
-              <a:srgbClr val="000000">
-                <a:alpha val="38000"/>
-              </a:srgbClr>
-            </a:outerShdw>
-          </a:effectLst>
-        </a:effectStyle>
-        <a:effectStyle>
-          <a:effectLst>
-            <a:outerShdw blurRad="40000" dist="23000" dir="5400000" rotWithShape="0">
-              <a:srgbClr val="000000">
-                <a:alpha val="35000"/>
-              </a:srgbClr>
-            </a:outerShdw>
-          </a:effectLst>
-        </a:effectStyle>
-        <a:effectStyle>
-          <a:effectLst>
-            <a:outerShdw blurRad="40000" dist="23000" dir="5400000" rotWithShape="0">
-              <a:srgbClr val="000000">
-                <a:alpha val="35000"/>
-              </a:srgbClr>
-            </a:outerShdw>
-          </a:effectLst>
-          <a:scene3d>
-            <a:camera prst="orthographicFront">
-              <a:rot lat="0" lon="0" rev="0"/>
-            </a:camera>
-            <a:lightRig rig="threePt" dir="t">
-              <a:rot lat="0" lon="0" rev="1200000"/>
-            </a:lightRig>
-          </a:scene3d>
-          <a:sp3d>
-            <a:bevelT w="63500" h="25400"/>
-          </a:sp3d>
-        </a:effectStyle>
-      </a:effectStyleLst>
-      <a:bgFillStyleLst>
-        <a:solidFill>
-          <a:schemeClr val="phClr"/>
-        </a:solidFill>
-        <a:gradFill rotWithShape="1">
-          <a:gsLst>
-            <a:gs pos="0">
-              <a:schemeClr val="phClr">
-                <a:tint val="40000"/>
-                <a:satMod val="350000"/>
-              </a:schemeClr>
-            </a:gs>
-            <a:gs pos="40000">
-              <a:schemeClr val="phClr">
-                <a:tint val="45000"/>
-                <a:shade val="99000"/>
-                <a:satMod val="350000"/>
-              </a:schemeClr>
-            </a:gs>
-            <a:gs pos="100000">
-              <a:schemeClr val="phClr">
-                <a:shade val="20000"/>
-                <a:satMod val="255000"/>
-              </a:schemeClr>
-            </a:gs>
-          </a:gsLst>
-          <a:path path="circle">
-            <a:fillToRect l="50000" t="-80000" r="50000" b="180000"/>
-          </a:path>
-        </a:gradFill>
-        <a:gradFill rotWithShape="1">
-          <a:gsLst>
-            <a:gs pos="0">
-              <a:schemeClr val="phClr">
-                <a:tint val="80000"/>
-                <a:satMod val="300000"/>
-              </a:schemeClr>
-            </a:gs>
-            <a:gs pos="100000">
-              <a:schemeClr val="phClr">
-                <a:shade val="30000"/>
-                <a:satMod val="200000"/>
-              </a:schemeClr>
-            </a:gs>
-          </a:gsLst>
-          <a:path path="circle">
-            <a:fillToRect l="50000" t="50000" r="50000" b="50000"/>
-          </a:path>
-        </a:gradFill>
-      </a:bgFillStyleLst>
-    </a:fmtScheme>
-  </a:themeElements>
-</a:theme>
 </file>